--- a/Slides/740- Anomaly Detector for Floodlight .pptx
+++ b/Slides/740- Anomaly Detector for Floodlight .pptx
@@ -5,7 +5,7 @@
     <p:sldMasterId id="2147483924" r:id="rId1"/>
   </p:sldMasterIdLst>
   <p:notesMasterIdLst>
-    <p:notesMasterId r:id="rId19"/>
+    <p:notesMasterId r:id="rId24"/>
   </p:notesMasterIdLst>
   <p:sldIdLst>
     <p:sldId id="256" r:id="rId2"/>
@@ -20,11 +20,16 @@
     <p:sldId id="269" r:id="rId11"/>
     <p:sldId id="270" r:id="rId12"/>
     <p:sldId id="263" r:id="rId13"/>
-    <p:sldId id="267" r:id="rId14"/>
-    <p:sldId id="268" r:id="rId15"/>
-    <p:sldId id="264" r:id="rId16"/>
-    <p:sldId id="265" r:id="rId17"/>
-    <p:sldId id="273" r:id="rId18"/>
+    <p:sldId id="274" r:id="rId14"/>
+    <p:sldId id="275" r:id="rId15"/>
+    <p:sldId id="276" r:id="rId16"/>
+    <p:sldId id="277" r:id="rId17"/>
+    <p:sldId id="278" r:id="rId18"/>
+    <p:sldId id="279" r:id="rId19"/>
+    <p:sldId id="267" r:id="rId20"/>
+    <p:sldId id="264" r:id="rId21"/>
+    <p:sldId id="265" r:id="rId22"/>
+    <p:sldId id="273" r:id="rId23"/>
   </p:sldIdLst>
   <p:sldSz cx="9144000" cy="6858000" type="screen4x3"/>
   <p:notesSz cx="6858000" cy="9144000"/>
@@ -208,7 +213,7 @@
           <a:p>
             <a:fld id="{B94CFE1E-B7F1-4B40-8BE5-E77C4CE0FFB6}" type="datetimeFigureOut">
               <a:rPr lang="en-US" smtClean="0"/>
-              <a:t>5/9/2013</a:t>
+              <a:t>5/10/2013</a:t>
             </a:fld>
             <a:endParaRPr lang="en-US"/>
           </a:p>
@@ -709,7 +714,7 @@
           <a:p>
             <a:fld id="{8EEA8AF0-4711-4BB7-BE54-B82B3F86C3BD}" type="slidenum">
               <a:rPr lang="en-US" smtClean="0"/>
-              <a:t>17</a:t>
+              <a:t>22</a:t>
             </a:fld>
             <a:endParaRPr lang="en-US"/>
           </a:p>
@@ -922,7 +927,7 @@
             <a:fld id="{1D8BD707-D9CF-40AE-B4C6-C98DA3205C09}" type="datetimeFigureOut">
               <a:rPr lang="en-US" smtClean="0"/>
               <a:pPr/>
-              <a:t>5/9/2013</a:t>
+              <a:t>5/10/2013</a:t>
             </a:fld>
             <a:endParaRPr lang="en-US"/>
           </a:p>
@@ -1189,7 +1194,7 @@
             <a:fld id="{1D8BD707-D9CF-40AE-B4C6-C98DA3205C09}" type="datetimeFigureOut">
               <a:rPr lang="en-US" smtClean="0"/>
               <a:pPr/>
-              <a:t>5/9/2013</a:t>
+              <a:t>5/10/2013</a:t>
             </a:fld>
             <a:endParaRPr lang="en-US"/>
           </a:p>
@@ -1366,7 +1371,7 @@
             <a:fld id="{1D8BD707-D9CF-40AE-B4C6-C98DA3205C09}" type="datetimeFigureOut">
               <a:rPr lang="en-US" smtClean="0"/>
               <a:pPr/>
-              <a:t>5/9/2013</a:t>
+              <a:t>5/10/2013</a:t>
             </a:fld>
             <a:endParaRPr lang="en-US"/>
           </a:p>
@@ -1533,7 +1538,7 @@
             <a:fld id="{1D8BD707-D9CF-40AE-B4C6-C98DA3205C09}" type="datetimeFigureOut">
               <a:rPr lang="en-US" smtClean="0"/>
               <a:pPr/>
-              <a:t>5/9/2013</a:t>
+              <a:t>5/10/2013</a:t>
             </a:fld>
             <a:endParaRPr lang="en-US"/>
           </a:p>
@@ -1784,7 +1789,7 @@
             <a:fld id="{1D8BD707-D9CF-40AE-B4C6-C98DA3205C09}" type="datetimeFigureOut">
               <a:rPr lang="en-US" smtClean="0"/>
               <a:pPr/>
-              <a:t>5/9/2013</a:t>
+              <a:t>5/10/2013</a:t>
             </a:fld>
             <a:endParaRPr lang="en-US"/>
           </a:p>
@@ -2069,7 +2074,7 @@
             <a:fld id="{1D8BD707-D9CF-40AE-B4C6-C98DA3205C09}" type="datetimeFigureOut">
               <a:rPr lang="en-US" smtClean="0"/>
               <a:pPr/>
-              <a:t>5/9/2013</a:t>
+              <a:t>5/10/2013</a:t>
             </a:fld>
             <a:endParaRPr lang="en-US"/>
           </a:p>
@@ -2510,7 +2515,7 @@
             <a:fld id="{1D8BD707-D9CF-40AE-B4C6-C98DA3205C09}" type="datetimeFigureOut">
               <a:rPr lang="en-US" smtClean="0"/>
               <a:pPr/>
-              <a:t>5/9/2013</a:t>
+              <a:t>5/10/2013</a:t>
             </a:fld>
             <a:endParaRPr lang="en-US"/>
           </a:p>
@@ -2625,7 +2630,7 @@
             <a:fld id="{1D8BD707-D9CF-40AE-B4C6-C98DA3205C09}" type="datetimeFigureOut">
               <a:rPr lang="en-US" smtClean="0"/>
               <a:pPr/>
-              <a:t>5/9/2013</a:t>
+              <a:t>5/10/2013</a:t>
             </a:fld>
             <a:endParaRPr lang="en-US"/>
           </a:p>
@@ -2717,7 +2722,7 @@
             <a:fld id="{1D8BD707-D9CF-40AE-B4C6-C98DA3205C09}" type="datetimeFigureOut">
               <a:rPr lang="en-US" smtClean="0"/>
               <a:pPr/>
-              <a:t>5/9/2013</a:t>
+              <a:t>5/10/2013</a:t>
             </a:fld>
             <a:endParaRPr lang="en-US"/>
           </a:p>
@@ -2961,7 +2966,7 @@
             <a:fld id="{1D8BD707-D9CF-40AE-B4C6-C98DA3205C09}" type="datetimeFigureOut">
               <a:rPr lang="en-US" smtClean="0"/>
               <a:pPr/>
-              <a:t>5/9/2013</a:t>
+              <a:t>5/10/2013</a:t>
             </a:fld>
             <a:endParaRPr lang="en-US"/>
           </a:p>
@@ -3257,7 +3262,7 @@
             <a:fld id="{1D8BD707-D9CF-40AE-B4C6-C98DA3205C09}" type="datetimeFigureOut">
               <a:rPr lang="en-US" smtClean="0"/>
               <a:pPr/>
-              <a:t>5/9/2013</a:t>
+              <a:t>5/10/2013</a:t>
             </a:fld>
             <a:endParaRPr lang="en-US"/>
           </a:p>
@@ -3553,7 +3558,7 @@
             <a:fld id="{1D8BD707-D9CF-40AE-B4C6-C98DA3205C09}" type="datetimeFigureOut">
               <a:rPr lang="en-US" smtClean="0"/>
               <a:pPr/>
-              <a:t>5/9/2013</a:t>
+              <a:t>5/10/2013</a:t>
             </a:fld>
             <a:endParaRPr lang="en-US"/>
           </a:p>
@@ -8472,43 +8477,32 @@
           <a:bodyPr/>
           <a:lstStyle/>
           <a:p>
+            <a:pPr marL="342900" indent="-342900">
+              <a:buFont typeface="Arial" pitchFamily="34" charset="0"/>
+              <a:buChar char="•"/>
+            </a:pPr>
             <a:r>
               <a:rPr lang="en-US" dirty="0"/>
-              <a:t>Ran some simple tests involving a two </a:t>
-            </a:r>
-            <a:r>
-              <a:rPr lang="en-US" dirty="0" err="1"/>
-              <a:t>dierent</a:t>
-            </a:r>
-            <a:r>
-              <a:rPr lang="en-US" dirty="0"/>
-              <a:t> </a:t>
-            </a:r>
-            <a:r>
-              <a:rPr lang="en-US" dirty="0" err="1"/>
-              <a:t>congurations</a:t>
+              <a:t>Ran some simple tests involving </a:t>
+            </a:r>
+            <a:r>
+              <a:rPr lang="en-US" dirty="0" smtClean="0"/>
+              <a:t>a tree topology</a:t>
             </a:r>
             <a:endParaRPr lang="en-US" dirty="0"/>
           </a:p>
           <a:p>
-            <a:r>
-              <a:rPr lang="en-US" dirty="0"/>
-              <a:t>on </a:t>
-            </a:r>
-            <a:r>
-              <a:rPr lang="en-US" dirty="0" err="1"/>
-              <a:t>mininet</a:t>
-            </a:r>
-            <a:endParaRPr lang="en-US" dirty="0"/>
-          </a:p>
-          <a:p>
+            <a:pPr marL="342900" indent="-342900">
+              <a:buFont typeface="Arial" pitchFamily="34" charset="0"/>
+              <a:buChar char="•"/>
+            </a:pPr>
             <a:r>
               <a:rPr lang="en-US" dirty="0"/>
               <a:t>Still need to test for large volumes of </a:t>
             </a:r>
             <a:r>
-              <a:rPr lang="en-US" dirty="0" err="1"/>
-              <a:t>trac</a:t>
+              <a:rPr lang="en-US" dirty="0" smtClean="0"/>
+              <a:t>traffic</a:t>
             </a:r>
             <a:endParaRPr lang="en-US" dirty="0"/>
           </a:p>
@@ -8554,21 +8548,82 @@
       <p:sp>
         <p:nvSpPr>
           <p:cNvPr id="2" name="Title 1"/>
-          <p:cNvSpPr>
-            <a:spLocks noGrp="1"/>
+          <p:cNvSpPr txBox="1">
+            <a:spLocks/>
           </p:cNvSpPr>
-          <p:nvPr>
-            <p:ph type="title"/>
-          </p:nvPr>
-        </p:nvSpPr>
-        <p:spPr/>
+          <p:nvPr/>
+        </p:nvSpPr>
+        <p:spPr>
+          <a:xfrm>
+            <a:off x="457200" y="152718"/>
+            <a:ext cx="5791200" cy="1371600"/>
+          </a:xfrm>
+          <a:prstGeom prst="rect">
+            <a:avLst/>
+          </a:prstGeom>
+        </p:spPr>
         <p:txBody>
           <a:bodyPr/>
-          <a:lstStyle/>
+          <a:lstStyle>
+            <a:lvl1pPr algn="l" defTabSz="914400" rtl="0" eaLnBrk="1" latinLnBrk="0" hangingPunct="1">
+              <a:spcBef>
+                <a:spcPct val="0"/>
+              </a:spcBef>
+              <a:buNone/>
+              <a:defRPr sz="3600" kern="1200" cap="all" spc="-60" baseline="0">
+                <a:solidFill>
+                  <a:schemeClr val="tx2"/>
+                </a:solidFill>
+                <a:latin typeface="+mj-lt"/>
+                <a:ea typeface="+mj-ea"/>
+                <a:cs typeface="+mj-cs"/>
+              </a:defRPr>
+            </a:lvl1pPr>
+          </a:lstStyle>
+          <a:p>
+            <a:endParaRPr lang="en-US" dirty="0"/>
+          </a:p>
+        </p:txBody>
+      </p:sp>
+      <p:sp>
+        <p:nvSpPr>
+          <p:cNvPr id="4" name="Title 1"/>
+          <p:cNvSpPr txBox="1">
+            <a:spLocks/>
+          </p:cNvSpPr>
+          <p:nvPr/>
+        </p:nvSpPr>
+        <p:spPr>
+          <a:xfrm>
+            <a:off x="609600" y="305118"/>
+            <a:ext cx="6172200" cy="1371600"/>
+          </a:xfrm>
+          <a:prstGeom prst="rect">
+            <a:avLst/>
+          </a:prstGeom>
+        </p:spPr>
+        <p:txBody>
+          <a:bodyPr/>
+          <a:lstStyle>
+            <a:lvl1pPr algn="l" defTabSz="914400" rtl="0" eaLnBrk="1" latinLnBrk="0" hangingPunct="1">
+              <a:spcBef>
+                <a:spcPct val="0"/>
+              </a:spcBef>
+              <a:buNone/>
+              <a:defRPr sz="3600" kern="1200" cap="all" spc="-60" baseline="0">
+                <a:solidFill>
+                  <a:schemeClr val="tx2"/>
+                </a:solidFill>
+                <a:latin typeface="+mj-lt"/>
+                <a:ea typeface="+mj-ea"/>
+                <a:cs typeface="+mj-cs"/>
+              </a:defRPr>
+            </a:lvl1pPr>
+          </a:lstStyle>
           <a:p>
             <a:r>
               <a:rPr lang="en-US" dirty="0" smtClean="0"/>
-              <a:t>Evaluation - Tools</a:t>
+              <a:t>Evaluation – scenario 1</a:t>
             </a:r>
             <a:endParaRPr lang="en-US" dirty="0"/>
           </a:p>
@@ -8576,65 +8631,1720 @@
       </p:sp>
       <p:sp>
         <p:nvSpPr>
-          <p:cNvPr id="3" name="Content Placeholder 2"/>
-          <p:cNvSpPr>
-            <a:spLocks noGrp="1"/>
-          </p:cNvSpPr>
-          <p:nvPr>
-            <p:ph idx="1"/>
-          </p:nvPr>
-        </p:nvSpPr>
-        <p:spPr/>
-        <p:txBody>
-          <a:bodyPr/>
-          <a:lstStyle/>
-          <a:p>
+          <p:cNvPr id="5" name="Rectangle 4"/>
+          <p:cNvSpPr/>
+          <p:nvPr/>
+        </p:nvSpPr>
+        <p:spPr>
+          <a:xfrm>
+            <a:off x="3808879" y="1496509"/>
+            <a:ext cx="685800" cy="304800"/>
+          </a:xfrm>
+          <a:prstGeom prst="rect">
+            <a:avLst/>
+          </a:prstGeom>
+          <a:solidFill>
+            <a:schemeClr val="bg1"/>
+          </a:solidFill>
+          <a:ln>
+            <a:solidFill>
+              <a:schemeClr val="tx1"/>
+            </a:solidFill>
+          </a:ln>
+        </p:spPr>
+        <p:style>
+          <a:lnRef idx="2">
+            <a:schemeClr val="accent1">
+              <a:shade val="50000"/>
+            </a:schemeClr>
+          </a:lnRef>
+          <a:fillRef idx="1">
+            <a:schemeClr val="accent1"/>
+          </a:fillRef>
+          <a:effectRef idx="0">
+            <a:schemeClr val="accent1"/>
+          </a:effectRef>
+          <a:fontRef idx="minor">
+            <a:schemeClr val="lt1"/>
+          </a:fontRef>
+        </p:style>
+        <p:txBody>
+          <a:bodyPr rtlCol="0" anchor="ctr"/>
+          <a:lstStyle/>
+          <a:p>
+            <a:pPr algn="ctr"/>
+            <a:endParaRPr lang="en-US"/>
+          </a:p>
+        </p:txBody>
+      </p:sp>
+      <p:sp>
+        <p:nvSpPr>
+          <p:cNvPr id="6" name="Rectangle 5"/>
+          <p:cNvSpPr/>
+          <p:nvPr/>
+        </p:nvSpPr>
+        <p:spPr>
+          <a:xfrm>
+            <a:off x="2316256" y="2554344"/>
+            <a:ext cx="685800" cy="304800"/>
+          </a:xfrm>
+          <a:prstGeom prst="rect">
+            <a:avLst/>
+          </a:prstGeom>
+          <a:solidFill>
+            <a:schemeClr val="bg1"/>
+          </a:solidFill>
+          <a:ln>
+            <a:solidFill>
+              <a:schemeClr val="tx1"/>
+            </a:solidFill>
+          </a:ln>
+        </p:spPr>
+        <p:style>
+          <a:lnRef idx="2">
+            <a:schemeClr val="accent1">
+              <a:shade val="50000"/>
+            </a:schemeClr>
+          </a:lnRef>
+          <a:fillRef idx="1">
+            <a:schemeClr val="accent1"/>
+          </a:fillRef>
+          <a:effectRef idx="0">
+            <a:schemeClr val="accent1"/>
+          </a:effectRef>
+          <a:fontRef idx="minor">
+            <a:schemeClr val="lt1"/>
+          </a:fontRef>
+        </p:style>
+        <p:txBody>
+          <a:bodyPr rtlCol="0" anchor="ctr"/>
+          <a:lstStyle/>
+          <a:p>
+            <a:pPr algn="ctr"/>
+            <a:endParaRPr lang="en-US"/>
+          </a:p>
+        </p:txBody>
+      </p:sp>
+      <p:sp>
+        <p:nvSpPr>
+          <p:cNvPr id="7" name="Rectangle 6"/>
+          <p:cNvSpPr/>
+          <p:nvPr/>
+        </p:nvSpPr>
+        <p:spPr>
+          <a:xfrm>
+            <a:off x="5314950" y="2567791"/>
+            <a:ext cx="685800" cy="304800"/>
+          </a:xfrm>
+          <a:prstGeom prst="rect">
+            <a:avLst/>
+          </a:prstGeom>
+          <a:solidFill>
+            <a:schemeClr val="bg1"/>
+          </a:solidFill>
+          <a:ln>
+            <a:solidFill>
+              <a:schemeClr val="tx1"/>
+            </a:solidFill>
+          </a:ln>
+        </p:spPr>
+        <p:style>
+          <a:lnRef idx="2">
+            <a:schemeClr val="accent1">
+              <a:shade val="50000"/>
+            </a:schemeClr>
+          </a:lnRef>
+          <a:fillRef idx="1">
+            <a:schemeClr val="accent1"/>
+          </a:fillRef>
+          <a:effectRef idx="0">
+            <a:schemeClr val="accent1"/>
+          </a:effectRef>
+          <a:fontRef idx="minor">
+            <a:schemeClr val="lt1"/>
+          </a:fontRef>
+        </p:style>
+        <p:txBody>
+          <a:bodyPr rtlCol="0" anchor="ctr"/>
+          <a:lstStyle/>
+          <a:p>
+            <a:pPr algn="ctr"/>
+            <a:endParaRPr lang="en-US"/>
+          </a:p>
+        </p:txBody>
+      </p:sp>
+      <p:sp>
+        <p:nvSpPr>
+          <p:cNvPr id="8" name="Rectangle 7"/>
+          <p:cNvSpPr/>
+          <p:nvPr/>
+        </p:nvSpPr>
+        <p:spPr>
+          <a:xfrm>
+            <a:off x="1682003" y="4091791"/>
+            <a:ext cx="685800" cy="304800"/>
+          </a:xfrm>
+          <a:prstGeom prst="rect">
+            <a:avLst/>
+          </a:prstGeom>
+          <a:solidFill>
+            <a:schemeClr val="bg1"/>
+          </a:solidFill>
+          <a:ln>
+            <a:solidFill>
+              <a:schemeClr val="tx1"/>
+            </a:solidFill>
+          </a:ln>
+        </p:spPr>
+        <p:style>
+          <a:lnRef idx="2">
+            <a:schemeClr val="accent1">
+              <a:shade val="50000"/>
+            </a:schemeClr>
+          </a:lnRef>
+          <a:fillRef idx="1">
+            <a:schemeClr val="accent1"/>
+          </a:fillRef>
+          <a:effectRef idx="0">
+            <a:schemeClr val="accent1"/>
+          </a:effectRef>
+          <a:fontRef idx="minor">
+            <a:schemeClr val="lt1"/>
+          </a:fontRef>
+        </p:style>
+        <p:txBody>
+          <a:bodyPr rtlCol="0" anchor="ctr"/>
+          <a:lstStyle/>
+          <a:p>
+            <a:pPr algn="ctr"/>
+            <a:endParaRPr lang="en-US"/>
+          </a:p>
+        </p:txBody>
+      </p:sp>
+      <p:sp>
+        <p:nvSpPr>
+          <p:cNvPr id="9" name="Rectangle 8"/>
+          <p:cNvSpPr/>
+          <p:nvPr/>
+        </p:nvSpPr>
+        <p:spPr>
+          <a:xfrm>
+            <a:off x="3002056" y="4087309"/>
+            <a:ext cx="685800" cy="304800"/>
+          </a:xfrm>
+          <a:prstGeom prst="rect">
+            <a:avLst/>
+          </a:prstGeom>
+          <a:solidFill>
+            <a:schemeClr val="bg1"/>
+          </a:solidFill>
+          <a:ln>
+            <a:solidFill>
+              <a:schemeClr val="tx1"/>
+            </a:solidFill>
+          </a:ln>
+        </p:spPr>
+        <p:style>
+          <a:lnRef idx="2">
+            <a:schemeClr val="accent1">
+              <a:shade val="50000"/>
+            </a:schemeClr>
+          </a:lnRef>
+          <a:fillRef idx="1">
+            <a:schemeClr val="accent1"/>
+          </a:fillRef>
+          <a:effectRef idx="0">
+            <a:schemeClr val="accent1"/>
+          </a:effectRef>
+          <a:fontRef idx="minor">
+            <a:schemeClr val="lt1"/>
+          </a:fontRef>
+        </p:style>
+        <p:txBody>
+          <a:bodyPr rtlCol="0" anchor="ctr"/>
+          <a:lstStyle/>
+          <a:p>
+            <a:pPr algn="ctr"/>
+            <a:endParaRPr lang="en-US"/>
+          </a:p>
+        </p:txBody>
+      </p:sp>
+      <p:sp>
+        <p:nvSpPr>
+          <p:cNvPr id="10" name="Rectangle 9"/>
+          <p:cNvSpPr/>
+          <p:nvPr/>
+        </p:nvSpPr>
+        <p:spPr>
+          <a:xfrm>
+            <a:off x="4629150" y="4091791"/>
+            <a:ext cx="685800" cy="304800"/>
+          </a:xfrm>
+          <a:prstGeom prst="rect">
+            <a:avLst/>
+          </a:prstGeom>
+          <a:solidFill>
+            <a:schemeClr val="bg1"/>
+          </a:solidFill>
+          <a:ln>
+            <a:solidFill>
+              <a:schemeClr val="tx1"/>
+            </a:solidFill>
+          </a:ln>
+        </p:spPr>
+        <p:style>
+          <a:lnRef idx="2">
+            <a:schemeClr val="accent1">
+              <a:shade val="50000"/>
+            </a:schemeClr>
+          </a:lnRef>
+          <a:fillRef idx="1">
+            <a:schemeClr val="accent1"/>
+          </a:fillRef>
+          <a:effectRef idx="0">
+            <a:schemeClr val="accent1"/>
+          </a:effectRef>
+          <a:fontRef idx="minor">
+            <a:schemeClr val="lt1"/>
+          </a:fontRef>
+        </p:style>
+        <p:txBody>
+          <a:bodyPr rtlCol="0" anchor="ctr"/>
+          <a:lstStyle/>
+          <a:p>
+            <a:pPr algn="ctr"/>
+            <a:endParaRPr lang="en-US"/>
+          </a:p>
+        </p:txBody>
+      </p:sp>
+      <p:sp>
+        <p:nvSpPr>
+          <p:cNvPr id="11" name="Rectangle 10"/>
+          <p:cNvSpPr/>
+          <p:nvPr/>
+        </p:nvSpPr>
+        <p:spPr>
+          <a:xfrm>
+            <a:off x="6000750" y="4091791"/>
+            <a:ext cx="685800" cy="304800"/>
+          </a:xfrm>
+          <a:prstGeom prst="rect">
+            <a:avLst/>
+          </a:prstGeom>
+          <a:solidFill>
+            <a:schemeClr val="bg1"/>
+          </a:solidFill>
+          <a:ln>
+            <a:solidFill>
+              <a:schemeClr val="tx1"/>
+            </a:solidFill>
+          </a:ln>
+        </p:spPr>
+        <p:style>
+          <a:lnRef idx="2">
+            <a:schemeClr val="accent1">
+              <a:shade val="50000"/>
+            </a:schemeClr>
+          </a:lnRef>
+          <a:fillRef idx="1">
+            <a:schemeClr val="accent1"/>
+          </a:fillRef>
+          <a:effectRef idx="0">
+            <a:schemeClr val="accent1"/>
+          </a:effectRef>
+          <a:fontRef idx="minor">
+            <a:schemeClr val="lt1"/>
+          </a:fontRef>
+        </p:style>
+        <p:txBody>
+          <a:bodyPr rtlCol="0" anchor="ctr"/>
+          <a:lstStyle/>
+          <a:p>
+            <a:pPr algn="ctr"/>
+            <a:endParaRPr lang="en-US"/>
+          </a:p>
+        </p:txBody>
+      </p:sp>
+      <p:sp>
+        <p:nvSpPr>
+          <p:cNvPr id="12" name="Oval 11"/>
+          <p:cNvSpPr/>
+          <p:nvPr/>
+        </p:nvSpPr>
+        <p:spPr>
+          <a:xfrm>
+            <a:off x="2811556" y="5618032"/>
+            <a:ext cx="381000" cy="381000"/>
+          </a:xfrm>
+          <a:prstGeom prst="ellipse">
+            <a:avLst/>
+          </a:prstGeom>
+          <a:solidFill>
+            <a:schemeClr val="bg1"/>
+          </a:solidFill>
+          <a:ln>
+            <a:solidFill>
+              <a:schemeClr val="tx1"/>
+            </a:solidFill>
+          </a:ln>
+        </p:spPr>
+        <p:style>
+          <a:lnRef idx="2">
+            <a:schemeClr val="accent1">
+              <a:shade val="50000"/>
+            </a:schemeClr>
+          </a:lnRef>
+          <a:fillRef idx="1">
+            <a:schemeClr val="accent1"/>
+          </a:fillRef>
+          <a:effectRef idx="0">
+            <a:schemeClr val="accent1"/>
+          </a:effectRef>
+          <a:fontRef idx="minor">
+            <a:schemeClr val="lt1"/>
+          </a:fontRef>
+        </p:style>
+        <p:txBody>
+          <a:bodyPr rtlCol="0" anchor="ctr"/>
+          <a:lstStyle/>
+          <a:p>
+            <a:pPr algn="ctr"/>
+            <a:endParaRPr lang="en-US"/>
+          </a:p>
+        </p:txBody>
+      </p:sp>
+      <p:sp>
+        <p:nvSpPr>
+          <p:cNvPr id="13" name="Oval 12"/>
+          <p:cNvSpPr/>
+          <p:nvPr/>
+        </p:nvSpPr>
+        <p:spPr>
+          <a:xfrm>
+            <a:off x="3481667" y="5618032"/>
+            <a:ext cx="381000" cy="381000"/>
+          </a:xfrm>
+          <a:prstGeom prst="ellipse">
+            <a:avLst/>
+          </a:prstGeom>
+          <a:solidFill>
+            <a:schemeClr val="bg1"/>
+          </a:solidFill>
+          <a:ln>
+            <a:solidFill>
+              <a:schemeClr val="tx1"/>
+            </a:solidFill>
+          </a:ln>
+        </p:spPr>
+        <p:style>
+          <a:lnRef idx="2">
+            <a:schemeClr val="accent1">
+              <a:shade val="50000"/>
+            </a:schemeClr>
+          </a:lnRef>
+          <a:fillRef idx="1">
+            <a:schemeClr val="accent1"/>
+          </a:fillRef>
+          <a:effectRef idx="0">
+            <a:schemeClr val="accent1"/>
+          </a:effectRef>
+          <a:fontRef idx="minor">
+            <a:schemeClr val="lt1"/>
+          </a:fontRef>
+        </p:style>
+        <p:txBody>
+          <a:bodyPr rtlCol="0" anchor="ctr"/>
+          <a:lstStyle/>
+          <a:p>
+            <a:pPr algn="ctr"/>
+            <a:endParaRPr lang="en-US"/>
+          </a:p>
+        </p:txBody>
+      </p:sp>
+      <p:sp>
+        <p:nvSpPr>
+          <p:cNvPr id="14" name="Oval 13"/>
+          <p:cNvSpPr/>
+          <p:nvPr/>
+        </p:nvSpPr>
+        <p:spPr>
+          <a:xfrm>
+            <a:off x="1491503" y="5618032"/>
+            <a:ext cx="381000" cy="381000"/>
+          </a:xfrm>
+          <a:prstGeom prst="ellipse">
+            <a:avLst/>
+          </a:prstGeom>
+          <a:solidFill>
+            <a:schemeClr val="bg1"/>
+          </a:solidFill>
+          <a:ln>
+            <a:solidFill>
+              <a:schemeClr val="tx1"/>
+            </a:solidFill>
+          </a:ln>
+        </p:spPr>
+        <p:style>
+          <a:lnRef idx="2">
+            <a:schemeClr val="accent1">
+              <a:shade val="50000"/>
+            </a:schemeClr>
+          </a:lnRef>
+          <a:fillRef idx="1">
+            <a:schemeClr val="accent1"/>
+          </a:fillRef>
+          <a:effectRef idx="0">
+            <a:schemeClr val="accent1"/>
+          </a:effectRef>
+          <a:fontRef idx="minor">
+            <a:schemeClr val="lt1"/>
+          </a:fontRef>
+        </p:style>
+        <p:txBody>
+          <a:bodyPr rtlCol="0" anchor="ctr"/>
+          <a:lstStyle/>
+          <a:p>
+            <a:pPr algn="ctr"/>
+            <a:endParaRPr lang="en-US"/>
+          </a:p>
+        </p:txBody>
+      </p:sp>
+      <p:sp>
+        <p:nvSpPr>
+          <p:cNvPr id="15" name="Oval 14"/>
+          <p:cNvSpPr/>
+          <p:nvPr/>
+        </p:nvSpPr>
+        <p:spPr>
+          <a:xfrm>
+            <a:off x="2161614" y="5618032"/>
+            <a:ext cx="381000" cy="381000"/>
+          </a:xfrm>
+          <a:prstGeom prst="ellipse">
+            <a:avLst/>
+          </a:prstGeom>
+          <a:solidFill>
+            <a:schemeClr val="bg1"/>
+          </a:solidFill>
+          <a:ln>
+            <a:solidFill>
+              <a:schemeClr val="tx1"/>
+            </a:solidFill>
+          </a:ln>
+        </p:spPr>
+        <p:style>
+          <a:lnRef idx="2">
+            <a:schemeClr val="accent1">
+              <a:shade val="50000"/>
+            </a:schemeClr>
+          </a:lnRef>
+          <a:fillRef idx="1">
+            <a:schemeClr val="accent1"/>
+          </a:fillRef>
+          <a:effectRef idx="0">
+            <a:schemeClr val="accent1"/>
+          </a:effectRef>
+          <a:fontRef idx="minor">
+            <a:schemeClr val="lt1"/>
+          </a:fontRef>
+        </p:style>
+        <p:txBody>
+          <a:bodyPr rtlCol="0" anchor="ctr"/>
+          <a:lstStyle/>
+          <a:p>
+            <a:pPr algn="ctr"/>
+            <a:endParaRPr lang="en-US"/>
+          </a:p>
+        </p:txBody>
+      </p:sp>
+      <p:sp>
+        <p:nvSpPr>
+          <p:cNvPr id="16" name="Oval 15"/>
+          <p:cNvSpPr/>
+          <p:nvPr/>
+        </p:nvSpPr>
+        <p:spPr>
+          <a:xfrm>
+            <a:off x="4463303" y="5618032"/>
+            <a:ext cx="381000" cy="381000"/>
+          </a:xfrm>
+          <a:prstGeom prst="ellipse">
+            <a:avLst/>
+          </a:prstGeom>
+          <a:solidFill>
+            <a:schemeClr val="bg1"/>
+          </a:solidFill>
+          <a:ln>
+            <a:solidFill>
+              <a:schemeClr val="tx1"/>
+            </a:solidFill>
+          </a:ln>
+        </p:spPr>
+        <p:style>
+          <a:lnRef idx="2">
+            <a:schemeClr val="accent1">
+              <a:shade val="50000"/>
+            </a:schemeClr>
+          </a:lnRef>
+          <a:fillRef idx="1">
+            <a:schemeClr val="accent1"/>
+          </a:fillRef>
+          <a:effectRef idx="0">
+            <a:schemeClr val="accent1"/>
+          </a:effectRef>
+          <a:fontRef idx="minor">
+            <a:schemeClr val="lt1"/>
+          </a:fontRef>
+        </p:style>
+        <p:txBody>
+          <a:bodyPr rtlCol="0" anchor="ctr"/>
+          <a:lstStyle/>
+          <a:p>
+            <a:pPr algn="ctr"/>
+            <a:endParaRPr lang="en-US"/>
+          </a:p>
+        </p:txBody>
+      </p:sp>
+      <p:sp>
+        <p:nvSpPr>
+          <p:cNvPr id="17" name="Oval 16"/>
+          <p:cNvSpPr/>
+          <p:nvPr/>
+        </p:nvSpPr>
+        <p:spPr>
+          <a:xfrm>
+            <a:off x="5133414" y="5618032"/>
+            <a:ext cx="381000" cy="381000"/>
+          </a:xfrm>
+          <a:prstGeom prst="ellipse">
+            <a:avLst/>
+          </a:prstGeom>
+          <a:solidFill>
+            <a:schemeClr val="bg1"/>
+          </a:solidFill>
+          <a:ln>
+            <a:solidFill>
+              <a:schemeClr val="tx1"/>
+            </a:solidFill>
+          </a:ln>
+        </p:spPr>
+        <p:style>
+          <a:lnRef idx="2">
+            <a:schemeClr val="accent1">
+              <a:shade val="50000"/>
+            </a:schemeClr>
+          </a:lnRef>
+          <a:fillRef idx="1">
+            <a:schemeClr val="accent1"/>
+          </a:fillRef>
+          <a:effectRef idx="0">
+            <a:schemeClr val="accent1"/>
+          </a:effectRef>
+          <a:fontRef idx="minor">
+            <a:schemeClr val="lt1"/>
+          </a:fontRef>
+        </p:style>
+        <p:txBody>
+          <a:bodyPr rtlCol="0" anchor="ctr"/>
+          <a:lstStyle/>
+          <a:p>
+            <a:pPr algn="ctr"/>
+            <a:endParaRPr lang="en-US"/>
+          </a:p>
+        </p:txBody>
+      </p:sp>
+      <p:sp>
+        <p:nvSpPr>
+          <p:cNvPr id="18" name="Oval 17"/>
+          <p:cNvSpPr/>
+          <p:nvPr/>
+        </p:nvSpPr>
+        <p:spPr>
+          <a:xfrm>
+            <a:off x="5825939" y="5618032"/>
+            <a:ext cx="381000" cy="381000"/>
+          </a:xfrm>
+          <a:prstGeom prst="ellipse">
+            <a:avLst/>
+          </a:prstGeom>
+          <a:solidFill>
+            <a:schemeClr val="bg1"/>
+          </a:solidFill>
+          <a:ln>
+            <a:solidFill>
+              <a:schemeClr val="tx1"/>
+            </a:solidFill>
+          </a:ln>
+        </p:spPr>
+        <p:style>
+          <a:lnRef idx="2">
+            <a:schemeClr val="accent1">
+              <a:shade val="50000"/>
+            </a:schemeClr>
+          </a:lnRef>
+          <a:fillRef idx="1">
+            <a:schemeClr val="accent1"/>
+          </a:fillRef>
+          <a:effectRef idx="0">
+            <a:schemeClr val="accent1"/>
+          </a:effectRef>
+          <a:fontRef idx="minor">
+            <a:schemeClr val="lt1"/>
+          </a:fontRef>
+        </p:style>
+        <p:txBody>
+          <a:bodyPr rtlCol="0" anchor="ctr"/>
+          <a:lstStyle/>
+          <a:p>
+            <a:pPr algn="ctr"/>
+            <a:endParaRPr lang="en-US"/>
+          </a:p>
+        </p:txBody>
+      </p:sp>
+      <p:sp>
+        <p:nvSpPr>
+          <p:cNvPr id="19" name="Oval 18"/>
+          <p:cNvSpPr/>
+          <p:nvPr/>
+        </p:nvSpPr>
+        <p:spPr>
+          <a:xfrm>
+            <a:off x="6496050" y="5618032"/>
+            <a:ext cx="381000" cy="381000"/>
+          </a:xfrm>
+          <a:prstGeom prst="ellipse">
+            <a:avLst/>
+          </a:prstGeom>
+          <a:solidFill>
+            <a:schemeClr val="bg1"/>
+          </a:solidFill>
+          <a:ln>
+            <a:solidFill>
+              <a:schemeClr val="tx1"/>
+            </a:solidFill>
+          </a:ln>
+        </p:spPr>
+        <p:style>
+          <a:lnRef idx="2">
+            <a:schemeClr val="accent1">
+              <a:shade val="50000"/>
+            </a:schemeClr>
+          </a:lnRef>
+          <a:fillRef idx="1">
+            <a:schemeClr val="accent1"/>
+          </a:fillRef>
+          <a:effectRef idx="0">
+            <a:schemeClr val="accent1"/>
+          </a:effectRef>
+          <a:fontRef idx="minor">
+            <a:schemeClr val="lt1"/>
+          </a:fontRef>
+        </p:style>
+        <p:txBody>
+          <a:bodyPr rtlCol="0" anchor="ctr"/>
+          <a:lstStyle/>
+          <a:p>
+            <a:pPr algn="ctr"/>
+            <a:endParaRPr lang="en-US"/>
+          </a:p>
+        </p:txBody>
+      </p:sp>
+      <p:cxnSp>
+        <p:nvCxnSpPr>
+          <p:cNvPr id="20" name="Straight Connector 19"/>
+          <p:cNvCxnSpPr>
+            <a:stCxn id="5" idx="2"/>
+            <a:endCxn id="6" idx="0"/>
+          </p:cNvCxnSpPr>
+          <p:nvPr/>
+        </p:nvCxnSpPr>
+        <p:spPr>
+          <a:xfrm flipH="1">
+            <a:off x="2659156" y="1801309"/>
+            <a:ext cx="1492623" cy="753035"/>
+          </a:xfrm>
+          <a:prstGeom prst="line">
+            <a:avLst/>
+          </a:prstGeom>
+          <a:ln>
+            <a:solidFill>
+              <a:schemeClr val="tx1"/>
+            </a:solidFill>
+          </a:ln>
+        </p:spPr>
+        <p:style>
+          <a:lnRef idx="1">
+            <a:schemeClr val="accent1"/>
+          </a:lnRef>
+          <a:fillRef idx="0">
+            <a:schemeClr val="accent1"/>
+          </a:fillRef>
+          <a:effectRef idx="0">
+            <a:schemeClr val="accent1"/>
+          </a:effectRef>
+          <a:fontRef idx="minor">
+            <a:schemeClr val="tx1"/>
+          </a:fontRef>
+        </p:style>
+      </p:cxnSp>
+      <p:cxnSp>
+        <p:nvCxnSpPr>
+          <p:cNvPr id="21" name="Straight Connector 20"/>
+          <p:cNvCxnSpPr>
+            <a:stCxn id="5" idx="2"/>
+            <a:endCxn id="7" idx="0"/>
+          </p:cNvCxnSpPr>
+          <p:nvPr/>
+        </p:nvCxnSpPr>
+        <p:spPr>
+          <a:xfrm>
+            <a:off x="4151779" y="1801309"/>
+            <a:ext cx="1506071" cy="766482"/>
+          </a:xfrm>
+          <a:prstGeom prst="line">
+            <a:avLst/>
+          </a:prstGeom>
+          <a:ln>
+            <a:solidFill>
+              <a:schemeClr val="tx1"/>
+            </a:solidFill>
+          </a:ln>
+        </p:spPr>
+        <p:style>
+          <a:lnRef idx="1">
+            <a:schemeClr val="accent1"/>
+          </a:lnRef>
+          <a:fillRef idx="0">
+            <a:schemeClr val="accent1"/>
+          </a:fillRef>
+          <a:effectRef idx="0">
+            <a:schemeClr val="accent1"/>
+          </a:effectRef>
+          <a:fontRef idx="minor">
+            <a:schemeClr val="tx1"/>
+          </a:fontRef>
+        </p:style>
+      </p:cxnSp>
+      <p:cxnSp>
+        <p:nvCxnSpPr>
+          <p:cNvPr id="22" name="Straight Connector 21"/>
+          <p:cNvCxnSpPr>
+            <a:stCxn id="6" idx="2"/>
+            <a:endCxn id="8" idx="0"/>
+          </p:cNvCxnSpPr>
+          <p:nvPr/>
+        </p:nvCxnSpPr>
+        <p:spPr>
+          <a:xfrm flipH="1">
+            <a:off x="2024903" y="2859144"/>
+            <a:ext cx="634253" cy="1232647"/>
+          </a:xfrm>
+          <a:prstGeom prst="line">
+            <a:avLst/>
+          </a:prstGeom>
+          <a:ln>
+            <a:solidFill>
+              <a:schemeClr val="tx1"/>
+            </a:solidFill>
+          </a:ln>
+        </p:spPr>
+        <p:style>
+          <a:lnRef idx="1">
+            <a:schemeClr val="accent1"/>
+          </a:lnRef>
+          <a:fillRef idx="0">
+            <a:schemeClr val="accent1"/>
+          </a:fillRef>
+          <a:effectRef idx="0">
+            <a:schemeClr val="accent1"/>
+          </a:effectRef>
+          <a:fontRef idx="minor">
+            <a:schemeClr val="tx1"/>
+          </a:fontRef>
+        </p:style>
+      </p:cxnSp>
+      <p:cxnSp>
+        <p:nvCxnSpPr>
+          <p:cNvPr id="23" name="Straight Connector 22"/>
+          <p:cNvCxnSpPr>
+            <a:stCxn id="9" idx="0"/>
+            <a:endCxn id="6" idx="2"/>
+          </p:cNvCxnSpPr>
+          <p:nvPr/>
+        </p:nvCxnSpPr>
+        <p:spPr>
+          <a:xfrm flipH="1" flipV="1">
+            <a:off x="2659156" y="2859144"/>
+            <a:ext cx="685800" cy="1228165"/>
+          </a:xfrm>
+          <a:prstGeom prst="line">
+            <a:avLst/>
+          </a:prstGeom>
+          <a:ln>
+            <a:solidFill>
+              <a:schemeClr val="tx1"/>
+            </a:solidFill>
+          </a:ln>
+        </p:spPr>
+        <p:style>
+          <a:lnRef idx="1">
+            <a:schemeClr val="accent1"/>
+          </a:lnRef>
+          <a:fillRef idx="0">
+            <a:schemeClr val="accent1"/>
+          </a:fillRef>
+          <a:effectRef idx="0">
+            <a:schemeClr val="accent1"/>
+          </a:effectRef>
+          <a:fontRef idx="minor">
+            <a:schemeClr val="tx1"/>
+          </a:fontRef>
+        </p:style>
+      </p:cxnSp>
+      <p:cxnSp>
+        <p:nvCxnSpPr>
+          <p:cNvPr id="24" name="Straight Connector 23"/>
+          <p:cNvCxnSpPr>
+            <a:stCxn id="7" idx="2"/>
+            <a:endCxn id="10" idx="0"/>
+          </p:cNvCxnSpPr>
+          <p:nvPr/>
+        </p:nvCxnSpPr>
+        <p:spPr>
+          <a:xfrm flipH="1">
+            <a:off x="4972050" y="2872591"/>
+            <a:ext cx="685800" cy="1219200"/>
+          </a:xfrm>
+          <a:prstGeom prst="line">
+            <a:avLst/>
+          </a:prstGeom>
+          <a:ln>
+            <a:solidFill>
+              <a:schemeClr val="tx1"/>
+            </a:solidFill>
+          </a:ln>
+        </p:spPr>
+        <p:style>
+          <a:lnRef idx="1">
+            <a:schemeClr val="accent1"/>
+          </a:lnRef>
+          <a:fillRef idx="0">
+            <a:schemeClr val="accent1"/>
+          </a:fillRef>
+          <a:effectRef idx="0">
+            <a:schemeClr val="accent1"/>
+          </a:effectRef>
+          <a:fontRef idx="minor">
+            <a:schemeClr val="tx1"/>
+          </a:fontRef>
+        </p:style>
+      </p:cxnSp>
+      <p:cxnSp>
+        <p:nvCxnSpPr>
+          <p:cNvPr id="25" name="Straight Connector 24"/>
+          <p:cNvCxnSpPr>
+            <a:stCxn id="7" idx="2"/>
+            <a:endCxn id="11" idx="0"/>
+          </p:cNvCxnSpPr>
+          <p:nvPr/>
+        </p:nvCxnSpPr>
+        <p:spPr>
+          <a:xfrm>
+            <a:off x="5657850" y="2872591"/>
+            <a:ext cx="685800" cy="1219200"/>
+          </a:xfrm>
+          <a:prstGeom prst="line">
+            <a:avLst/>
+          </a:prstGeom>
+          <a:ln>
+            <a:solidFill>
+              <a:schemeClr val="tx1"/>
+            </a:solidFill>
+          </a:ln>
+        </p:spPr>
+        <p:style>
+          <a:lnRef idx="1">
+            <a:schemeClr val="accent1"/>
+          </a:lnRef>
+          <a:fillRef idx="0">
+            <a:schemeClr val="accent1"/>
+          </a:fillRef>
+          <a:effectRef idx="0">
+            <a:schemeClr val="accent1"/>
+          </a:effectRef>
+          <a:fontRef idx="minor">
+            <a:schemeClr val="tx1"/>
+          </a:fontRef>
+        </p:style>
+      </p:cxnSp>
+      <p:cxnSp>
+        <p:nvCxnSpPr>
+          <p:cNvPr id="26" name="Straight Connector 25"/>
+          <p:cNvCxnSpPr>
+            <a:stCxn id="8" idx="2"/>
+            <a:endCxn id="14" idx="0"/>
+          </p:cNvCxnSpPr>
+          <p:nvPr/>
+        </p:nvCxnSpPr>
+        <p:spPr>
+          <a:xfrm flipH="1">
+            <a:off x="1682003" y="4396591"/>
+            <a:ext cx="342900" cy="1221441"/>
+          </a:xfrm>
+          <a:prstGeom prst="line">
+            <a:avLst/>
+          </a:prstGeom>
+          <a:ln>
+            <a:solidFill>
+              <a:schemeClr val="tx1"/>
+            </a:solidFill>
+          </a:ln>
+        </p:spPr>
+        <p:style>
+          <a:lnRef idx="1">
+            <a:schemeClr val="accent1"/>
+          </a:lnRef>
+          <a:fillRef idx="0">
+            <a:schemeClr val="accent1"/>
+          </a:fillRef>
+          <a:effectRef idx="0">
+            <a:schemeClr val="accent1"/>
+          </a:effectRef>
+          <a:fontRef idx="minor">
+            <a:schemeClr val="tx1"/>
+          </a:fontRef>
+        </p:style>
+      </p:cxnSp>
+      <p:cxnSp>
+        <p:nvCxnSpPr>
+          <p:cNvPr id="27" name="Straight Connector 26"/>
+          <p:cNvCxnSpPr>
+            <a:stCxn id="8" idx="2"/>
+            <a:endCxn id="15" idx="0"/>
+          </p:cNvCxnSpPr>
+          <p:nvPr/>
+        </p:nvCxnSpPr>
+        <p:spPr>
+          <a:xfrm>
+            <a:off x="2024903" y="4396591"/>
+            <a:ext cx="327211" cy="1221441"/>
+          </a:xfrm>
+          <a:prstGeom prst="line">
+            <a:avLst/>
+          </a:prstGeom>
+          <a:ln>
+            <a:solidFill>
+              <a:schemeClr val="tx1"/>
+            </a:solidFill>
+          </a:ln>
+        </p:spPr>
+        <p:style>
+          <a:lnRef idx="1">
+            <a:schemeClr val="accent1"/>
+          </a:lnRef>
+          <a:fillRef idx="0">
+            <a:schemeClr val="accent1"/>
+          </a:fillRef>
+          <a:effectRef idx="0">
+            <a:schemeClr val="accent1"/>
+          </a:effectRef>
+          <a:fontRef idx="minor">
+            <a:schemeClr val="tx1"/>
+          </a:fontRef>
+        </p:style>
+      </p:cxnSp>
+      <p:cxnSp>
+        <p:nvCxnSpPr>
+          <p:cNvPr id="28" name="Straight Connector 27"/>
+          <p:cNvCxnSpPr>
+            <a:stCxn id="9" idx="2"/>
+            <a:endCxn id="12" idx="0"/>
+          </p:cNvCxnSpPr>
+          <p:nvPr/>
+        </p:nvCxnSpPr>
+        <p:spPr>
+          <a:xfrm flipH="1">
+            <a:off x="3002056" y="4392109"/>
+            <a:ext cx="342900" cy="1225923"/>
+          </a:xfrm>
+          <a:prstGeom prst="line">
+            <a:avLst/>
+          </a:prstGeom>
+          <a:ln>
+            <a:solidFill>
+              <a:schemeClr val="tx1"/>
+            </a:solidFill>
+          </a:ln>
+        </p:spPr>
+        <p:style>
+          <a:lnRef idx="1">
+            <a:schemeClr val="accent1"/>
+          </a:lnRef>
+          <a:fillRef idx="0">
+            <a:schemeClr val="accent1"/>
+          </a:fillRef>
+          <a:effectRef idx="0">
+            <a:schemeClr val="accent1"/>
+          </a:effectRef>
+          <a:fontRef idx="minor">
+            <a:schemeClr val="tx1"/>
+          </a:fontRef>
+        </p:style>
+      </p:cxnSp>
+      <p:cxnSp>
+        <p:nvCxnSpPr>
+          <p:cNvPr id="29" name="Straight Connector 28"/>
+          <p:cNvCxnSpPr>
+            <a:stCxn id="9" idx="2"/>
+            <a:endCxn id="13" idx="0"/>
+          </p:cNvCxnSpPr>
+          <p:nvPr/>
+        </p:nvCxnSpPr>
+        <p:spPr>
+          <a:xfrm>
+            <a:off x="3344956" y="4392109"/>
+            <a:ext cx="327211" cy="1225923"/>
+          </a:xfrm>
+          <a:prstGeom prst="line">
+            <a:avLst/>
+          </a:prstGeom>
+          <a:ln>
+            <a:solidFill>
+              <a:schemeClr val="tx1"/>
+            </a:solidFill>
+          </a:ln>
+        </p:spPr>
+        <p:style>
+          <a:lnRef idx="1">
+            <a:schemeClr val="accent1"/>
+          </a:lnRef>
+          <a:fillRef idx="0">
+            <a:schemeClr val="accent1"/>
+          </a:fillRef>
+          <a:effectRef idx="0">
+            <a:schemeClr val="accent1"/>
+          </a:effectRef>
+          <a:fontRef idx="minor">
+            <a:schemeClr val="tx1"/>
+          </a:fontRef>
+        </p:style>
+      </p:cxnSp>
+      <p:cxnSp>
+        <p:nvCxnSpPr>
+          <p:cNvPr id="30" name="Straight Connector 29"/>
+          <p:cNvCxnSpPr>
+            <a:stCxn id="16" idx="0"/>
+            <a:endCxn id="10" idx="2"/>
+          </p:cNvCxnSpPr>
+          <p:nvPr/>
+        </p:nvCxnSpPr>
+        <p:spPr>
+          <a:xfrm flipV="1">
+            <a:off x="4653803" y="4396591"/>
+            <a:ext cx="318247" cy="1221441"/>
+          </a:xfrm>
+          <a:prstGeom prst="line">
+            <a:avLst/>
+          </a:prstGeom>
+          <a:ln>
+            <a:solidFill>
+              <a:schemeClr val="tx1"/>
+            </a:solidFill>
+          </a:ln>
+        </p:spPr>
+        <p:style>
+          <a:lnRef idx="1">
+            <a:schemeClr val="accent1"/>
+          </a:lnRef>
+          <a:fillRef idx="0">
+            <a:schemeClr val="accent1"/>
+          </a:fillRef>
+          <a:effectRef idx="0">
+            <a:schemeClr val="accent1"/>
+          </a:effectRef>
+          <a:fontRef idx="minor">
+            <a:schemeClr val="tx1"/>
+          </a:fontRef>
+        </p:style>
+      </p:cxnSp>
+      <p:cxnSp>
+        <p:nvCxnSpPr>
+          <p:cNvPr id="31" name="Straight Connector 30"/>
+          <p:cNvCxnSpPr>
+            <a:stCxn id="10" idx="2"/>
+            <a:endCxn id="17" idx="0"/>
+          </p:cNvCxnSpPr>
+          <p:nvPr/>
+        </p:nvCxnSpPr>
+        <p:spPr>
+          <a:xfrm>
+            <a:off x="4972050" y="4396591"/>
+            <a:ext cx="351864" cy="1221441"/>
+          </a:xfrm>
+          <a:prstGeom prst="line">
+            <a:avLst/>
+          </a:prstGeom>
+          <a:ln>
+            <a:solidFill>
+              <a:schemeClr val="tx1"/>
+            </a:solidFill>
+          </a:ln>
+        </p:spPr>
+        <p:style>
+          <a:lnRef idx="1">
+            <a:schemeClr val="accent1"/>
+          </a:lnRef>
+          <a:fillRef idx="0">
+            <a:schemeClr val="accent1"/>
+          </a:fillRef>
+          <a:effectRef idx="0">
+            <a:schemeClr val="accent1"/>
+          </a:effectRef>
+          <a:fontRef idx="minor">
+            <a:schemeClr val="tx1"/>
+          </a:fontRef>
+        </p:style>
+      </p:cxnSp>
+      <p:cxnSp>
+        <p:nvCxnSpPr>
+          <p:cNvPr id="32" name="Straight Connector 31"/>
+          <p:cNvCxnSpPr>
+            <a:stCxn id="11" idx="2"/>
+            <a:endCxn id="18" idx="0"/>
+          </p:cNvCxnSpPr>
+          <p:nvPr/>
+        </p:nvCxnSpPr>
+        <p:spPr>
+          <a:xfrm flipH="1">
+            <a:off x="6016439" y="4396591"/>
+            <a:ext cx="327211" cy="1221441"/>
+          </a:xfrm>
+          <a:prstGeom prst="line">
+            <a:avLst/>
+          </a:prstGeom>
+          <a:ln>
+            <a:solidFill>
+              <a:schemeClr val="tx1"/>
+            </a:solidFill>
+          </a:ln>
+        </p:spPr>
+        <p:style>
+          <a:lnRef idx="1">
+            <a:schemeClr val="accent1"/>
+          </a:lnRef>
+          <a:fillRef idx="0">
+            <a:schemeClr val="accent1"/>
+          </a:fillRef>
+          <a:effectRef idx="0">
+            <a:schemeClr val="accent1"/>
+          </a:effectRef>
+          <a:fontRef idx="minor">
+            <a:schemeClr val="tx1"/>
+          </a:fontRef>
+        </p:style>
+      </p:cxnSp>
+      <p:cxnSp>
+        <p:nvCxnSpPr>
+          <p:cNvPr id="33" name="Straight Connector 32"/>
+          <p:cNvCxnSpPr>
+            <a:stCxn id="19" idx="0"/>
+            <a:endCxn id="11" idx="2"/>
+          </p:cNvCxnSpPr>
+          <p:nvPr/>
+        </p:nvCxnSpPr>
+        <p:spPr>
+          <a:xfrm flipH="1" flipV="1">
+            <a:off x="6343650" y="4396591"/>
+            <a:ext cx="342900" cy="1221441"/>
+          </a:xfrm>
+          <a:prstGeom prst="line">
+            <a:avLst/>
+          </a:prstGeom>
+          <a:ln>
+            <a:solidFill>
+              <a:schemeClr val="tx1"/>
+            </a:solidFill>
+          </a:ln>
+        </p:spPr>
+        <p:style>
+          <a:lnRef idx="1">
+            <a:schemeClr val="accent1"/>
+          </a:lnRef>
+          <a:fillRef idx="0">
+            <a:schemeClr val="accent1"/>
+          </a:fillRef>
+          <a:effectRef idx="0">
+            <a:schemeClr val="accent1"/>
+          </a:effectRef>
+          <a:fontRef idx="minor">
+            <a:schemeClr val="tx1"/>
+          </a:fontRef>
+        </p:style>
+      </p:cxnSp>
+      <p:sp>
+        <p:nvSpPr>
+          <p:cNvPr id="34" name="TextBox 33"/>
+          <p:cNvSpPr txBox="1"/>
+          <p:nvPr/>
+        </p:nvSpPr>
+        <p:spPr>
+          <a:xfrm>
+            <a:off x="2464174" y="2535525"/>
+            <a:ext cx="457200" cy="369332"/>
+          </a:xfrm>
+          <a:prstGeom prst="rect">
+            <a:avLst/>
+          </a:prstGeom>
+          <a:noFill/>
+        </p:spPr>
+        <p:txBody>
+          <a:bodyPr wrap="square" rtlCol="0">
+            <a:spAutoFit/>
+          </a:bodyPr>
+          <a:lstStyle/>
+          <a:p>
+            <a:pPr algn="ctr"/>
+            <a:r>
+              <a:rPr lang="en-US" dirty="0" smtClean="0"/>
+              <a:t>s2</a:t>
+            </a:r>
+            <a:endParaRPr lang="en-US" dirty="0"/>
+          </a:p>
+        </p:txBody>
+      </p:sp>
+      <p:sp>
+        <p:nvSpPr>
+          <p:cNvPr id="35" name="TextBox 34"/>
+          <p:cNvSpPr txBox="1"/>
+          <p:nvPr/>
+        </p:nvSpPr>
+        <p:spPr>
+          <a:xfrm>
+            <a:off x="3965762" y="1457057"/>
+            <a:ext cx="457200" cy="369332"/>
+          </a:xfrm>
+          <a:prstGeom prst="rect">
+            <a:avLst/>
+          </a:prstGeom>
+          <a:noFill/>
+        </p:spPr>
+        <p:txBody>
+          <a:bodyPr wrap="square" rtlCol="0">
+            <a:spAutoFit/>
+          </a:bodyPr>
+          <a:lstStyle/>
+          <a:p>
+            <a:pPr algn="ctr"/>
+            <a:r>
+              <a:rPr lang="en-US" dirty="0" smtClean="0"/>
+              <a:t>s1</a:t>
+            </a:r>
+            <a:endParaRPr lang="en-US" dirty="0"/>
+          </a:p>
+        </p:txBody>
+      </p:sp>
+      <p:sp>
+        <p:nvSpPr>
+          <p:cNvPr id="36" name="TextBox 35"/>
+          <p:cNvSpPr txBox="1"/>
+          <p:nvPr/>
+        </p:nvSpPr>
+        <p:spPr>
+          <a:xfrm>
+            <a:off x="1796303" y="4059525"/>
+            <a:ext cx="457200" cy="369332"/>
+          </a:xfrm>
+          <a:prstGeom prst="rect">
+            <a:avLst/>
+          </a:prstGeom>
+          <a:noFill/>
+        </p:spPr>
+        <p:txBody>
+          <a:bodyPr wrap="square" rtlCol="0">
+            <a:spAutoFit/>
+          </a:bodyPr>
+          <a:lstStyle/>
+          <a:p>
+            <a:pPr algn="ctr"/>
+            <a:r>
+              <a:rPr lang="en-US" dirty="0" smtClean="0"/>
+              <a:t>s3</a:t>
+            </a:r>
+            <a:endParaRPr lang="en-US" dirty="0"/>
+          </a:p>
+        </p:txBody>
+      </p:sp>
+      <p:sp>
+        <p:nvSpPr>
+          <p:cNvPr id="37" name="TextBox 36"/>
+          <p:cNvSpPr txBox="1"/>
+          <p:nvPr/>
+        </p:nvSpPr>
+        <p:spPr>
+          <a:xfrm>
+            <a:off x="3147732" y="4055043"/>
+            <a:ext cx="457200" cy="369332"/>
+          </a:xfrm>
+          <a:prstGeom prst="rect">
+            <a:avLst/>
+          </a:prstGeom>
+          <a:noFill/>
+        </p:spPr>
+        <p:txBody>
+          <a:bodyPr wrap="square" rtlCol="0">
+            <a:spAutoFit/>
+          </a:bodyPr>
+          <a:lstStyle/>
+          <a:p>
+            <a:pPr algn="ctr"/>
+            <a:r>
+              <a:rPr lang="en-US" dirty="0" smtClean="0"/>
+              <a:t>s4</a:t>
+            </a:r>
+            <a:endParaRPr lang="en-US" dirty="0"/>
+          </a:p>
+        </p:txBody>
+      </p:sp>
+      <p:sp>
+        <p:nvSpPr>
+          <p:cNvPr id="38" name="TextBox 37"/>
+          <p:cNvSpPr txBox="1"/>
+          <p:nvPr/>
+        </p:nvSpPr>
+        <p:spPr>
+          <a:xfrm>
+            <a:off x="5429250" y="2535525"/>
+            <a:ext cx="457200" cy="369332"/>
+          </a:xfrm>
+          <a:prstGeom prst="rect">
+            <a:avLst/>
+          </a:prstGeom>
+          <a:noFill/>
+        </p:spPr>
+        <p:txBody>
+          <a:bodyPr wrap="square" rtlCol="0">
+            <a:spAutoFit/>
+          </a:bodyPr>
+          <a:lstStyle/>
+          <a:p>
+            <a:pPr algn="ctr"/>
+            <a:r>
+              <a:rPr lang="en-US" dirty="0" smtClean="0"/>
+              <a:t>s5</a:t>
+            </a:r>
+            <a:endParaRPr lang="en-US" dirty="0"/>
+          </a:p>
+        </p:txBody>
+      </p:sp>
+      <p:sp>
+        <p:nvSpPr>
+          <p:cNvPr id="39" name="TextBox 38"/>
+          <p:cNvSpPr txBox="1"/>
+          <p:nvPr/>
+        </p:nvSpPr>
+        <p:spPr>
+          <a:xfrm>
+            <a:off x="4743450" y="4059525"/>
+            <a:ext cx="457200" cy="369332"/>
+          </a:xfrm>
+          <a:prstGeom prst="rect">
+            <a:avLst/>
+          </a:prstGeom>
+          <a:noFill/>
+        </p:spPr>
+        <p:txBody>
+          <a:bodyPr wrap="square" rtlCol="0">
+            <a:spAutoFit/>
+          </a:bodyPr>
+          <a:lstStyle/>
+          <a:p>
+            <a:pPr algn="ctr"/>
+            <a:r>
+              <a:rPr lang="en-US" dirty="0" smtClean="0"/>
+              <a:t>s6</a:t>
+            </a:r>
+            <a:endParaRPr lang="en-US" dirty="0"/>
+          </a:p>
+        </p:txBody>
+      </p:sp>
+      <p:sp>
+        <p:nvSpPr>
+          <p:cNvPr id="40" name="TextBox 39"/>
+          <p:cNvSpPr txBox="1"/>
+          <p:nvPr/>
+        </p:nvSpPr>
+        <p:spPr>
+          <a:xfrm>
+            <a:off x="6150910" y="4055043"/>
+            <a:ext cx="457200" cy="369332"/>
+          </a:xfrm>
+          <a:prstGeom prst="rect">
+            <a:avLst/>
+          </a:prstGeom>
+          <a:noFill/>
+        </p:spPr>
+        <p:txBody>
+          <a:bodyPr wrap="square" rtlCol="0">
+            <a:spAutoFit/>
+          </a:bodyPr>
+          <a:lstStyle/>
+          <a:p>
+            <a:pPr algn="ctr"/>
+            <a:r>
+              <a:rPr lang="en-US" dirty="0" smtClean="0"/>
+              <a:t>s7</a:t>
+            </a:r>
+            <a:endParaRPr lang="en-US" dirty="0"/>
+          </a:p>
+        </p:txBody>
+      </p:sp>
+      <p:sp>
+        <p:nvSpPr>
+          <p:cNvPr id="41" name="TextBox 40"/>
+          <p:cNvSpPr txBox="1"/>
+          <p:nvPr/>
+        </p:nvSpPr>
+        <p:spPr>
+          <a:xfrm>
+            <a:off x="1531844" y="5629700"/>
+            <a:ext cx="457200" cy="369332"/>
+          </a:xfrm>
+          <a:prstGeom prst="rect">
+            <a:avLst/>
+          </a:prstGeom>
+          <a:noFill/>
+        </p:spPr>
+        <p:txBody>
+          <a:bodyPr wrap="square" rtlCol="0">
+            <a:spAutoFit/>
+          </a:bodyPr>
+          <a:lstStyle/>
+          <a:p>
+            <a:pPr algn="ctr"/>
+            <a:r>
+              <a:rPr lang="en-US" dirty="0" smtClean="0"/>
+              <a:t>1</a:t>
+            </a:r>
+            <a:endParaRPr lang="en-US" dirty="0"/>
+          </a:p>
+        </p:txBody>
+      </p:sp>
+      <p:sp>
+        <p:nvSpPr>
+          <p:cNvPr id="42" name="TextBox 41"/>
+          <p:cNvSpPr txBox="1"/>
+          <p:nvPr/>
+        </p:nvSpPr>
+        <p:spPr>
+          <a:xfrm>
+            <a:off x="2201956" y="5629700"/>
+            <a:ext cx="340658" cy="369332"/>
+          </a:xfrm>
+          <a:prstGeom prst="rect">
+            <a:avLst/>
+          </a:prstGeom>
+          <a:noFill/>
+        </p:spPr>
+        <p:txBody>
+          <a:bodyPr wrap="square" rtlCol="0">
+            <a:spAutoFit/>
+          </a:bodyPr>
+          <a:lstStyle/>
+          <a:p>
+            <a:pPr algn="ctr"/>
+            <a:r>
+              <a:rPr lang="en-US" dirty="0" smtClean="0"/>
+              <a:t>2</a:t>
+            </a:r>
+            <a:endParaRPr lang="en-US" dirty="0"/>
+          </a:p>
+        </p:txBody>
+      </p:sp>
+      <p:sp>
+        <p:nvSpPr>
+          <p:cNvPr id="43" name="TextBox 42"/>
+          <p:cNvSpPr txBox="1"/>
+          <p:nvPr/>
+        </p:nvSpPr>
+        <p:spPr>
+          <a:xfrm>
+            <a:off x="2863103" y="5629700"/>
+            <a:ext cx="340658" cy="369332"/>
+          </a:xfrm>
+          <a:prstGeom prst="rect">
+            <a:avLst/>
+          </a:prstGeom>
+          <a:noFill/>
+        </p:spPr>
+        <p:txBody>
+          <a:bodyPr wrap="square" rtlCol="0">
+            <a:spAutoFit/>
+          </a:bodyPr>
+          <a:lstStyle/>
+          <a:p>
+            <a:pPr algn="ctr"/>
             <a:r>
               <a:rPr lang="en-US" dirty="0"/>
-              <a:t>Ran some simple tests involving a two </a:t>
-            </a:r>
-            <a:r>
-              <a:rPr lang="en-US" dirty="0" err="1"/>
-              <a:t>dierent</a:t>
-            </a:r>
+              <a:t>3</a:t>
+            </a:r>
+          </a:p>
+        </p:txBody>
+      </p:sp>
+      <p:sp>
+        <p:nvSpPr>
+          <p:cNvPr id="44" name="TextBox 43"/>
+          <p:cNvSpPr txBox="1"/>
+          <p:nvPr/>
+        </p:nvSpPr>
+        <p:spPr>
+          <a:xfrm>
+            <a:off x="3522009" y="5609529"/>
+            <a:ext cx="340658" cy="369332"/>
+          </a:xfrm>
+          <a:prstGeom prst="rect">
+            <a:avLst/>
+          </a:prstGeom>
+          <a:noFill/>
+        </p:spPr>
+        <p:txBody>
+          <a:bodyPr wrap="square" rtlCol="0">
+            <a:spAutoFit/>
+          </a:bodyPr>
+          <a:lstStyle/>
+          <a:p>
+            <a:pPr algn="ctr"/>
             <a:r>
               <a:rPr lang="en-US" dirty="0"/>
-              <a:t> </a:t>
-            </a:r>
-            <a:r>
-              <a:rPr lang="en-US" dirty="0" err="1"/>
-              <a:t>congurations</a:t>
+              <a:t>4</a:t>
+            </a:r>
+          </a:p>
+        </p:txBody>
+      </p:sp>
+      <p:sp>
+        <p:nvSpPr>
+          <p:cNvPr id="45" name="TextBox 44"/>
+          <p:cNvSpPr txBox="1"/>
+          <p:nvPr/>
+        </p:nvSpPr>
+        <p:spPr>
+          <a:xfrm>
+            <a:off x="4503645" y="5629700"/>
+            <a:ext cx="340658" cy="369332"/>
+          </a:xfrm>
+          <a:prstGeom prst="rect">
+            <a:avLst/>
+          </a:prstGeom>
+          <a:noFill/>
+        </p:spPr>
+        <p:txBody>
+          <a:bodyPr wrap="square" rtlCol="0">
+            <a:spAutoFit/>
+          </a:bodyPr>
+          <a:lstStyle/>
+          <a:p>
+            <a:pPr algn="ctr"/>
+            <a:r>
+              <a:rPr lang="en-US" dirty="0" smtClean="0"/>
+              <a:t>5</a:t>
             </a:r>
             <a:endParaRPr lang="en-US" dirty="0"/>
           </a:p>
-          <a:p>
+        </p:txBody>
+      </p:sp>
+      <p:sp>
+        <p:nvSpPr>
+          <p:cNvPr id="46" name="TextBox 45"/>
+          <p:cNvSpPr txBox="1"/>
+          <p:nvPr/>
+        </p:nvSpPr>
+        <p:spPr>
+          <a:xfrm>
+            <a:off x="5173756" y="5640905"/>
+            <a:ext cx="340658" cy="369332"/>
+          </a:xfrm>
+          <a:prstGeom prst="rect">
+            <a:avLst/>
+          </a:prstGeom>
+          <a:noFill/>
+        </p:spPr>
+        <p:txBody>
+          <a:bodyPr wrap="square" rtlCol="0">
+            <a:spAutoFit/>
+          </a:bodyPr>
+          <a:lstStyle/>
+          <a:p>
+            <a:pPr algn="ctr"/>
             <a:r>
               <a:rPr lang="en-US" dirty="0"/>
-              <a:t>on </a:t>
-            </a:r>
-            <a:r>
-              <a:rPr lang="en-US" dirty="0" err="1"/>
-              <a:t>mininet</a:t>
-            </a:r>
-            <a:endParaRPr lang="en-US" dirty="0"/>
-          </a:p>
-          <a:p>
+              <a:t>6</a:t>
+            </a:r>
+          </a:p>
+        </p:txBody>
+      </p:sp>
+      <p:sp>
+        <p:nvSpPr>
+          <p:cNvPr id="47" name="TextBox 46"/>
+          <p:cNvSpPr txBox="1"/>
+          <p:nvPr/>
+        </p:nvSpPr>
+        <p:spPr>
+          <a:xfrm>
+            <a:off x="5866281" y="5645387"/>
+            <a:ext cx="340658" cy="369332"/>
+          </a:xfrm>
+          <a:prstGeom prst="rect">
+            <a:avLst/>
+          </a:prstGeom>
+          <a:noFill/>
+        </p:spPr>
+        <p:txBody>
+          <a:bodyPr wrap="square" rtlCol="0">
+            <a:spAutoFit/>
+          </a:bodyPr>
+          <a:lstStyle/>
+          <a:p>
+            <a:pPr algn="ctr"/>
             <a:r>
               <a:rPr lang="en-US" dirty="0"/>
-              <a:t>Still need to test for large volumes of </a:t>
-            </a:r>
-            <a:r>
-              <a:rPr lang="en-US" dirty="0" err="1"/>
-              <a:t>trac</a:t>
-            </a:r>
-            <a:endParaRPr lang="en-US" dirty="0"/>
+              <a:t>7</a:t>
+            </a:r>
+          </a:p>
+        </p:txBody>
+      </p:sp>
+      <p:sp>
+        <p:nvSpPr>
+          <p:cNvPr id="48" name="TextBox 47"/>
+          <p:cNvSpPr txBox="1"/>
+          <p:nvPr/>
+        </p:nvSpPr>
+        <p:spPr>
+          <a:xfrm>
+            <a:off x="6552079" y="5645387"/>
+            <a:ext cx="340658" cy="369332"/>
+          </a:xfrm>
+          <a:prstGeom prst="rect">
+            <a:avLst/>
+          </a:prstGeom>
+          <a:noFill/>
+        </p:spPr>
+        <p:txBody>
+          <a:bodyPr wrap="square" rtlCol="0">
+            <a:spAutoFit/>
+          </a:bodyPr>
+          <a:lstStyle/>
+          <a:p>
+            <a:pPr algn="ctr"/>
+            <a:r>
+              <a:rPr lang="en-US" dirty="0"/>
+              <a:t>8</a:t>
+            </a:r>
           </a:p>
         </p:txBody>
       </p:sp>
     </p:spTree>
     <p:extLst>
       <p:ext uri="{BB962C8B-B14F-4D97-AF65-F5344CB8AC3E}">
-        <p14:creationId xmlns:p14="http://schemas.microsoft.com/office/powerpoint/2010/main" val="111744272"/>
+        <p14:creationId xmlns:p14="http://schemas.microsoft.com/office/powerpoint/2010/main" val="2562565647"/>
       </p:ext>
     </p:extLst>
   </p:cSld>
@@ -8670,88 +10380,82 @@
       </p:grpSpPr>
       <p:sp>
         <p:nvSpPr>
-          <p:cNvPr id="2" name="Title 1"/>
-          <p:cNvSpPr>
-            <a:spLocks noGrp="1"/>
+          <p:cNvPr id="3" name="Title 1"/>
+          <p:cNvSpPr txBox="1">
+            <a:spLocks/>
           </p:cNvSpPr>
-          <p:nvPr>
-            <p:ph type="title"/>
-          </p:nvPr>
-        </p:nvSpPr>
-        <p:spPr/>
+          <p:nvPr/>
+        </p:nvSpPr>
+        <p:spPr>
+          <a:xfrm>
+            <a:off x="457200" y="152400"/>
+            <a:ext cx="6172200" cy="1371600"/>
+          </a:xfrm>
+          <a:prstGeom prst="rect">
+            <a:avLst/>
+          </a:prstGeom>
+        </p:spPr>
         <p:txBody>
           <a:bodyPr/>
-          <a:lstStyle/>
+          <a:lstStyle>
+            <a:lvl1pPr algn="l" defTabSz="914400" rtl="0" eaLnBrk="1" latinLnBrk="0" hangingPunct="1">
+              <a:spcBef>
+                <a:spcPct val="0"/>
+              </a:spcBef>
+              <a:buNone/>
+              <a:defRPr sz="3600" kern="1200" cap="all" spc="-60" baseline="0">
+                <a:solidFill>
+                  <a:schemeClr val="tx2"/>
+                </a:solidFill>
+                <a:latin typeface="+mj-lt"/>
+                <a:ea typeface="+mj-ea"/>
+                <a:cs typeface="+mj-cs"/>
+              </a:defRPr>
+            </a:lvl1pPr>
+          </a:lstStyle>
           <a:p>
             <a:r>
               <a:rPr lang="en-US" dirty="0" smtClean="0"/>
-              <a:t>Evaluation - Results</a:t>
+              <a:t>Evaluation – scenario 1</a:t>
             </a:r>
             <a:endParaRPr lang="en-US" dirty="0"/>
           </a:p>
         </p:txBody>
       </p:sp>
-      <p:sp>
-        <p:nvSpPr>
-          <p:cNvPr id="3" name="Content Placeholder 2"/>
-          <p:cNvSpPr>
-            <a:spLocks noGrp="1"/>
-          </p:cNvSpPr>
-          <p:nvPr>
-            <p:ph idx="1"/>
-          </p:nvPr>
-        </p:nvSpPr>
-        <p:spPr/>
-        <p:txBody>
-          <a:bodyPr/>
-          <a:lstStyle/>
-          <a:p>
-            <a:r>
-              <a:rPr lang="en-US" dirty="0"/>
-              <a:t>Ran some simple tests involving a two </a:t>
-            </a:r>
-            <a:r>
-              <a:rPr lang="en-US" dirty="0" err="1"/>
-              <a:t>dierent</a:t>
-            </a:r>
-            <a:r>
-              <a:rPr lang="en-US" dirty="0"/>
-              <a:t> </a:t>
-            </a:r>
-            <a:r>
-              <a:rPr lang="en-US" dirty="0" err="1"/>
-              <a:t>congurations</a:t>
-            </a:r>
-            <a:endParaRPr lang="en-US" dirty="0"/>
-          </a:p>
-          <a:p>
-            <a:r>
-              <a:rPr lang="en-US" dirty="0"/>
-              <a:t>on </a:t>
-            </a:r>
-            <a:r>
-              <a:rPr lang="en-US" dirty="0" err="1"/>
-              <a:t>mininet</a:t>
-            </a:r>
-            <a:endParaRPr lang="en-US" dirty="0"/>
-          </a:p>
-          <a:p>
-            <a:r>
-              <a:rPr lang="en-US" dirty="0"/>
-              <a:t>Still need to test for large volumes of </a:t>
-            </a:r>
-            <a:r>
-              <a:rPr lang="en-US" dirty="0" err="1"/>
-              <a:t>trac</a:t>
-            </a:r>
-            <a:endParaRPr lang="en-US" dirty="0"/>
-          </a:p>
-        </p:txBody>
-      </p:sp>
+      <p:pic>
+        <p:nvPicPr>
+          <p:cNvPr id="4" name="Picture 3"/>
+          <p:cNvPicPr>
+            <a:picLocks noChangeAspect="1"/>
+          </p:cNvPicPr>
+          <p:nvPr/>
+        </p:nvPicPr>
+        <p:blipFill>
+          <a:blip r:embed="rId2">
+            <a:extLst>
+              <a:ext uri="{28A0092B-C50C-407E-A947-70E740481C1C}">
+                <a14:useLocalDpi xmlns:a14="http://schemas.microsoft.com/office/drawing/2010/main" val="0"/>
+              </a:ext>
+            </a:extLst>
+          </a:blip>
+          <a:stretch>
+            <a:fillRect/>
+          </a:stretch>
+        </p:blipFill>
+        <p:spPr>
+          <a:xfrm>
+            <a:off x="170543" y="990918"/>
+            <a:ext cx="8686800" cy="5409882"/>
+          </a:xfrm>
+          <a:prstGeom prst="rect">
+            <a:avLst/>
+          </a:prstGeom>
+        </p:spPr>
+      </p:pic>
     </p:spTree>
     <p:extLst>
       <p:ext uri="{BB962C8B-B14F-4D97-AF65-F5344CB8AC3E}">
-        <p14:creationId xmlns:p14="http://schemas.microsoft.com/office/powerpoint/2010/main" val="4041257584"/>
+        <p14:creationId xmlns:p14="http://schemas.microsoft.com/office/powerpoint/2010/main" val="720324685"/>
       </p:ext>
     </p:extLst>
   </p:cSld>
@@ -8788,80 +10492,2018 @@
       <p:sp>
         <p:nvSpPr>
           <p:cNvPr id="2" name="Title 1"/>
-          <p:cNvSpPr>
-            <a:spLocks noGrp="1"/>
+          <p:cNvSpPr txBox="1">
+            <a:spLocks/>
           </p:cNvSpPr>
-          <p:nvPr>
-            <p:ph type="title"/>
-          </p:nvPr>
-        </p:nvSpPr>
-        <p:spPr/>
+          <p:nvPr/>
+        </p:nvSpPr>
+        <p:spPr>
+          <a:xfrm>
+            <a:off x="457200" y="152400"/>
+            <a:ext cx="6172200" cy="1371600"/>
+          </a:xfrm>
+          <a:prstGeom prst="rect">
+            <a:avLst/>
+          </a:prstGeom>
+        </p:spPr>
         <p:txBody>
           <a:bodyPr/>
-          <a:lstStyle/>
-          <a:p>
+          <a:lstStyle>
+            <a:lvl1pPr algn="l" defTabSz="914400" rtl="0" eaLnBrk="1" latinLnBrk="0" hangingPunct="1">
+              <a:spcBef>
+                <a:spcPct val="0"/>
+              </a:spcBef>
+              <a:buNone/>
+              <a:defRPr sz="3600" kern="1200" cap="all" spc="-60" baseline="0">
+                <a:solidFill>
+                  <a:schemeClr val="tx2"/>
+                </a:solidFill>
+                <a:latin typeface="+mj-lt"/>
+                <a:ea typeface="+mj-ea"/>
+                <a:cs typeface="+mj-cs"/>
+              </a:defRPr>
+            </a:lvl1pPr>
+          </a:lstStyle>
+          <a:p>
+            <a:r>
+              <a:rPr lang="en-US" dirty="0" smtClean="0"/>
+              <a:t>Evaluation – scenario 2</a:t>
+            </a:r>
+            <a:endParaRPr lang="en-US" dirty="0"/>
+          </a:p>
+        </p:txBody>
+      </p:sp>
+      <p:sp>
+        <p:nvSpPr>
+          <p:cNvPr id="3" name="Rectangle 2"/>
+          <p:cNvSpPr/>
+          <p:nvPr/>
+        </p:nvSpPr>
+        <p:spPr>
+          <a:xfrm>
+            <a:off x="4155141" y="1241150"/>
+            <a:ext cx="685800" cy="304800"/>
+          </a:xfrm>
+          <a:prstGeom prst="rect">
+            <a:avLst/>
+          </a:prstGeom>
+          <a:solidFill>
+            <a:schemeClr val="bg1"/>
+          </a:solidFill>
+          <a:ln>
+            <a:solidFill>
+              <a:schemeClr val="tx1"/>
+            </a:solidFill>
+          </a:ln>
+        </p:spPr>
+        <p:style>
+          <a:lnRef idx="2">
+            <a:schemeClr val="accent1">
+              <a:shade val="50000"/>
+            </a:schemeClr>
+          </a:lnRef>
+          <a:fillRef idx="1">
+            <a:schemeClr val="accent1"/>
+          </a:fillRef>
+          <a:effectRef idx="0">
+            <a:schemeClr val="accent1"/>
+          </a:effectRef>
+          <a:fontRef idx="minor">
+            <a:schemeClr val="lt1"/>
+          </a:fontRef>
+        </p:style>
+        <p:txBody>
+          <a:bodyPr rtlCol="0" anchor="ctr"/>
+          <a:lstStyle/>
+          <a:p>
+            <a:pPr algn="ctr"/>
+            <a:endParaRPr lang="en-US"/>
+          </a:p>
+        </p:txBody>
+      </p:sp>
+      <p:sp>
+        <p:nvSpPr>
+          <p:cNvPr id="4" name="Rectangle 3"/>
+          <p:cNvSpPr/>
+          <p:nvPr/>
+        </p:nvSpPr>
+        <p:spPr>
+          <a:xfrm>
+            <a:off x="2662518" y="2298985"/>
+            <a:ext cx="685800" cy="304800"/>
+          </a:xfrm>
+          <a:prstGeom prst="rect">
+            <a:avLst/>
+          </a:prstGeom>
+          <a:solidFill>
+            <a:schemeClr val="bg1"/>
+          </a:solidFill>
+          <a:ln>
+            <a:solidFill>
+              <a:schemeClr val="tx1"/>
+            </a:solidFill>
+          </a:ln>
+        </p:spPr>
+        <p:style>
+          <a:lnRef idx="2">
+            <a:schemeClr val="accent1">
+              <a:shade val="50000"/>
+            </a:schemeClr>
+          </a:lnRef>
+          <a:fillRef idx="1">
+            <a:schemeClr val="accent1"/>
+          </a:fillRef>
+          <a:effectRef idx="0">
+            <a:schemeClr val="accent1"/>
+          </a:effectRef>
+          <a:fontRef idx="minor">
+            <a:schemeClr val="lt1"/>
+          </a:fontRef>
+        </p:style>
+        <p:txBody>
+          <a:bodyPr rtlCol="0" anchor="ctr"/>
+          <a:lstStyle/>
+          <a:p>
+            <a:pPr algn="ctr"/>
+            <a:endParaRPr lang="en-US"/>
+          </a:p>
+        </p:txBody>
+      </p:sp>
+      <p:sp>
+        <p:nvSpPr>
+          <p:cNvPr id="5" name="Rectangle 4"/>
+          <p:cNvSpPr/>
+          <p:nvPr/>
+        </p:nvSpPr>
+        <p:spPr>
+          <a:xfrm>
+            <a:off x="5661212" y="2312432"/>
+            <a:ext cx="685800" cy="304800"/>
+          </a:xfrm>
+          <a:prstGeom prst="rect">
+            <a:avLst/>
+          </a:prstGeom>
+          <a:solidFill>
+            <a:schemeClr val="bg1"/>
+          </a:solidFill>
+          <a:ln>
+            <a:solidFill>
+              <a:schemeClr val="tx1"/>
+            </a:solidFill>
+          </a:ln>
+        </p:spPr>
+        <p:style>
+          <a:lnRef idx="2">
+            <a:schemeClr val="accent1">
+              <a:shade val="50000"/>
+            </a:schemeClr>
+          </a:lnRef>
+          <a:fillRef idx="1">
+            <a:schemeClr val="accent1"/>
+          </a:fillRef>
+          <a:effectRef idx="0">
+            <a:schemeClr val="accent1"/>
+          </a:effectRef>
+          <a:fontRef idx="minor">
+            <a:schemeClr val="lt1"/>
+          </a:fontRef>
+        </p:style>
+        <p:txBody>
+          <a:bodyPr rtlCol="0" anchor="ctr"/>
+          <a:lstStyle/>
+          <a:p>
+            <a:pPr algn="ctr"/>
+            <a:endParaRPr lang="en-US"/>
+          </a:p>
+        </p:txBody>
+      </p:sp>
+      <p:sp>
+        <p:nvSpPr>
+          <p:cNvPr id="6" name="Rectangle 5"/>
+          <p:cNvSpPr/>
+          <p:nvPr/>
+        </p:nvSpPr>
+        <p:spPr>
+          <a:xfrm>
+            <a:off x="1192306" y="3822096"/>
+            <a:ext cx="685800" cy="304800"/>
+          </a:xfrm>
+          <a:prstGeom prst="rect">
+            <a:avLst/>
+          </a:prstGeom>
+          <a:solidFill>
+            <a:schemeClr val="bg1"/>
+          </a:solidFill>
+          <a:ln>
+            <a:solidFill>
+              <a:schemeClr val="tx1"/>
+            </a:solidFill>
+          </a:ln>
+        </p:spPr>
+        <p:style>
+          <a:lnRef idx="2">
+            <a:schemeClr val="accent1">
+              <a:shade val="50000"/>
+            </a:schemeClr>
+          </a:lnRef>
+          <a:fillRef idx="1">
+            <a:schemeClr val="accent1"/>
+          </a:fillRef>
+          <a:effectRef idx="0">
+            <a:schemeClr val="accent1"/>
+          </a:effectRef>
+          <a:fontRef idx="minor">
+            <a:schemeClr val="lt1"/>
+          </a:fontRef>
+        </p:style>
+        <p:txBody>
+          <a:bodyPr rtlCol="0" anchor="ctr"/>
+          <a:lstStyle/>
+          <a:p>
+            <a:pPr algn="ctr"/>
+            <a:endParaRPr lang="en-US"/>
+          </a:p>
+        </p:txBody>
+      </p:sp>
+      <p:sp>
+        <p:nvSpPr>
+          <p:cNvPr id="7" name="Rectangle 6"/>
+          <p:cNvSpPr/>
+          <p:nvPr/>
+        </p:nvSpPr>
+        <p:spPr>
+          <a:xfrm>
+            <a:off x="2317377" y="3814910"/>
+            <a:ext cx="685800" cy="304800"/>
+          </a:xfrm>
+          <a:prstGeom prst="rect">
+            <a:avLst/>
+          </a:prstGeom>
+          <a:solidFill>
+            <a:schemeClr val="bg1"/>
+          </a:solidFill>
+          <a:ln>
+            <a:solidFill>
+              <a:schemeClr val="tx1"/>
+            </a:solidFill>
+          </a:ln>
+        </p:spPr>
+        <p:style>
+          <a:lnRef idx="2">
+            <a:schemeClr val="accent1">
+              <a:shade val="50000"/>
+            </a:schemeClr>
+          </a:lnRef>
+          <a:fillRef idx="1">
+            <a:schemeClr val="accent1"/>
+          </a:fillRef>
+          <a:effectRef idx="0">
+            <a:schemeClr val="accent1"/>
+          </a:effectRef>
+          <a:fontRef idx="minor">
+            <a:schemeClr val="lt1"/>
+          </a:fontRef>
+        </p:style>
+        <p:txBody>
+          <a:bodyPr rtlCol="0" anchor="ctr"/>
+          <a:lstStyle/>
+          <a:p>
+            <a:pPr algn="ctr"/>
+            <a:endParaRPr lang="en-US"/>
+          </a:p>
+        </p:txBody>
+      </p:sp>
+      <p:sp>
+        <p:nvSpPr>
+          <p:cNvPr id="8" name="Rectangle 7"/>
+          <p:cNvSpPr/>
+          <p:nvPr/>
+        </p:nvSpPr>
+        <p:spPr>
+          <a:xfrm>
+            <a:off x="4675652" y="3857954"/>
+            <a:ext cx="685800" cy="304800"/>
+          </a:xfrm>
+          <a:prstGeom prst="rect">
+            <a:avLst/>
+          </a:prstGeom>
+          <a:solidFill>
+            <a:schemeClr val="bg1"/>
+          </a:solidFill>
+          <a:ln>
+            <a:solidFill>
+              <a:schemeClr val="tx1"/>
+            </a:solidFill>
+          </a:ln>
+        </p:spPr>
+        <p:style>
+          <a:lnRef idx="2">
+            <a:schemeClr val="accent1">
+              <a:shade val="50000"/>
+            </a:schemeClr>
+          </a:lnRef>
+          <a:fillRef idx="1">
+            <a:schemeClr val="accent1"/>
+          </a:fillRef>
+          <a:effectRef idx="0">
+            <a:schemeClr val="accent1"/>
+          </a:effectRef>
+          <a:fontRef idx="minor">
+            <a:schemeClr val="lt1"/>
+          </a:fontRef>
+        </p:style>
+        <p:txBody>
+          <a:bodyPr rtlCol="0" anchor="ctr"/>
+          <a:lstStyle/>
+          <a:p>
+            <a:pPr algn="ctr"/>
+            <a:endParaRPr lang="en-US"/>
+          </a:p>
+        </p:txBody>
+      </p:sp>
+      <p:sp>
+        <p:nvSpPr>
+          <p:cNvPr id="9" name="Rectangle 8"/>
+          <p:cNvSpPr/>
+          <p:nvPr/>
+        </p:nvSpPr>
+        <p:spPr>
+          <a:xfrm>
+            <a:off x="6902824" y="3847176"/>
+            <a:ext cx="685800" cy="304800"/>
+          </a:xfrm>
+          <a:prstGeom prst="rect">
+            <a:avLst/>
+          </a:prstGeom>
+          <a:solidFill>
+            <a:schemeClr val="bg1"/>
+          </a:solidFill>
+          <a:ln>
+            <a:solidFill>
+              <a:schemeClr val="tx1"/>
+            </a:solidFill>
+          </a:ln>
+        </p:spPr>
+        <p:style>
+          <a:lnRef idx="2">
+            <a:schemeClr val="accent1">
+              <a:shade val="50000"/>
+            </a:schemeClr>
+          </a:lnRef>
+          <a:fillRef idx="1">
+            <a:schemeClr val="accent1"/>
+          </a:fillRef>
+          <a:effectRef idx="0">
+            <a:schemeClr val="accent1"/>
+          </a:effectRef>
+          <a:fontRef idx="minor">
+            <a:schemeClr val="lt1"/>
+          </a:fontRef>
+        </p:style>
+        <p:txBody>
+          <a:bodyPr rtlCol="0" anchor="ctr"/>
+          <a:lstStyle/>
+          <a:p>
+            <a:pPr algn="ctr"/>
+            <a:endParaRPr lang="en-US"/>
+          </a:p>
+        </p:txBody>
+      </p:sp>
+      <p:sp>
+        <p:nvSpPr>
+          <p:cNvPr id="10" name="Oval 9"/>
+          <p:cNvSpPr/>
+          <p:nvPr/>
+        </p:nvSpPr>
+        <p:spPr>
+          <a:xfrm>
+            <a:off x="2124636" y="5319166"/>
+            <a:ext cx="381000" cy="381000"/>
+          </a:xfrm>
+          <a:prstGeom prst="ellipse">
+            <a:avLst/>
+          </a:prstGeom>
+          <a:solidFill>
+            <a:schemeClr val="bg1"/>
+          </a:solidFill>
+          <a:ln>
+            <a:solidFill>
+              <a:schemeClr val="tx1"/>
+            </a:solidFill>
+          </a:ln>
+        </p:spPr>
+        <p:style>
+          <a:lnRef idx="2">
+            <a:schemeClr val="accent1">
+              <a:shade val="50000"/>
+            </a:schemeClr>
+          </a:lnRef>
+          <a:fillRef idx="1">
+            <a:schemeClr val="accent1"/>
+          </a:fillRef>
+          <a:effectRef idx="0">
+            <a:schemeClr val="accent1"/>
+          </a:effectRef>
+          <a:fontRef idx="minor">
+            <a:schemeClr val="lt1"/>
+          </a:fontRef>
+        </p:style>
+        <p:txBody>
+          <a:bodyPr rtlCol="0" anchor="ctr"/>
+          <a:lstStyle/>
+          <a:p>
+            <a:pPr algn="ctr"/>
+            <a:endParaRPr lang="en-US"/>
+          </a:p>
+        </p:txBody>
+      </p:sp>
+      <p:sp>
+        <p:nvSpPr>
+          <p:cNvPr id="11" name="Oval 10"/>
+          <p:cNvSpPr/>
+          <p:nvPr/>
+        </p:nvSpPr>
+        <p:spPr>
+          <a:xfrm>
+            <a:off x="403412" y="5342502"/>
+            <a:ext cx="381000" cy="381000"/>
+          </a:xfrm>
+          <a:prstGeom prst="ellipse">
+            <a:avLst/>
+          </a:prstGeom>
+          <a:solidFill>
+            <a:schemeClr val="bg1"/>
+          </a:solidFill>
+          <a:ln>
+            <a:solidFill>
+              <a:schemeClr val="tx1"/>
+            </a:solidFill>
+          </a:ln>
+        </p:spPr>
+        <p:style>
+          <a:lnRef idx="2">
+            <a:schemeClr val="accent1">
+              <a:shade val="50000"/>
+            </a:schemeClr>
+          </a:lnRef>
+          <a:fillRef idx="1">
+            <a:schemeClr val="accent1"/>
+          </a:fillRef>
+          <a:effectRef idx="0">
+            <a:schemeClr val="accent1"/>
+          </a:effectRef>
+          <a:fontRef idx="minor">
+            <a:schemeClr val="lt1"/>
+          </a:fontRef>
+        </p:style>
+        <p:txBody>
+          <a:bodyPr rtlCol="0" anchor="ctr"/>
+          <a:lstStyle/>
+          <a:p>
+            <a:pPr algn="ctr"/>
+            <a:endParaRPr lang="en-US"/>
+          </a:p>
+        </p:txBody>
+      </p:sp>
+      <p:sp>
+        <p:nvSpPr>
+          <p:cNvPr id="12" name="Oval 11"/>
+          <p:cNvSpPr/>
+          <p:nvPr/>
+        </p:nvSpPr>
+        <p:spPr>
+          <a:xfrm>
+            <a:off x="1277470" y="5330834"/>
+            <a:ext cx="381000" cy="381000"/>
+          </a:xfrm>
+          <a:prstGeom prst="ellipse">
+            <a:avLst/>
+          </a:prstGeom>
+          <a:solidFill>
+            <a:schemeClr val="bg1"/>
+          </a:solidFill>
+          <a:ln>
+            <a:solidFill>
+              <a:schemeClr val="tx1"/>
+            </a:solidFill>
+          </a:ln>
+        </p:spPr>
+        <p:style>
+          <a:lnRef idx="2">
+            <a:schemeClr val="accent1">
+              <a:shade val="50000"/>
+            </a:schemeClr>
+          </a:lnRef>
+          <a:fillRef idx="1">
+            <a:schemeClr val="accent1"/>
+          </a:fillRef>
+          <a:effectRef idx="0">
+            <a:schemeClr val="accent1"/>
+          </a:effectRef>
+          <a:fontRef idx="minor">
+            <a:schemeClr val="lt1"/>
+          </a:fontRef>
+        </p:style>
+        <p:txBody>
+          <a:bodyPr rtlCol="0" anchor="ctr"/>
+          <a:lstStyle/>
+          <a:p>
+            <a:pPr algn="ctr"/>
+            <a:endParaRPr lang="en-US"/>
+          </a:p>
+        </p:txBody>
+      </p:sp>
+      <p:sp>
+        <p:nvSpPr>
+          <p:cNvPr id="13" name="Oval 12"/>
+          <p:cNvSpPr/>
+          <p:nvPr/>
+        </p:nvSpPr>
+        <p:spPr>
+          <a:xfrm>
+            <a:off x="6134100" y="5373417"/>
+            <a:ext cx="381000" cy="381000"/>
+          </a:xfrm>
+          <a:prstGeom prst="ellipse">
+            <a:avLst/>
+          </a:prstGeom>
+          <a:solidFill>
+            <a:schemeClr val="bg1"/>
+          </a:solidFill>
+          <a:ln>
+            <a:solidFill>
+              <a:schemeClr val="tx1"/>
+            </a:solidFill>
+          </a:ln>
+        </p:spPr>
+        <p:style>
+          <a:lnRef idx="2">
+            <a:schemeClr val="accent1">
+              <a:shade val="50000"/>
+            </a:schemeClr>
+          </a:lnRef>
+          <a:fillRef idx="1">
+            <a:schemeClr val="accent1"/>
+          </a:fillRef>
+          <a:effectRef idx="0">
+            <a:schemeClr val="accent1"/>
+          </a:effectRef>
+          <a:fontRef idx="minor">
+            <a:schemeClr val="lt1"/>
+          </a:fontRef>
+        </p:style>
+        <p:txBody>
+          <a:bodyPr rtlCol="0" anchor="ctr"/>
+          <a:lstStyle/>
+          <a:p>
+            <a:pPr algn="ctr"/>
+            <a:endParaRPr lang="en-US"/>
+          </a:p>
+        </p:txBody>
+      </p:sp>
+      <p:sp>
+        <p:nvSpPr>
+          <p:cNvPr id="14" name="Oval 13"/>
+          <p:cNvSpPr/>
+          <p:nvPr/>
+        </p:nvSpPr>
+        <p:spPr>
+          <a:xfrm>
+            <a:off x="7131425" y="5387326"/>
+            <a:ext cx="381000" cy="381000"/>
+          </a:xfrm>
+          <a:prstGeom prst="ellipse">
+            <a:avLst/>
+          </a:prstGeom>
+          <a:solidFill>
+            <a:schemeClr val="bg1"/>
+          </a:solidFill>
+          <a:ln>
+            <a:solidFill>
+              <a:schemeClr val="tx1"/>
+            </a:solidFill>
+          </a:ln>
+        </p:spPr>
+        <p:style>
+          <a:lnRef idx="2">
+            <a:schemeClr val="accent1">
+              <a:shade val="50000"/>
+            </a:schemeClr>
+          </a:lnRef>
+          <a:fillRef idx="1">
+            <a:schemeClr val="accent1"/>
+          </a:fillRef>
+          <a:effectRef idx="0">
+            <a:schemeClr val="accent1"/>
+          </a:effectRef>
+          <a:fontRef idx="minor">
+            <a:schemeClr val="lt1"/>
+          </a:fontRef>
+        </p:style>
+        <p:txBody>
+          <a:bodyPr rtlCol="0" anchor="ctr"/>
+          <a:lstStyle/>
+          <a:p>
+            <a:pPr algn="ctr"/>
+            <a:endParaRPr lang="en-US"/>
+          </a:p>
+        </p:txBody>
+      </p:sp>
+      <p:sp>
+        <p:nvSpPr>
+          <p:cNvPr id="15" name="Oval 14"/>
+          <p:cNvSpPr/>
+          <p:nvPr/>
+        </p:nvSpPr>
+        <p:spPr>
+          <a:xfrm>
+            <a:off x="8294595" y="5400771"/>
+            <a:ext cx="381000" cy="381000"/>
+          </a:xfrm>
+          <a:prstGeom prst="ellipse">
+            <a:avLst/>
+          </a:prstGeom>
+          <a:solidFill>
+            <a:schemeClr val="bg1"/>
+          </a:solidFill>
+          <a:ln>
+            <a:solidFill>
+              <a:schemeClr val="tx1"/>
+            </a:solidFill>
+          </a:ln>
+        </p:spPr>
+        <p:style>
+          <a:lnRef idx="2">
+            <a:schemeClr val="accent1">
+              <a:shade val="50000"/>
+            </a:schemeClr>
+          </a:lnRef>
+          <a:fillRef idx="1">
+            <a:schemeClr val="accent1"/>
+          </a:fillRef>
+          <a:effectRef idx="0">
+            <a:schemeClr val="accent1"/>
+          </a:effectRef>
+          <a:fontRef idx="minor">
+            <a:schemeClr val="lt1"/>
+          </a:fontRef>
+        </p:style>
+        <p:txBody>
+          <a:bodyPr rtlCol="0" anchor="ctr"/>
+          <a:lstStyle/>
+          <a:p>
+            <a:pPr algn="ctr"/>
+            <a:endParaRPr lang="en-US"/>
+          </a:p>
+        </p:txBody>
+      </p:sp>
+      <p:cxnSp>
+        <p:nvCxnSpPr>
+          <p:cNvPr id="16" name="Straight Connector 15"/>
+          <p:cNvCxnSpPr>
+            <a:stCxn id="3" idx="2"/>
+            <a:endCxn id="4" idx="0"/>
+          </p:cNvCxnSpPr>
+          <p:nvPr/>
+        </p:nvCxnSpPr>
+        <p:spPr>
+          <a:xfrm flipH="1">
+            <a:off x="3005418" y="1545950"/>
+            <a:ext cx="1492623" cy="753035"/>
+          </a:xfrm>
+          <a:prstGeom prst="line">
+            <a:avLst/>
+          </a:prstGeom>
+          <a:ln>
+            <a:solidFill>
+              <a:schemeClr val="tx1"/>
+            </a:solidFill>
+          </a:ln>
+        </p:spPr>
+        <p:style>
+          <a:lnRef idx="1">
+            <a:schemeClr val="accent1"/>
+          </a:lnRef>
+          <a:fillRef idx="0">
+            <a:schemeClr val="accent1"/>
+          </a:fillRef>
+          <a:effectRef idx="0">
+            <a:schemeClr val="accent1"/>
+          </a:effectRef>
+          <a:fontRef idx="minor">
+            <a:schemeClr val="tx1"/>
+          </a:fontRef>
+        </p:style>
+      </p:cxnSp>
+      <p:cxnSp>
+        <p:nvCxnSpPr>
+          <p:cNvPr id="17" name="Straight Connector 16"/>
+          <p:cNvCxnSpPr>
+            <a:stCxn id="3" idx="2"/>
+            <a:endCxn id="5" idx="0"/>
+          </p:cNvCxnSpPr>
+          <p:nvPr/>
+        </p:nvCxnSpPr>
+        <p:spPr>
+          <a:xfrm>
+            <a:off x="4498041" y="1545950"/>
+            <a:ext cx="1506071" cy="766482"/>
+          </a:xfrm>
+          <a:prstGeom prst="line">
+            <a:avLst/>
+          </a:prstGeom>
+          <a:ln>
+            <a:solidFill>
+              <a:schemeClr val="tx1"/>
+            </a:solidFill>
+          </a:ln>
+        </p:spPr>
+        <p:style>
+          <a:lnRef idx="1">
+            <a:schemeClr val="accent1"/>
+          </a:lnRef>
+          <a:fillRef idx="0">
+            <a:schemeClr val="accent1"/>
+          </a:fillRef>
+          <a:effectRef idx="0">
+            <a:schemeClr val="accent1"/>
+          </a:effectRef>
+          <a:fontRef idx="minor">
+            <a:schemeClr val="tx1"/>
+          </a:fontRef>
+        </p:style>
+      </p:cxnSp>
+      <p:cxnSp>
+        <p:nvCxnSpPr>
+          <p:cNvPr id="18" name="Straight Connector 17"/>
+          <p:cNvCxnSpPr>
+            <a:stCxn id="4" idx="2"/>
+            <a:endCxn id="6" idx="0"/>
+          </p:cNvCxnSpPr>
+          <p:nvPr/>
+        </p:nvCxnSpPr>
+        <p:spPr>
+          <a:xfrm flipH="1">
+            <a:off x="1535206" y="2603785"/>
+            <a:ext cx="1470212" cy="1218311"/>
+          </a:xfrm>
+          <a:prstGeom prst="line">
+            <a:avLst/>
+          </a:prstGeom>
+          <a:ln>
+            <a:solidFill>
+              <a:schemeClr val="tx1"/>
+            </a:solidFill>
+          </a:ln>
+        </p:spPr>
+        <p:style>
+          <a:lnRef idx="1">
+            <a:schemeClr val="accent1"/>
+          </a:lnRef>
+          <a:fillRef idx="0">
+            <a:schemeClr val="accent1"/>
+          </a:fillRef>
+          <a:effectRef idx="0">
+            <a:schemeClr val="accent1"/>
+          </a:effectRef>
+          <a:fontRef idx="minor">
+            <a:schemeClr val="tx1"/>
+          </a:fontRef>
+        </p:style>
+      </p:cxnSp>
+      <p:cxnSp>
+        <p:nvCxnSpPr>
+          <p:cNvPr id="19" name="Straight Connector 18"/>
+          <p:cNvCxnSpPr>
+            <a:stCxn id="7" idx="0"/>
+            <a:endCxn id="4" idx="2"/>
+          </p:cNvCxnSpPr>
+          <p:nvPr/>
+        </p:nvCxnSpPr>
+        <p:spPr>
+          <a:xfrm flipV="1">
+            <a:off x="2660277" y="2603785"/>
+            <a:ext cx="345141" cy="1211125"/>
+          </a:xfrm>
+          <a:prstGeom prst="line">
+            <a:avLst/>
+          </a:prstGeom>
+          <a:ln>
+            <a:solidFill>
+              <a:schemeClr val="tx1"/>
+            </a:solidFill>
+          </a:ln>
+        </p:spPr>
+        <p:style>
+          <a:lnRef idx="1">
+            <a:schemeClr val="accent1"/>
+          </a:lnRef>
+          <a:fillRef idx="0">
+            <a:schemeClr val="accent1"/>
+          </a:fillRef>
+          <a:effectRef idx="0">
+            <a:schemeClr val="accent1"/>
+          </a:effectRef>
+          <a:fontRef idx="minor">
+            <a:schemeClr val="tx1"/>
+          </a:fontRef>
+        </p:style>
+      </p:cxnSp>
+      <p:cxnSp>
+        <p:nvCxnSpPr>
+          <p:cNvPr id="20" name="Straight Connector 19"/>
+          <p:cNvCxnSpPr>
+            <a:stCxn id="5" idx="2"/>
+            <a:endCxn id="8" idx="0"/>
+          </p:cNvCxnSpPr>
+          <p:nvPr/>
+        </p:nvCxnSpPr>
+        <p:spPr>
+          <a:xfrm flipH="1">
+            <a:off x="5018552" y="2617232"/>
+            <a:ext cx="985560" cy="1240722"/>
+          </a:xfrm>
+          <a:prstGeom prst="line">
+            <a:avLst/>
+          </a:prstGeom>
+          <a:ln>
+            <a:solidFill>
+              <a:schemeClr val="tx1"/>
+            </a:solidFill>
+          </a:ln>
+        </p:spPr>
+        <p:style>
+          <a:lnRef idx="1">
+            <a:schemeClr val="accent1"/>
+          </a:lnRef>
+          <a:fillRef idx="0">
+            <a:schemeClr val="accent1"/>
+          </a:fillRef>
+          <a:effectRef idx="0">
+            <a:schemeClr val="accent1"/>
+          </a:effectRef>
+          <a:fontRef idx="minor">
+            <a:schemeClr val="tx1"/>
+          </a:fontRef>
+        </p:style>
+      </p:cxnSp>
+      <p:cxnSp>
+        <p:nvCxnSpPr>
+          <p:cNvPr id="21" name="Straight Connector 20"/>
+          <p:cNvCxnSpPr>
+            <a:stCxn id="5" idx="2"/>
+            <a:endCxn id="9" idx="0"/>
+          </p:cNvCxnSpPr>
+          <p:nvPr/>
+        </p:nvCxnSpPr>
+        <p:spPr>
+          <a:xfrm>
+            <a:off x="6004112" y="2617232"/>
+            <a:ext cx="1241612" cy="1229944"/>
+          </a:xfrm>
+          <a:prstGeom prst="line">
+            <a:avLst/>
+          </a:prstGeom>
+          <a:ln>
+            <a:solidFill>
+              <a:schemeClr val="tx1"/>
+            </a:solidFill>
+          </a:ln>
+        </p:spPr>
+        <p:style>
+          <a:lnRef idx="1">
+            <a:schemeClr val="accent1"/>
+          </a:lnRef>
+          <a:fillRef idx="0">
+            <a:schemeClr val="accent1"/>
+          </a:fillRef>
+          <a:effectRef idx="0">
+            <a:schemeClr val="accent1"/>
+          </a:effectRef>
+          <a:fontRef idx="minor">
+            <a:schemeClr val="tx1"/>
+          </a:fontRef>
+        </p:style>
+      </p:cxnSp>
+      <p:cxnSp>
+        <p:nvCxnSpPr>
+          <p:cNvPr id="22" name="Straight Connector 21"/>
+          <p:cNvCxnSpPr>
+            <a:stCxn id="6" idx="2"/>
+            <a:endCxn id="11" idx="0"/>
+          </p:cNvCxnSpPr>
+          <p:nvPr/>
+        </p:nvCxnSpPr>
+        <p:spPr>
+          <a:xfrm flipH="1">
+            <a:off x="593912" y="4126896"/>
+            <a:ext cx="941294" cy="1215606"/>
+          </a:xfrm>
+          <a:prstGeom prst="line">
+            <a:avLst/>
+          </a:prstGeom>
+          <a:ln>
+            <a:solidFill>
+              <a:schemeClr val="tx1"/>
+            </a:solidFill>
+          </a:ln>
+        </p:spPr>
+        <p:style>
+          <a:lnRef idx="1">
+            <a:schemeClr val="accent1"/>
+          </a:lnRef>
+          <a:fillRef idx="0">
+            <a:schemeClr val="accent1"/>
+          </a:fillRef>
+          <a:effectRef idx="0">
+            <a:schemeClr val="accent1"/>
+          </a:effectRef>
+          <a:fontRef idx="minor">
+            <a:schemeClr val="tx1"/>
+          </a:fontRef>
+        </p:style>
+      </p:cxnSp>
+      <p:cxnSp>
+        <p:nvCxnSpPr>
+          <p:cNvPr id="23" name="Straight Connector 22"/>
+          <p:cNvCxnSpPr>
+            <a:stCxn id="6" idx="2"/>
+            <a:endCxn id="12" idx="0"/>
+          </p:cNvCxnSpPr>
+          <p:nvPr/>
+        </p:nvCxnSpPr>
+        <p:spPr>
+          <a:xfrm flipH="1">
+            <a:off x="1467970" y="4126896"/>
+            <a:ext cx="67236" cy="1203938"/>
+          </a:xfrm>
+          <a:prstGeom prst="line">
+            <a:avLst/>
+          </a:prstGeom>
+          <a:ln>
+            <a:solidFill>
+              <a:schemeClr val="tx1"/>
+            </a:solidFill>
+          </a:ln>
+        </p:spPr>
+        <p:style>
+          <a:lnRef idx="1">
+            <a:schemeClr val="accent1"/>
+          </a:lnRef>
+          <a:fillRef idx="0">
+            <a:schemeClr val="accent1"/>
+          </a:fillRef>
+          <a:effectRef idx="0">
+            <a:schemeClr val="accent1"/>
+          </a:effectRef>
+          <a:fontRef idx="minor">
+            <a:schemeClr val="tx1"/>
+          </a:fontRef>
+        </p:style>
+      </p:cxnSp>
+      <p:cxnSp>
+        <p:nvCxnSpPr>
+          <p:cNvPr id="24" name="Straight Connector 23"/>
+          <p:cNvCxnSpPr>
+            <a:stCxn id="6" idx="2"/>
+            <a:endCxn id="10" idx="0"/>
+          </p:cNvCxnSpPr>
+          <p:nvPr/>
+        </p:nvCxnSpPr>
+        <p:spPr>
+          <a:xfrm>
+            <a:off x="1535206" y="4126896"/>
+            <a:ext cx="779930" cy="1192270"/>
+          </a:xfrm>
+          <a:prstGeom prst="line">
+            <a:avLst/>
+          </a:prstGeom>
+          <a:ln>
+            <a:solidFill>
+              <a:schemeClr val="tx1"/>
+            </a:solidFill>
+          </a:ln>
+        </p:spPr>
+        <p:style>
+          <a:lnRef idx="1">
+            <a:schemeClr val="accent1"/>
+          </a:lnRef>
+          <a:fillRef idx="0">
+            <a:schemeClr val="accent1"/>
+          </a:fillRef>
+          <a:effectRef idx="0">
+            <a:schemeClr val="accent1"/>
+          </a:effectRef>
+          <a:fontRef idx="minor">
+            <a:schemeClr val="tx1"/>
+          </a:fontRef>
+        </p:style>
+      </p:cxnSp>
+      <p:cxnSp>
+        <p:nvCxnSpPr>
+          <p:cNvPr id="25" name="Straight Connector 24"/>
+          <p:cNvCxnSpPr>
+            <a:stCxn id="13" idx="0"/>
+            <a:endCxn id="9" idx="2"/>
+          </p:cNvCxnSpPr>
+          <p:nvPr/>
+        </p:nvCxnSpPr>
+        <p:spPr>
+          <a:xfrm flipV="1">
+            <a:off x="6324600" y="4151976"/>
+            <a:ext cx="921124" cy="1221441"/>
+          </a:xfrm>
+          <a:prstGeom prst="line">
+            <a:avLst/>
+          </a:prstGeom>
+          <a:ln>
+            <a:solidFill>
+              <a:schemeClr val="tx1"/>
+            </a:solidFill>
+          </a:ln>
+        </p:spPr>
+        <p:style>
+          <a:lnRef idx="1">
+            <a:schemeClr val="accent1"/>
+          </a:lnRef>
+          <a:fillRef idx="0">
+            <a:schemeClr val="accent1"/>
+          </a:fillRef>
+          <a:effectRef idx="0">
+            <a:schemeClr val="accent1"/>
+          </a:effectRef>
+          <a:fontRef idx="minor">
+            <a:schemeClr val="tx1"/>
+          </a:fontRef>
+        </p:style>
+      </p:cxnSp>
+      <p:cxnSp>
+        <p:nvCxnSpPr>
+          <p:cNvPr id="26" name="Straight Connector 25"/>
+          <p:cNvCxnSpPr>
+            <a:stCxn id="9" idx="2"/>
+            <a:endCxn id="14" idx="0"/>
+          </p:cNvCxnSpPr>
+          <p:nvPr/>
+        </p:nvCxnSpPr>
+        <p:spPr>
+          <a:xfrm>
+            <a:off x="7245724" y="4151976"/>
+            <a:ext cx="76201" cy="1235350"/>
+          </a:xfrm>
+          <a:prstGeom prst="line">
+            <a:avLst/>
+          </a:prstGeom>
+          <a:ln>
+            <a:solidFill>
+              <a:schemeClr val="tx1"/>
+            </a:solidFill>
+          </a:ln>
+        </p:spPr>
+        <p:style>
+          <a:lnRef idx="1">
+            <a:schemeClr val="accent1"/>
+          </a:lnRef>
+          <a:fillRef idx="0">
+            <a:schemeClr val="accent1"/>
+          </a:fillRef>
+          <a:effectRef idx="0">
+            <a:schemeClr val="accent1"/>
+          </a:effectRef>
+          <a:fontRef idx="minor">
+            <a:schemeClr val="tx1"/>
+          </a:fontRef>
+        </p:style>
+      </p:cxnSp>
+      <p:cxnSp>
+        <p:nvCxnSpPr>
+          <p:cNvPr id="27" name="Straight Connector 26"/>
+          <p:cNvCxnSpPr>
+            <a:stCxn id="15" idx="0"/>
+            <a:endCxn id="9" idx="2"/>
+          </p:cNvCxnSpPr>
+          <p:nvPr/>
+        </p:nvCxnSpPr>
+        <p:spPr>
+          <a:xfrm flipH="1" flipV="1">
+            <a:off x="7245724" y="4151976"/>
+            <a:ext cx="1239371" cy="1248795"/>
+          </a:xfrm>
+          <a:prstGeom prst="line">
+            <a:avLst/>
+          </a:prstGeom>
+          <a:ln>
+            <a:solidFill>
+              <a:schemeClr val="tx1"/>
+            </a:solidFill>
+          </a:ln>
+        </p:spPr>
+        <p:style>
+          <a:lnRef idx="1">
+            <a:schemeClr val="accent1"/>
+          </a:lnRef>
+          <a:fillRef idx="0">
+            <a:schemeClr val="accent1"/>
+          </a:fillRef>
+          <a:effectRef idx="0">
+            <a:schemeClr val="accent1"/>
+          </a:effectRef>
+          <a:fontRef idx="minor">
+            <a:schemeClr val="tx1"/>
+          </a:fontRef>
+        </p:style>
+      </p:cxnSp>
+      <p:sp>
+        <p:nvSpPr>
+          <p:cNvPr id="28" name="TextBox 27"/>
+          <p:cNvSpPr txBox="1"/>
+          <p:nvPr/>
+        </p:nvSpPr>
+        <p:spPr>
+          <a:xfrm>
+            <a:off x="2810436" y="2280166"/>
+            <a:ext cx="457200" cy="369332"/>
+          </a:xfrm>
+          <a:prstGeom prst="rect">
+            <a:avLst/>
+          </a:prstGeom>
+          <a:noFill/>
+        </p:spPr>
+        <p:txBody>
+          <a:bodyPr wrap="square" rtlCol="0">
+            <a:spAutoFit/>
+          </a:bodyPr>
+          <a:lstStyle/>
+          <a:p>
+            <a:pPr algn="ctr"/>
+            <a:r>
+              <a:rPr lang="en-US" dirty="0" smtClean="0"/>
+              <a:t>s2</a:t>
+            </a:r>
+            <a:endParaRPr lang="en-US" dirty="0"/>
+          </a:p>
+        </p:txBody>
+      </p:sp>
+      <p:sp>
+        <p:nvSpPr>
+          <p:cNvPr id="29" name="TextBox 28"/>
+          <p:cNvSpPr txBox="1"/>
+          <p:nvPr/>
+        </p:nvSpPr>
+        <p:spPr>
+          <a:xfrm>
+            <a:off x="4312024" y="1201698"/>
+            <a:ext cx="457200" cy="369332"/>
+          </a:xfrm>
+          <a:prstGeom prst="rect">
+            <a:avLst/>
+          </a:prstGeom>
+          <a:noFill/>
+        </p:spPr>
+        <p:txBody>
+          <a:bodyPr wrap="square" rtlCol="0">
+            <a:spAutoFit/>
+          </a:bodyPr>
+          <a:lstStyle/>
+          <a:p>
+            <a:pPr algn="ctr"/>
+            <a:r>
+              <a:rPr lang="en-US" dirty="0" smtClean="0"/>
+              <a:t>s1</a:t>
+            </a:r>
+            <a:endParaRPr lang="en-US" dirty="0"/>
+          </a:p>
+        </p:txBody>
+      </p:sp>
+      <p:sp>
+        <p:nvSpPr>
+          <p:cNvPr id="30" name="TextBox 29"/>
+          <p:cNvSpPr txBox="1"/>
+          <p:nvPr/>
+        </p:nvSpPr>
+        <p:spPr>
+          <a:xfrm>
+            <a:off x="1331259" y="3782644"/>
+            <a:ext cx="457200" cy="369332"/>
+          </a:xfrm>
+          <a:prstGeom prst="rect">
+            <a:avLst/>
+          </a:prstGeom>
+          <a:noFill/>
+        </p:spPr>
+        <p:txBody>
+          <a:bodyPr wrap="square" rtlCol="0">
+            <a:spAutoFit/>
+          </a:bodyPr>
+          <a:lstStyle/>
+          <a:p>
+            <a:pPr algn="ctr"/>
+            <a:r>
+              <a:rPr lang="en-US" dirty="0" smtClean="0"/>
+              <a:t>s3</a:t>
+            </a:r>
+            <a:endParaRPr lang="en-US" dirty="0"/>
+          </a:p>
+        </p:txBody>
+      </p:sp>
+      <p:sp>
+        <p:nvSpPr>
+          <p:cNvPr id="31" name="TextBox 30"/>
+          <p:cNvSpPr txBox="1"/>
+          <p:nvPr/>
+        </p:nvSpPr>
+        <p:spPr>
+          <a:xfrm>
+            <a:off x="2463053" y="3782644"/>
+            <a:ext cx="457200" cy="369332"/>
+          </a:xfrm>
+          <a:prstGeom prst="rect">
+            <a:avLst/>
+          </a:prstGeom>
+          <a:noFill/>
+        </p:spPr>
+        <p:txBody>
+          <a:bodyPr wrap="square" rtlCol="0">
+            <a:spAutoFit/>
+          </a:bodyPr>
+          <a:lstStyle/>
+          <a:p>
+            <a:pPr algn="ctr"/>
+            <a:r>
+              <a:rPr lang="en-US" dirty="0" smtClean="0"/>
+              <a:t>s4</a:t>
+            </a:r>
+            <a:endParaRPr lang="en-US" dirty="0"/>
+          </a:p>
+        </p:txBody>
+      </p:sp>
+      <p:sp>
+        <p:nvSpPr>
+          <p:cNvPr id="32" name="TextBox 31"/>
+          <p:cNvSpPr txBox="1"/>
+          <p:nvPr/>
+        </p:nvSpPr>
+        <p:spPr>
+          <a:xfrm>
+            <a:off x="5775512" y="2280166"/>
+            <a:ext cx="571500" cy="369332"/>
+          </a:xfrm>
+          <a:prstGeom prst="rect">
+            <a:avLst/>
+          </a:prstGeom>
+          <a:noFill/>
+        </p:spPr>
+        <p:txBody>
+          <a:bodyPr wrap="square" rtlCol="0">
+            <a:spAutoFit/>
+          </a:bodyPr>
+          <a:lstStyle/>
+          <a:p>
+            <a:pPr algn="ctr"/>
+            <a:r>
+              <a:rPr lang="en-US" dirty="0" smtClean="0"/>
+              <a:t>s10</a:t>
+            </a:r>
+            <a:endParaRPr lang="en-US" dirty="0"/>
+          </a:p>
+        </p:txBody>
+      </p:sp>
+      <p:sp>
+        <p:nvSpPr>
+          <p:cNvPr id="33" name="TextBox 32"/>
+          <p:cNvSpPr txBox="1"/>
+          <p:nvPr/>
+        </p:nvSpPr>
+        <p:spPr>
+          <a:xfrm>
+            <a:off x="4755773" y="3804166"/>
+            <a:ext cx="571500" cy="369332"/>
+          </a:xfrm>
+          <a:prstGeom prst="rect">
+            <a:avLst/>
+          </a:prstGeom>
+          <a:noFill/>
+        </p:spPr>
+        <p:txBody>
+          <a:bodyPr wrap="square" rtlCol="0">
+            <a:spAutoFit/>
+          </a:bodyPr>
+          <a:lstStyle/>
+          <a:p>
+            <a:pPr algn="ctr"/>
+            <a:r>
+              <a:rPr lang="en-US" dirty="0" smtClean="0"/>
+              <a:t>s11</a:t>
+            </a:r>
+            <a:endParaRPr lang="en-US" dirty="0"/>
+          </a:p>
+        </p:txBody>
+      </p:sp>
+      <p:sp>
+        <p:nvSpPr>
+          <p:cNvPr id="34" name="TextBox 33"/>
+          <p:cNvSpPr txBox="1"/>
+          <p:nvPr/>
+        </p:nvSpPr>
+        <p:spPr>
+          <a:xfrm>
+            <a:off x="6977904" y="3793388"/>
+            <a:ext cx="535640" cy="369332"/>
+          </a:xfrm>
+          <a:prstGeom prst="rect">
+            <a:avLst/>
+          </a:prstGeom>
+          <a:noFill/>
+        </p:spPr>
+        <p:txBody>
+          <a:bodyPr wrap="square" rtlCol="0">
+            <a:spAutoFit/>
+          </a:bodyPr>
+          <a:lstStyle/>
+          <a:p>
+            <a:pPr algn="ctr"/>
+            <a:r>
+              <a:rPr lang="en-US" dirty="0" smtClean="0"/>
+              <a:t>s13</a:t>
+            </a:r>
+            <a:endParaRPr lang="en-US" dirty="0"/>
+          </a:p>
+        </p:txBody>
+      </p:sp>
+      <p:sp>
+        <p:nvSpPr>
+          <p:cNvPr id="35" name="TextBox 34"/>
+          <p:cNvSpPr txBox="1"/>
+          <p:nvPr/>
+        </p:nvSpPr>
+        <p:spPr>
+          <a:xfrm>
+            <a:off x="443753" y="5354170"/>
+            <a:ext cx="457200" cy="369332"/>
+          </a:xfrm>
+          <a:prstGeom prst="rect">
+            <a:avLst/>
+          </a:prstGeom>
+          <a:noFill/>
+        </p:spPr>
+        <p:txBody>
+          <a:bodyPr wrap="square" rtlCol="0">
+            <a:spAutoFit/>
+          </a:bodyPr>
+          <a:lstStyle/>
+          <a:p>
+            <a:pPr algn="ctr"/>
+            <a:r>
+              <a:rPr lang="en-US" dirty="0" smtClean="0"/>
+              <a:t>1</a:t>
+            </a:r>
+            <a:endParaRPr lang="en-US" dirty="0"/>
+          </a:p>
+        </p:txBody>
+      </p:sp>
+      <p:sp>
+        <p:nvSpPr>
+          <p:cNvPr id="36" name="TextBox 35"/>
+          <p:cNvSpPr txBox="1"/>
+          <p:nvPr/>
+        </p:nvSpPr>
+        <p:spPr>
+          <a:xfrm>
+            <a:off x="1317812" y="5342502"/>
+            <a:ext cx="340658" cy="369332"/>
+          </a:xfrm>
+          <a:prstGeom prst="rect">
+            <a:avLst/>
+          </a:prstGeom>
+          <a:noFill/>
+        </p:spPr>
+        <p:txBody>
+          <a:bodyPr wrap="square" rtlCol="0">
+            <a:spAutoFit/>
+          </a:bodyPr>
+          <a:lstStyle/>
+          <a:p>
+            <a:pPr algn="ctr"/>
+            <a:r>
+              <a:rPr lang="en-US" dirty="0" smtClean="0"/>
+              <a:t>2</a:t>
+            </a:r>
+            <a:endParaRPr lang="en-US" dirty="0"/>
+          </a:p>
+        </p:txBody>
+      </p:sp>
+      <p:sp>
+        <p:nvSpPr>
+          <p:cNvPr id="37" name="TextBox 36"/>
+          <p:cNvSpPr txBox="1"/>
+          <p:nvPr/>
+        </p:nvSpPr>
+        <p:spPr>
+          <a:xfrm>
+            <a:off x="2176183" y="5330834"/>
+            <a:ext cx="340658" cy="369332"/>
+          </a:xfrm>
+          <a:prstGeom prst="rect">
+            <a:avLst/>
+          </a:prstGeom>
+          <a:noFill/>
+        </p:spPr>
+        <p:txBody>
+          <a:bodyPr wrap="square" rtlCol="0">
+            <a:spAutoFit/>
+          </a:bodyPr>
+          <a:lstStyle/>
+          <a:p>
+            <a:pPr algn="ctr"/>
             <a:r>
               <a:rPr lang="en-US" dirty="0"/>
-              <a:t>Current Status</a:t>
-            </a:r>
-          </a:p>
-        </p:txBody>
-      </p:sp>
-      <p:sp>
-        <p:nvSpPr>
-          <p:cNvPr id="3" name="Content Placeholder 2"/>
-          <p:cNvSpPr>
-            <a:spLocks noGrp="1"/>
-          </p:cNvSpPr>
-          <p:nvPr>
-            <p:ph idx="1"/>
-          </p:nvPr>
-        </p:nvSpPr>
-        <p:spPr/>
-        <p:txBody>
-          <a:bodyPr/>
-          <a:lstStyle/>
-          <a:p>
-            <a:pPr marL="342900" indent="-342900">
-              <a:buFont typeface="Arial" pitchFamily="34" charset="0"/>
-              <a:buChar char="•"/>
-            </a:pPr>
+              <a:t>3</a:t>
+            </a:r>
+          </a:p>
+        </p:txBody>
+      </p:sp>
+      <p:sp>
+        <p:nvSpPr>
+          <p:cNvPr id="38" name="TextBox 37"/>
+          <p:cNvSpPr txBox="1"/>
+          <p:nvPr/>
+        </p:nvSpPr>
+        <p:spPr>
+          <a:xfrm>
+            <a:off x="6120653" y="5385085"/>
+            <a:ext cx="499782" cy="369332"/>
+          </a:xfrm>
+          <a:prstGeom prst="rect">
+            <a:avLst/>
+          </a:prstGeom>
+          <a:noFill/>
+        </p:spPr>
+        <p:txBody>
+          <a:bodyPr wrap="square" rtlCol="0">
+            <a:spAutoFit/>
+          </a:bodyPr>
+          <a:lstStyle/>
+          <a:p>
+            <a:pPr algn="ctr"/>
             <a:r>
               <a:rPr lang="en-US" dirty="0" smtClean="0"/>
-              <a:t>Current Implementation Is Based on The Laid-Back approach</a:t>
-            </a:r>
-          </a:p>
-          <a:p>
-            <a:pPr marL="342900" indent="-342900">
-              <a:buFont typeface="Arial" pitchFamily="34" charset="0"/>
-              <a:buChar char="•"/>
-            </a:pPr>
+              <a:t>25</a:t>
+            </a:r>
+            <a:endParaRPr lang="en-US" dirty="0"/>
+          </a:p>
+        </p:txBody>
+      </p:sp>
+      <p:sp>
+        <p:nvSpPr>
+          <p:cNvPr id="39" name="TextBox 38"/>
+          <p:cNvSpPr txBox="1"/>
+          <p:nvPr/>
+        </p:nvSpPr>
+        <p:spPr>
+          <a:xfrm>
+            <a:off x="7132546" y="5379251"/>
+            <a:ext cx="416857" cy="369332"/>
+          </a:xfrm>
+          <a:prstGeom prst="rect">
+            <a:avLst/>
+          </a:prstGeom>
+          <a:noFill/>
+        </p:spPr>
+        <p:txBody>
+          <a:bodyPr wrap="square" rtlCol="0">
+            <a:spAutoFit/>
+          </a:bodyPr>
+          <a:lstStyle/>
+          <a:p>
+            <a:pPr algn="ctr"/>
             <a:r>
               <a:rPr lang="en-US" dirty="0" smtClean="0"/>
-              <a:t>It can detect anomalies based on signature or based on unusual traffic pattern </a:t>
-            </a:r>
-          </a:p>
-          <a:p>
-            <a:pPr marL="342900" indent="-342900">
-              <a:buFont typeface="Arial" pitchFamily="34" charset="0"/>
-              <a:buChar char="•"/>
-            </a:pPr>
+              <a:t>26</a:t>
+            </a:r>
+            <a:endParaRPr lang="en-US" dirty="0"/>
+          </a:p>
+        </p:txBody>
+      </p:sp>
+      <p:sp>
+        <p:nvSpPr>
+          <p:cNvPr id="40" name="TextBox 39"/>
+          <p:cNvSpPr txBox="1"/>
+          <p:nvPr/>
+        </p:nvSpPr>
+        <p:spPr>
+          <a:xfrm>
+            <a:off x="8294595" y="5412009"/>
+            <a:ext cx="457200" cy="369332"/>
+          </a:xfrm>
+          <a:prstGeom prst="rect">
+            <a:avLst/>
+          </a:prstGeom>
+          <a:noFill/>
+        </p:spPr>
+        <p:txBody>
+          <a:bodyPr wrap="square" rtlCol="0">
+            <a:spAutoFit/>
+          </a:bodyPr>
+          <a:lstStyle/>
+          <a:p>
+            <a:pPr algn="ctr"/>
             <a:r>
               <a:rPr lang="en-US" dirty="0" smtClean="0"/>
-              <a:t>Generate meaningful concise report of traffic for a given period</a:t>
-            </a:r>
-          </a:p>
-          <a:p>
-            <a:pPr marL="342900" indent="-342900">
-              <a:buFont typeface="Arial" pitchFamily="34" charset="0"/>
-              <a:buChar char="•"/>
-            </a:pPr>
+              <a:t>27</a:t>
+            </a:r>
+            <a:endParaRPr lang="en-US" dirty="0"/>
+          </a:p>
+        </p:txBody>
+      </p:sp>
+      <p:sp>
+        <p:nvSpPr>
+          <p:cNvPr id="41" name="Rectangle 40"/>
+          <p:cNvSpPr/>
+          <p:nvPr/>
+        </p:nvSpPr>
+        <p:spPr>
+          <a:xfrm>
+            <a:off x="4044762" y="2331251"/>
+            <a:ext cx="685800" cy="304800"/>
+          </a:xfrm>
+          <a:prstGeom prst="rect">
+            <a:avLst/>
+          </a:prstGeom>
+          <a:solidFill>
+            <a:schemeClr val="bg1"/>
+          </a:solidFill>
+          <a:ln>
+            <a:solidFill>
+              <a:schemeClr val="tx1"/>
+            </a:solidFill>
+          </a:ln>
+        </p:spPr>
+        <p:style>
+          <a:lnRef idx="2">
+            <a:schemeClr val="accent1">
+              <a:shade val="50000"/>
+            </a:schemeClr>
+          </a:lnRef>
+          <a:fillRef idx="1">
+            <a:schemeClr val="accent1"/>
+          </a:fillRef>
+          <a:effectRef idx="0">
+            <a:schemeClr val="accent1"/>
+          </a:effectRef>
+          <a:fontRef idx="minor">
+            <a:schemeClr val="lt1"/>
+          </a:fontRef>
+        </p:style>
+        <p:txBody>
+          <a:bodyPr rtlCol="0" anchor="ctr"/>
+          <a:lstStyle/>
+          <a:p>
+            <a:pPr algn="ctr"/>
+            <a:endParaRPr lang="en-US"/>
+          </a:p>
+        </p:txBody>
+      </p:sp>
+      <p:cxnSp>
+        <p:nvCxnSpPr>
+          <p:cNvPr id="42" name="Straight Connector 41"/>
+          <p:cNvCxnSpPr>
+            <a:stCxn id="3" idx="2"/>
+            <a:endCxn id="41" idx="0"/>
+          </p:cNvCxnSpPr>
+          <p:nvPr/>
+        </p:nvCxnSpPr>
+        <p:spPr>
+          <a:xfrm flipH="1">
+            <a:off x="4387662" y="1545950"/>
+            <a:ext cx="110379" cy="785301"/>
+          </a:xfrm>
+          <a:prstGeom prst="line">
+            <a:avLst/>
+          </a:prstGeom>
+          <a:ln>
+            <a:solidFill>
+              <a:schemeClr val="tx1"/>
+            </a:solidFill>
+          </a:ln>
+        </p:spPr>
+        <p:style>
+          <a:lnRef idx="1">
+            <a:schemeClr val="accent1"/>
+          </a:lnRef>
+          <a:fillRef idx="0">
+            <a:schemeClr val="accent1"/>
+          </a:fillRef>
+          <a:effectRef idx="0">
+            <a:schemeClr val="accent1"/>
+          </a:effectRef>
+          <a:fontRef idx="minor">
+            <a:schemeClr val="tx1"/>
+          </a:fontRef>
+        </p:style>
+      </p:cxnSp>
+      <p:sp>
+        <p:nvSpPr>
+          <p:cNvPr id="43" name="TextBox 42"/>
+          <p:cNvSpPr txBox="1"/>
+          <p:nvPr/>
+        </p:nvSpPr>
+        <p:spPr>
+          <a:xfrm>
+            <a:off x="4192680" y="2312432"/>
+            <a:ext cx="457200" cy="369332"/>
+          </a:xfrm>
+          <a:prstGeom prst="rect">
+            <a:avLst/>
+          </a:prstGeom>
+          <a:noFill/>
+        </p:spPr>
+        <p:txBody>
+          <a:bodyPr wrap="square" rtlCol="0">
+            <a:spAutoFit/>
+          </a:bodyPr>
+          <a:lstStyle/>
+          <a:p>
+            <a:pPr algn="ctr"/>
             <a:r>
               <a:rPr lang="en-US" dirty="0" smtClean="0"/>
-              <a:t>Can work with multiple switches</a:t>
-            </a:r>
-          </a:p>
-          <a:p>
+              <a:t>s6</a:t>
+            </a:r>
+            <a:endParaRPr lang="en-US" dirty="0"/>
+          </a:p>
+        </p:txBody>
+      </p:sp>
+      <p:sp>
+        <p:nvSpPr>
+          <p:cNvPr id="44" name="Rectangle 43"/>
+          <p:cNvSpPr/>
+          <p:nvPr/>
+        </p:nvSpPr>
+        <p:spPr>
+          <a:xfrm>
+            <a:off x="3287806" y="3822096"/>
+            <a:ext cx="685800" cy="304800"/>
+          </a:xfrm>
+          <a:prstGeom prst="rect">
+            <a:avLst/>
+          </a:prstGeom>
+          <a:solidFill>
+            <a:schemeClr val="bg1"/>
+          </a:solidFill>
+          <a:ln>
+            <a:solidFill>
+              <a:schemeClr val="tx1"/>
+            </a:solidFill>
+          </a:ln>
+        </p:spPr>
+        <p:style>
+          <a:lnRef idx="2">
+            <a:schemeClr val="accent1">
+              <a:shade val="50000"/>
+            </a:schemeClr>
+          </a:lnRef>
+          <a:fillRef idx="1">
+            <a:schemeClr val="accent1"/>
+          </a:fillRef>
+          <a:effectRef idx="0">
+            <a:schemeClr val="accent1"/>
+          </a:effectRef>
+          <a:fontRef idx="minor">
+            <a:schemeClr val="lt1"/>
+          </a:fontRef>
+        </p:style>
+        <p:txBody>
+          <a:bodyPr rtlCol="0" anchor="ctr"/>
+          <a:lstStyle/>
+          <a:p>
+            <a:pPr algn="ctr"/>
+            <a:endParaRPr lang="en-US"/>
+          </a:p>
+        </p:txBody>
+      </p:sp>
+      <p:sp>
+        <p:nvSpPr>
+          <p:cNvPr id="45" name="TextBox 44"/>
+          <p:cNvSpPr txBox="1"/>
+          <p:nvPr/>
+        </p:nvSpPr>
+        <p:spPr>
+          <a:xfrm>
+            <a:off x="3402106" y="3782644"/>
+            <a:ext cx="457200" cy="369332"/>
+          </a:xfrm>
+          <a:prstGeom prst="rect">
+            <a:avLst/>
+          </a:prstGeom>
+          <a:noFill/>
+        </p:spPr>
+        <p:txBody>
+          <a:bodyPr wrap="square" rtlCol="0">
+            <a:spAutoFit/>
+          </a:bodyPr>
+          <a:lstStyle/>
+          <a:p>
+            <a:pPr algn="ctr"/>
+            <a:r>
+              <a:rPr lang="en-US" dirty="0" smtClean="0"/>
+              <a:t>s5</a:t>
+            </a:r>
+            <a:endParaRPr lang="en-US" dirty="0"/>
+          </a:p>
+        </p:txBody>
+      </p:sp>
+      <p:cxnSp>
+        <p:nvCxnSpPr>
+          <p:cNvPr id="46" name="Straight Connector 45"/>
+          <p:cNvCxnSpPr>
+            <a:stCxn id="44" idx="0"/>
+            <a:endCxn id="28" idx="2"/>
+          </p:cNvCxnSpPr>
+          <p:nvPr/>
+        </p:nvCxnSpPr>
+        <p:spPr>
+          <a:xfrm flipH="1" flipV="1">
+            <a:off x="3039036" y="2649498"/>
+            <a:ext cx="591670" cy="1172598"/>
+          </a:xfrm>
+          <a:prstGeom prst="line">
+            <a:avLst/>
+          </a:prstGeom>
+          <a:ln>
+            <a:solidFill>
+              <a:schemeClr val="tx1"/>
+            </a:solidFill>
+          </a:ln>
+        </p:spPr>
+        <p:style>
+          <a:lnRef idx="1">
+            <a:schemeClr val="accent1"/>
+          </a:lnRef>
+          <a:fillRef idx="0">
+            <a:schemeClr val="accent1"/>
+          </a:fillRef>
+          <a:effectRef idx="0">
+            <a:schemeClr val="accent1"/>
+          </a:effectRef>
+          <a:fontRef idx="minor">
+            <a:schemeClr val="tx1"/>
+          </a:fontRef>
+        </p:style>
+      </p:cxnSp>
+      <p:sp>
+        <p:nvSpPr>
+          <p:cNvPr id="47" name="Rectangle 46"/>
+          <p:cNvSpPr/>
+          <p:nvPr/>
+        </p:nvSpPr>
+        <p:spPr>
+          <a:xfrm>
+            <a:off x="5740213" y="3847176"/>
+            <a:ext cx="685800" cy="304800"/>
+          </a:xfrm>
+          <a:prstGeom prst="rect">
+            <a:avLst/>
+          </a:prstGeom>
+          <a:solidFill>
+            <a:schemeClr val="bg1"/>
+          </a:solidFill>
+          <a:ln>
+            <a:solidFill>
+              <a:schemeClr val="tx1"/>
+            </a:solidFill>
+          </a:ln>
+        </p:spPr>
+        <p:style>
+          <a:lnRef idx="2">
+            <a:schemeClr val="accent1">
+              <a:shade val="50000"/>
+            </a:schemeClr>
+          </a:lnRef>
+          <a:fillRef idx="1">
+            <a:schemeClr val="accent1"/>
+          </a:fillRef>
+          <a:effectRef idx="0">
+            <a:schemeClr val="accent1"/>
+          </a:effectRef>
+          <a:fontRef idx="minor">
+            <a:schemeClr val="lt1"/>
+          </a:fontRef>
+        </p:style>
+        <p:txBody>
+          <a:bodyPr rtlCol="0" anchor="ctr"/>
+          <a:lstStyle/>
+          <a:p>
+            <a:pPr algn="ctr"/>
+            <a:endParaRPr lang="en-US"/>
+          </a:p>
+        </p:txBody>
+      </p:sp>
+      <p:sp>
+        <p:nvSpPr>
+          <p:cNvPr id="48" name="TextBox 47"/>
+          <p:cNvSpPr txBox="1"/>
+          <p:nvPr/>
+        </p:nvSpPr>
+        <p:spPr>
+          <a:xfrm>
+            <a:off x="5854513" y="3814910"/>
+            <a:ext cx="559174" cy="369332"/>
+          </a:xfrm>
+          <a:prstGeom prst="rect">
+            <a:avLst/>
+          </a:prstGeom>
+          <a:noFill/>
+        </p:spPr>
+        <p:txBody>
+          <a:bodyPr wrap="square" rtlCol="0">
+            <a:spAutoFit/>
+          </a:bodyPr>
+          <a:lstStyle/>
+          <a:p>
+            <a:pPr algn="ctr"/>
+            <a:r>
+              <a:rPr lang="en-US" dirty="0" smtClean="0"/>
+              <a:t>s12</a:t>
+            </a:r>
+            <a:endParaRPr lang="en-US" dirty="0"/>
+          </a:p>
+        </p:txBody>
+      </p:sp>
+      <p:cxnSp>
+        <p:nvCxnSpPr>
+          <p:cNvPr id="49" name="Straight Connector 48"/>
+          <p:cNvCxnSpPr>
+            <a:stCxn id="5" idx="2"/>
+            <a:endCxn id="47" idx="0"/>
+          </p:cNvCxnSpPr>
+          <p:nvPr/>
+        </p:nvCxnSpPr>
+        <p:spPr>
+          <a:xfrm>
+            <a:off x="6004112" y="2617232"/>
+            <a:ext cx="79001" cy="1229944"/>
+          </a:xfrm>
+          <a:prstGeom prst="line">
+            <a:avLst/>
+          </a:prstGeom>
+          <a:ln>
+            <a:solidFill>
+              <a:schemeClr val="tx1"/>
+            </a:solidFill>
+          </a:ln>
+        </p:spPr>
+        <p:style>
+          <a:lnRef idx="1">
+            <a:schemeClr val="accent1"/>
+          </a:lnRef>
+          <a:fillRef idx="0">
+            <a:schemeClr val="accent1"/>
+          </a:fillRef>
+          <a:effectRef idx="0">
+            <a:schemeClr val="accent1"/>
+          </a:effectRef>
+          <a:fontRef idx="minor">
+            <a:schemeClr val="tx1"/>
+          </a:fontRef>
+        </p:style>
+      </p:cxnSp>
+      <p:cxnSp>
+        <p:nvCxnSpPr>
+          <p:cNvPr id="50" name="Straight Connector 49"/>
+          <p:cNvCxnSpPr>
+            <a:stCxn id="41" idx="2"/>
+          </p:cNvCxnSpPr>
+          <p:nvPr/>
+        </p:nvCxnSpPr>
+        <p:spPr>
+          <a:xfrm flipH="1">
+            <a:off x="3973606" y="2636051"/>
+            <a:ext cx="414056" cy="573296"/>
+          </a:xfrm>
+          <a:prstGeom prst="line">
+            <a:avLst/>
+          </a:prstGeom>
+          <a:ln>
+            <a:solidFill>
+              <a:schemeClr val="tx1"/>
+            </a:solidFill>
+          </a:ln>
+        </p:spPr>
+        <p:style>
+          <a:lnRef idx="1">
+            <a:schemeClr val="accent1"/>
+          </a:lnRef>
+          <a:fillRef idx="0">
+            <a:schemeClr val="accent1"/>
+          </a:fillRef>
+          <a:effectRef idx="0">
+            <a:schemeClr val="accent1"/>
+          </a:effectRef>
+          <a:fontRef idx="minor">
+            <a:schemeClr val="tx1"/>
+          </a:fontRef>
+        </p:style>
+      </p:cxnSp>
+      <p:cxnSp>
+        <p:nvCxnSpPr>
+          <p:cNvPr id="51" name="Straight Connector 50"/>
+          <p:cNvCxnSpPr>
+            <a:stCxn id="41" idx="2"/>
+          </p:cNvCxnSpPr>
+          <p:nvPr/>
+        </p:nvCxnSpPr>
+        <p:spPr>
+          <a:xfrm>
+            <a:off x="4387662" y="2636051"/>
+            <a:ext cx="0" cy="573296"/>
+          </a:xfrm>
+          <a:prstGeom prst="line">
+            <a:avLst/>
+          </a:prstGeom>
+          <a:ln>
+            <a:solidFill>
+              <a:schemeClr val="tx1"/>
+            </a:solidFill>
+          </a:ln>
+        </p:spPr>
+        <p:style>
+          <a:lnRef idx="1">
+            <a:schemeClr val="accent1"/>
+          </a:lnRef>
+          <a:fillRef idx="0">
+            <a:schemeClr val="accent1"/>
+          </a:fillRef>
+          <a:effectRef idx="0">
+            <a:schemeClr val="accent1"/>
+          </a:effectRef>
+          <a:fontRef idx="minor">
+            <a:schemeClr val="tx1"/>
+          </a:fontRef>
+        </p:style>
+      </p:cxnSp>
+      <p:cxnSp>
+        <p:nvCxnSpPr>
+          <p:cNvPr id="52" name="Straight Connector 51"/>
+          <p:cNvCxnSpPr>
+            <a:stCxn id="41" idx="2"/>
+          </p:cNvCxnSpPr>
+          <p:nvPr/>
+        </p:nvCxnSpPr>
+        <p:spPr>
+          <a:xfrm>
+            <a:off x="4387662" y="2636051"/>
+            <a:ext cx="453279" cy="514581"/>
+          </a:xfrm>
+          <a:prstGeom prst="line">
+            <a:avLst/>
+          </a:prstGeom>
+          <a:ln>
+            <a:solidFill>
+              <a:schemeClr val="tx1"/>
+            </a:solidFill>
+          </a:ln>
+        </p:spPr>
+        <p:style>
+          <a:lnRef idx="1">
+            <a:schemeClr val="accent1"/>
+          </a:lnRef>
+          <a:fillRef idx="0">
+            <a:schemeClr val="accent1"/>
+          </a:fillRef>
+          <a:effectRef idx="0">
+            <a:schemeClr val="accent1"/>
+          </a:effectRef>
+          <a:fontRef idx="minor">
+            <a:schemeClr val="tx1"/>
+          </a:fontRef>
+        </p:style>
+      </p:cxnSp>
+      <p:sp>
+        <p:nvSpPr>
+          <p:cNvPr id="53" name="TextBox 52"/>
+          <p:cNvSpPr txBox="1"/>
+          <p:nvPr/>
+        </p:nvSpPr>
+        <p:spPr>
+          <a:xfrm>
+            <a:off x="4182034" y="5274410"/>
+            <a:ext cx="506505" cy="369332"/>
+          </a:xfrm>
+          <a:prstGeom prst="rect">
+            <a:avLst/>
+          </a:prstGeom>
+          <a:noFill/>
+        </p:spPr>
+        <p:txBody>
+          <a:bodyPr wrap="square" rtlCol="0">
+            <a:spAutoFit/>
+          </a:bodyPr>
+          <a:lstStyle/>
+          <a:p>
+            <a:pPr algn="ctr"/>
+            <a:r>
+              <a:rPr lang="en-US" dirty="0" smtClean="0"/>
+              <a:t>…</a:t>
+            </a:r>
             <a:endParaRPr lang="en-US" dirty="0"/>
           </a:p>
         </p:txBody>
@@ -8869,20 +12511,13 @@
     </p:spTree>
     <p:extLst>
       <p:ext uri="{BB962C8B-B14F-4D97-AF65-F5344CB8AC3E}">
-        <p14:creationId xmlns:p14="http://schemas.microsoft.com/office/powerpoint/2010/main" val="2265536497"/>
+        <p14:creationId xmlns:p14="http://schemas.microsoft.com/office/powerpoint/2010/main" val="221754975"/>
       </p:ext>
     </p:extLst>
   </p:cSld>
   <p:clrMapOvr>
     <a:masterClrMapping/>
   </p:clrMapOvr>
-  <p:timing>
-    <p:tnLst>
-      <p:par>
-        <p:cTn id="1" dur="indefinite" restart="never" nodeType="tmRoot"/>
-      </p:par>
-    </p:tnLst>
-  </p:timing>
 </p:sld>
 </file>
 
@@ -8906,131 +12541,87 @@
       <p:sp>
         <p:nvSpPr>
           <p:cNvPr id="2" name="Title 1"/>
-          <p:cNvSpPr>
-            <a:spLocks noGrp="1"/>
+          <p:cNvSpPr txBox="1">
+            <a:spLocks/>
           </p:cNvSpPr>
-          <p:nvPr>
-            <p:ph type="title"/>
-          </p:nvPr>
-        </p:nvSpPr>
-        <p:spPr/>
+          <p:nvPr/>
+        </p:nvSpPr>
+        <p:spPr>
+          <a:xfrm>
+            <a:off x="457200" y="152400"/>
+            <a:ext cx="6172200" cy="1371600"/>
+          </a:xfrm>
+          <a:prstGeom prst="rect">
+            <a:avLst/>
+          </a:prstGeom>
+        </p:spPr>
         <p:txBody>
           <a:bodyPr/>
-          <a:lstStyle/>
-          <a:p>
-            <a:r>
-              <a:rPr lang="en-US" dirty="0"/>
-              <a:t>Future work</a:t>
-            </a:r>
-          </a:p>
-        </p:txBody>
-      </p:sp>
-      <p:sp>
-        <p:nvSpPr>
-          <p:cNvPr id="3" name="Content Placeholder 2"/>
-          <p:cNvSpPr>
-            <a:spLocks noGrp="1"/>
-          </p:cNvSpPr>
-          <p:nvPr>
-            <p:ph idx="1"/>
-          </p:nvPr>
-        </p:nvSpPr>
-        <p:spPr/>
-        <p:txBody>
-          <a:bodyPr/>
-          <a:lstStyle/>
-          <a:p>
-            <a:pPr marL="342900" indent="-342900">
-              <a:buFont typeface="Arial" pitchFamily="34" charset="0"/>
-              <a:buChar char="•"/>
-            </a:pPr>
-            <a:r>
-              <a:rPr lang="en-US" dirty="0"/>
-              <a:t>To do stress testing on the developed module</a:t>
-            </a:r>
-          </a:p>
-          <a:p>
-            <a:pPr marL="342900" indent="-342900">
-              <a:buFont typeface="Arial" pitchFamily="34" charset="0"/>
-              <a:buChar char="•"/>
-            </a:pPr>
-            <a:r>
-              <a:rPr lang="en-US" dirty="0"/>
-              <a:t>Test </a:t>
-            </a:r>
+          <a:lstStyle>
+            <a:lvl1pPr algn="l" defTabSz="914400" rtl="0" eaLnBrk="1" latinLnBrk="0" hangingPunct="1">
+              <a:spcBef>
+                <a:spcPct val="0"/>
+              </a:spcBef>
+              <a:buNone/>
+              <a:defRPr sz="3600" kern="1200" cap="all" spc="-60" baseline="0">
+                <a:solidFill>
+                  <a:schemeClr val="tx2"/>
+                </a:solidFill>
+                <a:latin typeface="+mj-lt"/>
+                <a:ea typeface="+mj-ea"/>
+                <a:cs typeface="+mj-cs"/>
+              </a:defRPr>
+            </a:lvl1pPr>
+          </a:lstStyle>
+          <a:p>
             <a:r>
               <a:rPr lang="en-US" dirty="0" smtClean="0"/>
-              <a:t>the </a:t>
-            </a:r>
-            <a:r>
-              <a:rPr lang="en-US" dirty="0"/>
-              <a:t>ability to detect anomalies </a:t>
-            </a:r>
-            <a:r>
-              <a:rPr lang="en-US" dirty="0" smtClean="0"/>
-              <a:t>in a realistic network</a:t>
-            </a:r>
-          </a:p>
-          <a:p>
-            <a:pPr marL="342900" indent="-342900">
-              <a:buFont typeface="Arial" pitchFamily="34" charset="0"/>
-              <a:buChar char="•"/>
-            </a:pPr>
-            <a:r>
-              <a:rPr lang="en-US" dirty="0" smtClean="0"/>
-              <a:t>Current implementation lacks cleanup. We will need to profile the module and integrate clean up logic accordingly</a:t>
-            </a:r>
-          </a:p>
-          <a:p>
-            <a:pPr marL="342900" indent="-342900">
-              <a:buFont typeface="Arial" pitchFamily="34" charset="0"/>
-              <a:buChar char="•"/>
-            </a:pPr>
-            <a:r>
-              <a:rPr lang="en-US" dirty="0" smtClean="0"/>
-              <a:t>Multiple switches essentially generates multiple reports. It would be nice to combine all these reports to a single piece to speak for the entire network</a:t>
-            </a:r>
-          </a:p>
-          <a:p>
-            <a:pPr marL="342900" indent="-342900">
-              <a:buFont typeface="Arial" pitchFamily="34" charset="0"/>
-              <a:buChar char="•"/>
-            </a:pPr>
-            <a:r>
-              <a:rPr lang="en-US" dirty="0" smtClean="0"/>
-              <a:t>A combination of Laid back + Aggressive Approach</a:t>
-            </a:r>
-          </a:p>
-          <a:p>
-            <a:pPr marL="342900" indent="-342900">
-              <a:buFont typeface="Arial" pitchFamily="34" charset="0"/>
-              <a:buChar char="•"/>
-            </a:pPr>
-            <a:r>
-              <a:rPr lang="en-US" dirty="0" smtClean="0"/>
-              <a:t>Add a user interface (or simply text based configuration) to add / delete clusters</a:t>
+              <a:t>Evaluation – scenario 2</a:t>
             </a:r>
             <a:endParaRPr lang="en-US" dirty="0"/>
           </a:p>
         </p:txBody>
       </p:sp>
+      <p:pic>
+        <p:nvPicPr>
+          <p:cNvPr id="3" name="Picture 2"/>
+          <p:cNvPicPr>
+            <a:picLocks noChangeAspect="1"/>
+          </p:cNvPicPr>
+          <p:nvPr/>
+        </p:nvPicPr>
+        <p:blipFill>
+          <a:blip r:embed="rId2">
+            <a:extLst>
+              <a:ext uri="{28A0092B-C50C-407E-A947-70E740481C1C}">
+                <a14:useLocalDpi xmlns:a14="http://schemas.microsoft.com/office/drawing/2010/main" val="0"/>
+              </a:ext>
+            </a:extLst>
+          </a:blip>
+          <a:stretch>
+            <a:fillRect/>
+          </a:stretch>
+        </p:blipFill>
+        <p:spPr>
+          <a:xfrm>
+            <a:off x="228600" y="858504"/>
+            <a:ext cx="8610600" cy="5466095"/>
+          </a:xfrm>
+          <a:prstGeom prst="rect">
+            <a:avLst/>
+          </a:prstGeom>
+        </p:spPr>
+      </p:pic>
     </p:spTree>
     <p:extLst>
       <p:ext uri="{BB962C8B-B14F-4D97-AF65-F5344CB8AC3E}">
-        <p14:creationId xmlns:p14="http://schemas.microsoft.com/office/powerpoint/2010/main" val="1994318917"/>
+        <p14:creationId xmlns:p14="http://schemas.microsoft.com/office/powerpoint/2010/main" val="2367730990"/>
       </p:ext>
     </p:extLst>
   </p:cSld>
   <p:clrMapOvr>
     <a:masterClrMapping/>
   </p:clrMapOvr>
-  <p:timing>
-    <p:tnLst>
-      <p:par>
-        <p:cTn id="1" dur="indefinite" restart="never" nodeType="tmRoot"/>
-      </p:par>
-    </p:tnLst>
-  </p:timing>
 </p:sld>
 </file>
 
@@ -9054,6 +12645,1974 @@
       <p:sp>
         <p:nvSpPr>
           <p:cNvPr id="2" name="Title 1"/>
+          <p:cNvSpPr txBox="1">
+            <a:spLocks/>
+          </p:cNvSpPr>
+          <p:nvPr/>
+        </p:nvSpPr>
+        <p:spPr>
+          <a:xfrm>
+            <a:off x="457200" y="152400"/>
+            <a:ext cx="6172200" cy="1371600"/>
+          </a:xfrm>
+          <a:prstGeom prst="rect">
+            <a:avLst/>
+          </a:prstGeom>
+        </p:spPr>
+        <p:txBody>
+          <a:bodyPr/>
+          <a:lstStyle>
+            <a:lvl1pPr algn="l" defTabSz="914400" rtl="0" eaLnBrk="1" latinLnBrk="0" hangingPunct="1">
+              <a:spcBef>
+                <a:spcPct val="0"/>
+              </a:spcBef>
+              <a:buNone/>
+              <a:defRPr sz="3600" kern="1200" cap="all" spc="-60" baseline="0">
+                <a:solidFill>
+                  <a:schemeClr val="tx2"/>
+                </a:solidFill>
+                <a:latin typeface="+mj-lt"/>
+                <a:ea typeface="+mj-ea"/>
+                <a:cs typeface="+mj-cs"/>
+              </a:defRPr>
+            </a:lvl1pPr>
+          </a:lstStyle>
+          <a:p>
+            <a:r>
+              <a:rPr lang="en-US" dirty="0" smtClean="0"/>
+              <a:t>Evaluation – scenario 3</a:t>
+            </a:r>
+            <a:endParaRPr lang="en-US" dirty="0"/>
+          </a:p>
+        </p:txBody>
+      </p:sp>
+      <p:sp>
+        <p:nvSpPr>
+          <p:cNvPr id="50" name="Rectangle 49"/>
+          <p:cNvSpPr/>
+          <p:nvPr/>
+        </p:nvSpPr>
+        <p:spPr>
+          <a:xfrm>
+            <a:off x="4011705" y="1511408"/>
+            <a:ext cx="685800" cy="304800"/>
+          </a:xfrm>
+          <a:prstGeom prst="rect">
+            <a:avLst/>
+          </a:prstGeom>
+          <a:solidFill>
+            <a:schemeClr val="bg1"/>
+          </a:solidFill>
+          <a:ln>
+            <a:solidFill>
+              <a:schemeClr val="tx1"/>
+            </a:solidFill>
+          </a:ln>
+        </p:spPr>
+        <p:style>
+          <a:lnRef idx="2">
+            <a:schemeClr val="accent1">
+              <a:shade val="50000"/>
+            </a:schemeClr>
+          </a:lnRef>
+          <a:fillRef idx="1">
+            <a:schemeClr val="accent1"/>
+          </a:fillRef>
+          <a:effectRef idx="0">
+            <a:schemeClr val="accent1"/>
+          </a:effectRef>
+          <a:fontRef idx="minor">
+            <a:schemeClr val="lt1"/>
+          </a:fontRef>
+        </p:style>
+        <p:txBody>
+          <a:bodyPr rtlCol="0" anchor="ctr"/>
+          <a:lstStyle/>
+          <a:p>
+            <a:pPr algn="ctr"/>
+            <a:endParaRPr lang="en-US"/>
+          </a:p>
+        </p:txBody>
+      </p:sp>
+      <p:sp>
+        <p:nvSpPr>
+          <p:cNvPr id="51" name="Rectangle 50"/>
+          <p:cNvSpPr/>
+          <p:nvPr/>
+        </p:nvSpPr>
+        <p:spPr>
+          <a:xfrm>
+            <a:off x="2519082" y="2569243"/>
+            <a:ext cx="685800" cy="304800"/>
+          </a:xfrm>
+          <a:prstGeom prst="rect">
+            <a:avLst/>
+          </a:prstGeom>
+          <a:solidFill>
+            <a:schemeClr val="bg1"/>
+          </a:solidFill>
+          <a:ln>
+            <a:solidFill>
+              <a:schemeClr val="tx1"/>
+            </a:solidFill>
+          </a:ln>
+        </p:spPr>
+        <p:style>
+          <a:lnRef idx="2">
+            <a:schemeClr val="accent1">
+              <a:shade val="50000"/>
+            </a:schemeClr>
+          </a:lnRef>
+          <a:fillRef idx="1">
+            <a:schemeClr val="accent1"/>
+          </a:fillRef>
+          <a:effectRef idx="0">
+            <a:schemeClr val="accent1"/>
+          </a:effectRef>
+          <a:fontRef idx="minor">
+            <a:schemeClr val="lt1"/>
+          </a:fontRef>
+        </p:style>
+        <p:txBody>
+          <a:bodyPr rtlCol="0" anchor="ctr"/>
+          <a:lstStyle/>
+          <a:p>
+            <a:pPr algn="ctr"/>
+            <a:endParaRPr lang="en-US"/>
+          </a:p>
+        </p:txBody>
+      </p:sp>
+      <p:sp>
+        <p:nvSpPr>
+          <p:cNvPr id="52" name="Rectangle 51"/>
+          <p:cNvSpPr/>
+          <p:nvPr/>
+        </p:nvSpPr>
+        <p:spPr>
+          <a:xfrm>
+            <a:off x="5517776" y="2582690"/>
+            <a:ext cx="685800" cy="304800"/>
+          </a:xfrm>
+          <a:prstGeom prst="rect">
+            <a:avLst/>
+          </a:prstGeom>
+          <a:solidFill>
+            <a:schemeClr val="bg1"/>
+          </a:solidFill>
+          <a:ln>
+            <a:solidFill>
+              <a:schemeClr val="tx1"/>
+            </a:solidFill>
+          </a:ln>
+        </p:spPr>
+        <p:style>
+          <a:lnRef idx="2">
+            <a:schemeClr val="accent1">
+              <a:shade val="50000"/>
+            </a:schemeClr>
+          </a:lnRef>
+          <a:fillRef idx="1">
+            <a:schemeClr val="accent1"/>
+          </a:fillRef>
+          <a:effectRef idx="0">
+            <a:schemeClr val="accent1"/>
+          </a:effectRef>
+          <a:fontRef idx="minor">
+            <a:schemeClr val="lt1"/>
+          </a:fontRef>
+        </p:style>
+        <p:txBody>
+          <a:bodyPr rtlCol="0" anchor="ctr"/>
+          <a:lstStyle/>
+          <a:p>
+            <a:pPr algn="ctr"/>
+            <a:endParaRPr lang="en-US"/>
+          </a:p>
+        </p:txBody>
+      </p:sp>
+      <p:sp>
+        <p:nvSpPr>
+          <p:cNvPr id="53" name="Rectangle 52"/>
+          <p:cNvSpPr/>
+          <p:nvPr/>
+        </p:nvSpPr>
+        <p:spPr>
+          <a:xfrm>
+            <a:off x="1337982" y="4047101"/>
+            <a:ext cx="685800" cy="304800"/>
+          </a:xfrm>
+          <a:prstGeom prst="rect">
+            <a:avLst/>
+          </a:prstGeom>
+          <a:solidFill>
+            <a:schemeClr val="bg1"/>
+          </a:solidFill>
+          <a:ln>
+            <a:solidFill>
+              <a:schemeClr val="tx1"/>
+            </a:solidFill>
+          </a:ln>
+        </p:spPr>
+        <p:style>
+          <a:lnRef idx="2">
+            <a:schemeClr val="accent1">
+              <a:shade val="50000"/>
+            </a:schemeClr>
+          </a:lnRef>
+          <a:fillRef idx="1">
+            <a:schemeClr val="accent1"/>
+          </a:fillRef>
+          <a:effectRef idx="0">
+            <a:schemeClr val="accent1"/>
+          </a:effectRef>
+          <a:fontRef idx="minor">
+            <a:schemeClr val="lt1"/>
+          </a:fontRef>
+        </p:style>
+        <p:txBody>
+          <a:bodyPr rtlCol="0" anchor="ctr"/>
+          <a:lstStyle/>
+          <a:p>
+            <a:pPr algn="ctr"/>
+            <a:endParaRPr lang="en-US"/>
+          </a:p>
+        </p:txBody>
+      </p:sp>
+      <p:sp>
+        <p:nvSpPr>
+          <p:cNvPr id="54" name="Rectangle 53"/>
+          <p:cNvSpPr/>
+          <p:nvPr/>
+        </p:nvSpPr>
+        <p:spPr>
+          <a:xfrm>
+            <a:off x="4831976" y="4106690"/>
+            <a:ext cx="685800" cy="304800"/>
+          </a:xfrm>
+          <a:prstGeom prst="rect">
+            <a:avLst/>
+          </a:prstGeom>
+          <a:solidFill>
+            <a:schemeClr val="bg1"/>
+          </a:solidFill>
+          <a:ln>
+            <a:solidFill>
+              <a:schemeClr val="tx1"/>
+            </a:solidFill>
+          </a:ln>
+        </p:spPr>
+        <p:style>
+          <a:lnRef idx="2">
+            <a:schemeClr val="accent1">
+              <a:shade val="50000"/>
+            </a:schemeClr>
+          </a:lnRef>
+          <a:fillRef idx="1">
+            <a:schemeClr val="accent1"/>
+          </a:fillRef>
+          <a:effectRef idx="0">
+            <a:schemeClr val="accent1"/>
+          </a:effectRef>
+          <a:fontRef idx="minor">
+            <a:schemeClr val="lt1"/>
+          </a:fontRef>
+        </p:style>
+        <p:txBody>
+          <a:bodyPr rtlCol="0" anchor="ctr"/>
+          <a:lstStyle/>
+          <a:p>
+            <a:pPr algn="ctr"/>
+            <a:endParaRPr lang="en-US"/>
+          </a:p>
+        </p:txBody>
+      </p:sp>
+      <p:sp>
+        <p:nvSpPr>
+          <p:cNvPr id="55" name="Rectangle 54"/>
+          <p:cNvSpPr/>
+          <p:nvPr/>
+        </p:nvSpPr>
+        <p:spPr>
+          <a:xfrm>
+            <a:off x="6203576" y="4106690"/>
+            <a:ext cx="685800" cy="304800"/>
+          </a:xfrm>
+          <a:prstGeom prst="rect">
+            <a:avLst/>
+          </a:prstGeom>
+          <a:solidFill>
+            <a:schemeClr val="bg1"/>
+          </a:solidFill>
+          <a:ln>
+            <a:solidFill>
+              <a:schemeClr val="tx1"/>
+            </a:solidFill>
+          </a:ln>
+        </p:spPr>
+        <p:style>
+          <a:lnRef idx="2">
+            <a:schemeClr val="accent1">
+              <a:shade val="50000"/>
+            </a:schemeClr>
+          </a:lnRef>
+          <a:fillRef idx="1">
+            <a:schemeClr val="accent1"/>
+          </a:fillRef>
+          <a:effectRef idx="0">
+            <a:schemeClr val="accent1"/>
+          </a:effectRef>
+          <a:fontRef idx="minor">
+            <a:schemeClr val="lt1"/>
+          </a:fontRef>
+        </p:style>
+        <p:txBody>
+          <a:bodyPr rtlCol="0" anchor="ctr"/>
+          <a:lstStyle/>
+          <a:p>
+            <a:pPr algn="ctr"/>
+            <a:endParaRPr lang="en-US"/>
+          </a:p>
+        </p:txBody>
+      </p:sp>
+      <p:sp>
+        <p:nvSpPr>
+          <p:cNvPr id="56" name="Oval 55"/>
+          <p:cNvSpPr/>
+          <p:nvPr/>
+        </p:nvSpPr>
+        <p:spPr>
+          <a:xfrm>
+            <a:off x="1777253" y="5553171"/>
+            <a:ext cx="381000" cy="381000"/>
+          </a:xfrm>
+          <a:prstGeom prst="ellipse">
+            <a:avLst/>
+          </a:prstGeom>
+          <a:solidFill>
+            <a:schemeClr val="bg1"/>
+          </a:solidFill>
+          <a:ln>
+            <a:solidFill>
+              <a:schemeClr val="tx1"/>
+            </a:solidFill>
+          </a:ln>
+        </p:spPr>
+        <p:style>
+          <a:lnRef idx="2">
+            <a:schemeClr val="accent1">
+              <a:shade val="50000"/>
+            </a:schemeClr>
+          </a:lnRef>
+          <a:fillRef idx="1">
+            <a:schemeClr val="accent1"/>
+          </a:fillRef>
+          <a:effectRef idx="0">
+            <a:schemeClr val="accent1"/>
+          </a:effectRef>
+          <a:fontRef idx="minor">
+            <a:schemeClr val="lt1"/>
+          </a:fontRef>
+        </p:style>
+        <p:txBody>
+          <a:bodyPr rtlCol="0" anchor="ctr"/>
+          <a:lstStyle/>
+          <a:p>
+            <a:pPr algn="ctr"/>
+            <a:endParaRPr lang="en-US"/>
+          </a:p>
+        </p:txBody>
+      </p:sp>
+      <p:sp>
+        <p:nvSpPr>
+          <p:cNvPr id="57" name="Oval 56"/>
+          <p:cNvSpPr/>
+          <p:nvPr/>
+        </p:nvSpPr>
+        <p:spPr>
+          <a:xfrm>
+            <a:off x="2447364" y="5553171"/>
+            <a:ext cx="381000" cy="381000"/>
+          </a:xfrm>
+          <a:prstGeom prst="ellipse">
+            <a:avLst/>
+          </a:prstGeom>
+          <a:solidFill>
+            <a:schemeClr val="bg1"/>
+          </a:solidFill>
+          <a:ln>
+            <a:solidFill>
+              <a:schemeClr val="tx1"/>
+            </a:solidFill>
+          </a:ln>
+        </p:spPr>
+        <p:style>
+          <a:lnRef idx="2">
+            <a:schemeClr val="accent1">
+              <a:shade val="50000"/>
+            </a:schemeClr>
+          </a:lnRef>
+          <a:fillRef idx="1">
+            <a:schemeClr val="accent1"/>
+          </a:fillRef>
+          <a:effectRef idx="0">
+            <a:schemeClr val="accent1"/>
+          </a:effectRef>
+          <a:fontRef idx="minor">
+            <a:schemeClr val="lt1"/>
+          </a:fontRef>
+        </p:style>
+        <p:txBody>
+          <a:bodyPr rtlCol="0" anchor="ctr"/>
+          <a:lstStyle/>
+          <a:p>
+            <a:pPr algn="ctr"/>
+            <a:endParaRPr lang="en-US"/>
+          </a:p>
+        </p:txBody>
+      </p:sp>
+      <p:sp>
+        <p:nvSpPr>
+          <p:cNvPr id="58" name="Oval 57"/>
+          <p:cNvSpPr/>
+          <p:nvPr/>
+        </p:nvSpPr>
+        <p:spPr>
+          <a:xfrm>
+            <a:off x="510988" y="5553171"/>
+            <a:ext cx="381000" cy="381000"/>
+          </a:xfrm>
+          <a:prstGeom prst="ellipse">
+            <a:avLst/>
+          </a:prstGeom>
+          <a:solidFill>
+            <a:schemeClr val="bg1"/>
+          </a:solidFill>
+          <a:ln>
+            <a:solidFill>
+              <a:schemeClr val="tx1"/>
+            </a:solidFill>
+          </a:ln>
+        </p:spPr>
+        <p:style>
+          <a:lnRef idx="2">
+            <a:schemeClr val="accent1">
+              <a:shade val="50000"/>
+            </a:schemeClr>
+          </a:lnRef>
+          <a:fillRef idx="1">
+            <a:schemeClr val="accent1"/>
+          </a:fillRef>
+          <a:effectRef idx="0">
+            <a:schemeClr val="accent1"/>
+          </a:effectRef>
+          <a:fontRef idx="minor">
+            <a:schemeClr val="lt1"/>
+          </a:fontRef>
+        </p:style>
+        <p:txBody>
+          <a:bodyPr rtlCol="0" anchor="ctr"/>
+          <a:lstStyle/>
+          <a:p>
+            <a:pPr algn="ctr"/>
+            <a:endParaRPr lang="en-US"/>
+          </a:p>
+        </p:txBody>
+      </p:sp>
+      <p:sp>
+        <p:nvSpPr>
+          <p:cNvPr id="59" name="Oval 58"/>
+          <p:cNvSpPr/>
+          <p:nvPr/>
+        </p:nvSpPr>
+        <p:spPr>
+          <a:xfrm>
+            <a:off x="1080247" y="5584547"/>
+            <a:ext cx="381000" cy="381000"/>
+          </a:xfrm>
+          <a:prstGeom prst="ellipse">
+            <a:avLst/>
+          </a:prstGeom>
+          <a:solidFill>
+            <a:schemeClr val="bg1"/>
+          </a:solidFill>
+          <a:ln>
+            <a:solidFill>
+              <a:schemeClr val="tx1"/>
+            </a:solidFill>
+          </a:ln>
+        </p:spPr>
+        <p:style>
+          <a:lnRef idx="2">
+            <a:schemeClr val="accent1">
+              <a:shade val="50000"/>
+            </a:schemeClr>
+          </a:lnRef>
+          <a:fillRef idx="1">
+            <a:schemeClr val="accent1"/>
+          </a:fillRef>
+          <a:effectRef idx="0">
+            <a:schemeClr val="accent1"/>
+          </a:effectRef>
+          <a:fontRef idx="minor">
+            <a:schemeClr val="lt1"/>
+          </a:fontRef>
+        </p:style>
+        <p:txBody>
+          <a:bodyPr rtlCol="0" anchor="ctr"/>
+          <a:lstStyle/>
+          <a:p>
+            <a:pPr algn="ctr"/>
+            <a:endParaRPr lang="en-US"/>
+          </a:p>
+        </p:txBody>
+      </p:sp>
+      <p:sp>
+        <p:nvSpPr>
+          <p:cNvPr id="60" name="Oval 59"/>
+          <p:cNvSpPr/>
+          <p:nvPr/>
+        </p:nvSpPr>
+        <p:spPr>
+          <a:xfrm>
+            <a:off x="5192806" y="5592589"/>
+            <a:ext cx="381000" cy="381000"/>
+          </a:xfrm>
+          <a:prstGeom prst="ellipse">
+            <a:avLst/>
+          </a:prstGeom>
+          <a:solidFill>
+            <a:schemeClr val="bg1"/>
+          </a:solidFill>
+          <a:ln>
+            <a:solidFill>
+              <a:schemeClr val="tx1"/>
+            </a:solidFill>
+          </a:ln>
+        </p:spPr>
+        <p:style>
+          <a:lnRef idx="2">
+            <a:schemeClr val="accent1">
+              <a:shade val="50000"/>
+            </a:schemeClr>
+          </a:lnRef>
+          <a:fillRef idx="1">
+            <a:schemeClr val="accent1"/>
+          </a:fillRef>
+          <a:effectRef idx="0">
+            <a:schemeClr val="accent1"/>
+          </a:effectRef>
+          <a:fontRef idx="minor">
+            <a:schemeClr val="lt1"/>
+          </a:fontRef>
+        </p:style>
+        <p:txBody>
+          <a:bodyPr rtlCol="0" anchor="ctr"/>
+          <a:lstStyle/>
+          <a:p>
+            <a:pPr algn="ctr"/>
+            <a:endParaRPr lang="en-US"/>
+          </a:p>
+        </p:txBody>
+      </p:sp>
+      <p:sp>
+        <p:nvSpPr>
+          <p:cNvPr id="61" name="Oval 60"/>
+          <p:cNvSpPr/>
+          <p:nvPr/>
+        </p:nvSpPr>
+        <p:spPr>
+          <a:xfrm>
+            <a:off x="5985061" y="5624427"/>
+            <a:ext cx="381000" cy="381000"/>
+          </a:xfrm>
+          <a:prstGeom prst="ellipse">
+            <a:avLst/>
+          </a:prstGeom>
+          <a:solidFill>
+            <a:schemeClr val="bg1"/>
+          </a:solidFill>
+          <a:ln>
+            <a:solidFill>
+              <a:schemeClr val="tx1"/>
+            </a:solidFill>
+          </a:ln>
+        </p:spPr>
+        <p:style>
+          <a:lnRef idx="2">
+            <a:schemeClr val="accent1">
+              <a:shade val="50000"/>
+            </a:schemeClr>
+          </a:lnRef>
+          <a:fillRef idx="1">
+            <a:schemeClr val="accent1"/>
+          </a:fillRef>
+          <a:effectRef idx="0">
+            <a:schemeClr val="accent1"/>
+          </a:effectRef>
+          <a:fontRef idx="minor">
+            <a:schemeClr val="lt1"/>
+          </a:fontRef>
+        </p:style>
+        <p:txBody>
+          <a:bodyPr rtlCol="0" anchor="ctr"/>
+          <a:lstStyle/>
+          <a:p>
+            <a:pPr algn="ctr"/>
+            <a:endParaRPr lang="en-US"/>
+          </a:p>
+        </p:txBody>
+      </p:sp>
+      <p:sp>
+        <p:nvSpPr>
+          <p:cNvPr id="62" name="Oval 61"/>
+          <p:cNvSpPr/>
+          <p:nvPr/>
+        </p:nvSpPr>
+        <p:spPr>
+          <a:xfrm>
+            <a:off x="6945405" y="5632931"/>
+            <a:ext cx="381000" cy="381000"/>
+          </a:xfrm>
+          <a:prstGeom prst="ellipse">
+            <a:avLst/>
+          </a:prstGeom>
+          <a:solidFill>
+            <a:schemeClr val="bg1"/>
+          </a:solidFill>
+          <a:ln>
+            <a:solidFill>
+              <a:schemeClr val="tx1"/>
+            </a:solidFill>
+          </a:ln>
+        </p:spPr>
+        <p:style>
+          <a:lnRef idx="2">
+            <a:schemeClr val="accent1">
+              <a:shade val="50000"/>
+            </a:schemeClr>
+          </a:lnRef>
+          <a:fillRef idx="1">
+            <a:schemeClr val="accent1"/>
+          </a:fillRef>
+          <a:effectRef idx="0">
+            <a:schemeClr val="accent1"/>
+          </a:effectRef>
+          <a:fontRef idx="minor">
+            <a:schemeClr val="lt1"/>
+          </a:fontRef>
+        </p:style>
+        <p:txBody>
+          <a:bodyPr rtlCol="0" anchor="ctr"/>
+          <a:lstStyle/>
+          <a:p>
+            <a:pPr algn="ctr"/>
+            <a:endParaRPr lang="en-US"/>
+          </a:p>
+        </p:txBody>
+      </p:sp>
+      <p:sp>
+        <p:nvSpPr>
+          <p:cNvPr id="63" name="Oval 62"/>
+          <p:cNvSpPr/>
+          <p:nvPr/>
+        </p:nvSpPr>
+        <p:spPr>
+          <a:xfrm>
+            <a:off x="7575176" y="5604257"/>
+            <a:ext cx="381000" cy="381000"/>
+          </a:xfrm>
+          <a:prstGeom prst="ellipse">
+            <a:avLst/>
+          </a:prstGeom>
+          <a:solidFill>
+            <a:schemeClr val="bg1"/>
+          </a:solidFill>
+          <a:ln>
+            <a:solidFill>
+              <a:schemeClr val="tx1"/>
+            </a:solidFill>
+          </a:ln>
+        </p:spPr>
+        <p:style>
+          <a:lnRef idx="2">
+            <a:schemeClr val="accent1">
+              <a:shade val="50000"/>
+            </a:schemeClr>
+          </a:lnRef>
+          <a:fillRef idx="1">
+            <a:schemeClr val="accent1"/>
+          </a:fillRef>
+          <a:effectRef idx="0">
+            <a:schemeClr val="accent1"/>
+          </a:effectRef>
+          <a:fontRef idx="minor">
+            <a:schemeClr val="lt1"/>
+          </a:fontRef>
+        </p:style>
+        <p:txBody>
+          <a:bodyPr rtlCol="0" anchor="ctr"/>
+          <a:lstStyle/>
+          <a:p>
+            <a:pPr algn="ctr"/>
+            <a:endParaRPr lang="en-US"/>
+          </a:p>
+        </p:txBody>
+      </p:sp>
+      <p:cxnSp>
+        <p:nvCxnSpPr>
+          <p:cNvPr id="64" name="Straight Connector 63"/>
+          <p:cNvCxnSpPr>
+            <a:stCxn id="50" idx="2"/>
+            <a:endCxn id="51" idx="0"/>
+          </p:cNvCxnSpPr>
+          <p:nvPr/>
+        </p:nvCxnSpPr>
+        <p:spPr>
+          <a:xfrm flipH="1">
+            <a:off x="2861982" y="1816208"/>
+            <a:ext cx="1492623" cy="753035"/>
+          </a:xfrm>
+          <a:prstGeom prst="line">
+            <a:avLst/>
+          </a:prstGeom>
+          <a:ln>
+            <a:solidFill>
+              <a:schemeClr val="tx1"/>
+            </a:solidFill>
+          </a:ln>
+        </p:spPr>
+        <p:style>
+          <a:lnRef idx="1">
+            <a:schemeClr val="accent1"/>
+          </a:lnRef>
+          <a:fillRef idx="0">
+            <a:schemeClr val="accent1"/>
+          </a:fillRef>
+          <a:effectRef idx="0">
+            <a:schemeClr val="accent1"/>
+          </a:effectRef>
+          <a:fontRef idx="minor">
+            <a:schemeClr val="tx1"/>
+          </a:fontRef>
+        </p:style>
+      </p:cxnSp>
+      <p:cxnSp>
+        <p:nvCxnSpPr>
+          <p:cNvPr id="65" name="Straight Connector 64"/>
+          <p:cNvCxnSpPr>
+            <a:stCxn id="50" idx="2"/>
+            <a:endCxn id="52" idx="0"/>
+          </p:cNvCxnSpPr>
+          <p:nvPr/>
+        </p:nvCxnSpPr>
+        <p:spPr>
+          <a:xfrm>
+            <a:off x="4354605" y="1816208"/>
+            <a:ext cx="1506071" cy="766482"/>
+          </a:xfrm>
+          <a:prstGeom prst="line">
+            <a:avLst/>
+          </a:prstGeom>
+          <a:ln>
+            <a:solidFill>
+              <a:schemeClr val="tx1"/>
+            </a:solidFill>
+          </a:ln>
+        </p:spPr>
+        <p:style>
+          <a:lnRef idx="1">
+            <a:schemeClr val="accent1"/>
+          </a:lnRef>
+          <a:fillRef idx="0">
+            <a:schemeClr val="accent1"/>
+          </a:fillRef>
+          <a:effectRef idx="0">
+            <a:schemeClr val="accent1"/>
+          </a:effectRef>
+          <a:fontRef idx="minor">
+            <a:schemeClr val="tx1"/>
+          </a:fontRef>
+        </p:style>
+      </p:cxnSp>
+      <p:cxnSp>
+        <p:nvCxnSpPr>
+          <p:cNvPr id="66" name="Straight Connector 65"/>
+          <p:cNvCxnSpPr>
+            <a:stCxn id="51" idx="2"/>
+            <a:endCxn id="53" idx="0"/>
+          </p:cNvCxnSpPr>
+          <p:nvPr/>
+        </p:nvCxnSpPr>
+        <p:spPr>
+          <a:xfrm flipH="1">
+            <a:off x="1680882" y="2874043"/>
+            <a:ext cx="1181100" cy="1173058"/>
+          </a:xfrm>
+          <a:prstGeom prst="line">
+            <a:avLst/>
+          </a:prstGeom>
+          <a:ln>
+            <a:solidFill>
+              <a:schemeClr val="tx1"/>
+            </a:solidFill>
+          </a:ln>
+        </p:spPr>
+        <p:style>
+          <a:lnRef idx="1">
+            <a:schemeClr val="accent1"/>
+          </a:lnRef>
+          <a:fillRef idx="0">
+            <a:schemeClr val="accent1"/>
+          </a:fillRef>
+          <a:effectRef idx="0">
+            <a:schemeClr val="accent1"/>
+          </a:effectRef>
+          <a:fontRef idx="minor">
+            <a:schemeClr val="tx1"/>
+          </a:fontRef>
+        </p:style>
+      </p:cxnSp>
+      <p:cxnSp>
+        <p:nvCxnSpPr>
+          <p:cNvPr id="67" name="Straight Connector 66"/>
+          <p:cNvCxnSpPr>
+            <a:stCxn id="52" idx="2"/>
+            <a:endCxn id="54" idx="0"/>
+          </p:cNvCxnSpPr>
+          <p:nvPr/>
+        </p:nvCxnSpPr>
+        <p:spPr>
+          <a:xfrm flipH="1">
+            <a:off x="5174876" y="2887490"/>
+            <a:ext cx="685800" cy="1219200"/>
+          </a:xfrm>
+          <a:prstGeom prst="line">
+            <a:avLst/>
+          </a:prstGeom>
+          <a:ln>
+            <a:solidFill>
+              <a:schemeClr val="tx1"/>
+            </a:solidFill>
+          </a:ln>
+        </p:spPr>
+        <p:style>
+          <a:lnRef idx="1">
+            <a:schemeClr val="accent1"/>
+          </a:lnRef>
+          <a:fillRef idx="0">
+            <a:schemeClr val="accent1"/>
+          </a:fillRef>
+          <a:effectRef idx="0">
+            <a:schemeClr val="accent1"/>
+          </a:effectRef>
+          <a:fontRef idx="minor">
+            <a:schemeClr val="tx1"/>
+          </a:fontRef>
+        </p:style>
+      </p:cxnSp>
+      <p:cxnSp>
+        <p:nvCxnSpPr>
+          <p:cNvPr id="68" name="Straight Connector 67"/>
+          <p:cNvCxnSpPr>
+            <a:stCxn id="52" idx="2"/>
+            <a:endCxn id="55" idx="0"/>
+          </p:cNvCxnSpPr>
+          <p:nvPr/>
+        </p:nvCxnSpPr>
+        <p:spPr>
+          <a:xfrm>
+            <a:off x="5860676" y="2887490"/>
+            <a:ext cx="685800" cy="1219200"/>
+          </a:xfrm>
+          <a:prstGeom prst="line">
+            <a:avLst/>
+          </a:prstGeom>
+          <a:ln>
+            <a:solidFill>
+              <a:schemeClr val="tx1"/>
+            </a:solidFill>
+          </a:ln>
+        </p:spPr>
+        <p:style>
+          <a:lnRef idx="1">
+            <a:schemeClr val="accent1"/>
+          </a:lnRef>
+          <a:fillRef idx="0">
+            <a:schemeClr val="accent1"/>
+          </a:fillRef>
+          <a:effectRef idx="0">
+            <a:schemeClr val="accent1"/>
+          </a:effectRef>
+          <a:fontRef idx="minor">
+            <a:schemeClr val="tx1"/>
+          </a:fontRef>
+        </p:style>
+      </p:cxnSp>
+      <p:cxnSp>
+        <p:nvCxnSpPr>
+          <p:cNvPr id="69" name="Straight Connector 68"/>
+          <p:cNvCxnSpPr>
+            <a:stCxn id="53" idx="2"/>
+            <a:endCxn id="58" idx="0"/>
+          </p:cNvCxnSpPr>
+          <p:nvPr/>
+        </p:nvCxnSpPr>
+        <p:spPr>
+          <a:xfrm flipH="1">
+            <a:off x="701488" y="4351901"/>
+            <a:ext cx="979394" cy="1201270"/>
+          </a:xfrm>
+          <a:prstGeom prst="line">
+            <a:avLst/>
+          </a:prstGeom>
+          <a:ln>
+            <a:solidFill>
+              <a:schemeClr val="tx1"/>
+            </a:solidFill>
+          </a:ln>
+        </p:spPr>
+        <p:style>
+          <a:lnRef idx="1">
+            <a:schemeClr val="accent1"/>
+          </a:lnRef>
+          <a:fillRef idx="0">
+            <a:schemeClr val="accent1"/>
+          </a:fillRef>
+          <a:effectRef idx="0">
+            <a:schemeClr val="accent1"/>
+          </a:effectRef>
+          <a:fontRef idx="minor">
+            <a:schemeClr val="tx1"/>
+          </a:fontRef>
+        </p:style>
+      </p:cxnSp>
+      <p:cxnSp>
+        <p:nvCxnSpPr>
+          <p:cNvPr id="70" name="Straight Connector 69"/>
+          <p:cNvCxnSpPr>
+            <a:stCxn id="53" idx="2"/>
+            <a:endCxn id="59" idx="0"/>
+          </p:cNvCxnSpPr>
+          <p:nvPr/>
+        </p:nvCxnSpPr>
+        <p:spPr>
+          <a:xfrm flipH="1">
+            <a:off x="1270747" y="4351901"/>
+            <a:ext cx="410135" cy="1232646"/>
+          </a:xfrm>
+          <a:prstGeom prst="line">
+            <a:avLst/>
+          </a:prstGeom>
+          <a:ln>
+            <a:solidFill>
+              <a:schemeClr val="tx1"/>
+            </a:solidFill>
+          </a:ln>
+        </p:spPr>
+        <p:style>
+          <a:lnRef idx="1">
+            <a:schemeClr val="accent1"/>
+          </a:lnRef>
+          <a:fillRef idx="0">
+            <a:schemeClr val="accent1"/>
+          </a:fillRef>
+          <a:effectRef idx="0">
+            <a:schemeClr val="accent1"/>
+          </a:effectRef>
+          <a:fontRef idx="minor">
+            <a:schemeClr val="tx1"/>
+          </a:fontRef>
+        </p:style>
+      </p:cxnSp>
+      <p:cxnSp>
+        <p:nvCxnSpPr>
+          <p:cNvPr id="71" name="Straight Connector 70"/>
+          <p:cNvCxnSpPr>
+            <a:stCxn id="53" idx="2"/>
+            <a:endCxn id="56" idx="0"/>
+          </p:cNvCxnSpPr>
+          <p:nvPr/>
+        </p:nvCxnSpPr>
+        <p:spPr>
+          <a:xfrm>
+            <a:off x="1680882" y="4351901"/>
+            <a:ext cx="286871" cy="1201270"/>
+          </a:xfrm>
+          <a:prstGeom prst="line">
+            <a:avLst/>
+          </a:prstGeom>
+          <a:ln>
+            <a:solidFill>
+              <a:schemeClr val="tx1"/>
+            </a:solidFill>
+          </a:ln>
+        </p:spPr>
+        <p:style>
+          <a:lnRef idx="1">
+            <a:schemeClr val="accent1"/>
+          </a:lnRef>
+          <a:fillRef idx="0">
+            <a:schemeClr val="accent1"/>
+          </a:fillRef>
+          <a:effectRef idx="0">
+            <a:schemeClr val="accent1"/>
+          </a:effectRef>
+          <a:fontRef idx="minor">
+            <a:schemeClr val="tx1"/>
+          </a:fontRef>
+        </p:style>
+      </p:cxnSp>
+      <p:cxnSp>
+        <p:nvCxnSpPr>
+          <p:cNvPr id="72" name="Straight Connector 71"/>
+          <p:cNvCxnSpPr>
+            <a:stCxn id="53" idx="2"/>
+            <a:endCxn id="57" idx="0"/>
+          </p:cNvCxnSpPr>
+          <p:nvPr/>
+        </p:nvCxnSpPr>
+        <p:spPr>
+          <a:xfrm>
+            <a:off x="1680882" y="4351901"/>
+            <a:ext cx="956982" cy="1201270"/>
+          </a:xfrm>
+          <a:prstGeom prst="line">
+            <a:avLst/>
+          </a:prstGeom>
+          <a:ln>
+            <a:solidFill>
+              <a:schemeClr val="tx1"/>
+            </a:solidFill>
+          </a:ln>
+        </p:spPr>
+        <p:style>
+          <a:lnRef idx="1">
+            <a:schemeClr val="accent1"/>
+          </a:lnRef>
+          <a:fillRef idx="0">
+            <a:schemeClr val="accent1"/>
+          </a:fillRef>
+          <a:effectRef idx="0">
+            <a:schemeClr val="accent1"/>
+          </a:effectRef>
+          <a:fontRef idx="minor">
+            <a:schemeClr val="tx1"/>
+          </a:fontRef>
+        </p:style>
+      </p:cxnSp>
+      <p:cxnSp>
+        <p:nvCxnSpPr>
+          <p:cNvPr id="73" name="Straight Connector 72"/>
+          <p:cNvCxnSpPr>
+            <a:stCxn id="60" idx="0"/>
+            <a:endCxn id="55" idx="2"/>
+          </p:cNvCxnSpPr>
+          <p:nvPr/>
+        </p:nvCxnSpPr>
+        <p:spPr>
+          <a:xfrm flipV="1">
+            <a:off x="5383306" y="4411490"/>
+            <a:ext cx="1163170" cy="1181099"/>
+          </a:xfrm>
+          <a:prstGeom prst="line">
+            <a:avLst/>
+          </a:prstGeom>
+          <a:ln>
+            <a:solidFill>
+              <a:schemeClr val="tx1"/>
+            </a:solidFill>
+          </a:ln>
+        </p:spPr>
+        <p:style>
+          <a:lnRef idx="1">
+            <a:schemeClr val="accent1"/>
+          </a:lnRef>
+          <a:fillRef idx="0">
+            <a:schemeClr val="accent1"/>
+          </a:fillRef>
+          <a:effectRef idx="0">
+            <a:schemeClr val="accent1"/>
+          </a:effectRef>
+          <a:fontRef idx="minor">
+            <a:schemeClr val="tx1"/>
+          </a:fontRef>
+        </p:style>
+      </p:cxnSp>
+      <p:cxnSp>
+        <p:nvCxnSpPr>
+          <p:cNvPr id="74" name="Straight Connector 73"/>
+          <p:cNvCxnSpPr>
+            <a:stCxn id="55" idx="2"/>
+            <a:endCxn id="61" idx="0"/>
+          </p:cNvCxnSpPr>
+          <p:nvPr/>
+        </p:nvCxnSpPr>
+        <p:spPr>
+          <a:xfrm flipH="1">
+            <a:off x="6175561" y="4411490"/>
+            <a:ext cx="370915" cy="1212937"/>
+          </a:xfrm>
+          <a:prstGeom prst="line">
+            <a:avLst/>
+          </a:prstGeom>
+          <a:ln>
+            <a:solidFill>
+              <a:schemeClr val="tx1"/>
+            </a:solidFill>
+          </a:ln>
+        </p:spPr>
+        <p:style>
+          <a:lnRef idx="1">
+            <a:schemeClr val="accent1"/>
+          </a:lnRef>
+          <a:fillRef idx="0">
+            <a:schemeClr val="accent1"/>
+          </a:fillRef>
+          <a:effectRef idx="0">
+            <a:schemeClr val="accent1"/>
+          </a:effectRef>
+          <a:fontRef idx="minor">
+            <a:schemeClr val="tx1"/>
+          </a:fontRef>
+        </p:style>
+      </p:cxnSp>
+      <p:cxnSp>
+        <p:nvCxnSpPr>
+          <p:cNvPr id="75" name="Straight Connector 74"/>
+          <p:cNvCxnSpPr>
+            <a:stCxn id="55" idx="2"/>
+            <a:endCxn id="62" idx="0"/>
+          </p:cNvCxnSpPr>
+          <p:nvPr/>
+        </p:nvCxnSpPr>
+        <p:spPr>
+          <a:xfrm>
+            <a:off x="6546476" y="4411490"/>
+            <a:ext cx="589429" cy="1221441"/>
+          </a:xfrm>
+          <a:prstGeom prst="line">
+            <a:avLst/>
+          </a:prstGeom>
+          <a:ln>
+            <a:solidFill>
+              <a:schemeClr val="tx1"/>
+            </a:solidFill>
+          </a:ln>
+        </p:spPr>
+        <p:style>
+          <a:lnRef idx="1">
+            <a:schemeClr val="accent1"/>
+          </a:lnRef>
+          <a:fillRef idx="0">
+            <a:schemeClr val="accent1"/>
+          </a:fillRef>
+          <a:effectRef idx="0">
+            <a:schemeClr val="accent1"/>
+          </a:effectRef>
+          <a:fontRef idx="minor">
+            <a:schemeClr val="tx1"/>
+          </a:fontRef>
+        </p:style>
+      </p:cxnSp>
+      <p:cxnSp>
+        <p:nvCxnSpPr>
+          <p:cNvPr id="76" name="Straight Connector 75"/>
+          <p:cNvCxnSpPr>
+            <a:stCxn id="63" idx="0"/>
+            <a:endCxn id="55" idx="2"/>
+          </p:cNvCxnSpPr>
+          <p:nvPr/>
+        </p:nvCxnSpPr>
+        <p:spPr>
+          <a:xfrm flipH="1" flipV="1">
+            <a:off x="6546476" y="4411490"/>
+            <a:ext cx="1219200" cy="1192767"/>
+          </a:xfrm>
+          <a:prstGeom prst="line">
+            <a:avLst/>
+          </a:prstGeom>
+          <a:ln>
+            <a:solidFill>
+              <a:schemeClr val="tx1"/>
+            </a:solidFill>
+          </a:ln>
+        </p:spPr>
+        <p:style>
+          <a:lnRef idx="1">
+            <a:schemeClr val="accent1"/>
+          </a:lnRef>
+          <a:fillRef idx="0">
+            <a:schemeClr val="accent1"/>
+          </a:fillRef>
+          <a:effectRef idx="0">
+            <a:schemeClr val="accent1"/>
+          </a:effectRef>
+          <a:fontRef idx="minor">
+            <a:schemeClr val="tx1"/>
+          </a:fontRef>
+        </p:style>
+      </p:cxnSp>
+      <p:sp>
+        <p:nvSpPr>
+          <p:cNvPr id="77" name="TextBox 76"/>
+          <p:cNvSpPr txBox="1"/>
+          <p:nvPr/>
+        </p:nvSpPr>
+        <p:spPr>
+          <a:xfrm>
+            <a:off x="2667000" y="2550424"/>
+            <a:ext cx="457200" cy="369332"/>
+          </a:xfrm>
+          <a:prstGeom prst="rect">
+            <a:avLst/>
+          </a:prstGeom>
+          <a:noFill/>
+        </p:spPr>
+        <p:txBody>
+          <a:bodyPr wrap="square" rtlCol="0">
+            <a:spAutoFit/>
+          </a:bodyPr>
+          <a:lstStyle/>
+          <a:p>
+            <a:r>
+              <a:rPr lang="en-US" dirty="0" smtClean="0"/>
+              <a:t>s2</a:t>
+            </a:r>
+            <a:endParaRPr lang="en-US" dirty="0"/>
+          </a:p>
+        </p:txBody>
+      </p:sp>
+      <p:sp>
+        <p:nvSpPr>
+          <p:cNvPr id="78" name="TextBox 77"/>
+          <p:cNvSpPr txBox="1"/>
+          <p:nvPr/>
+        </p:nvSpPr>
+        <p:spPr>
+          <a:xfrm>
+            <a:off x="4168588" y="1471956"/>
+            <a:ext cx="457200" cy="369332"/>
+          </a:xfrm>
+          <a:prstGeom prst="rect">
+            <a:avLst/>
+          </a:prstGeom>
+          <a:noFill/>
+        </p:spPr>
+        <p:txBody>
+          <a:bodyPr wrap="square" rtlCol="0">
+            <a:spAutoFit/>
+          </a:bodyPr>
+          <a:lstStyle/>
+          <a:p>
+            <a:r>
+              <a:rPr lang="en-US" dirty="0" smtClean="0"/>
+              <a:t>s1</a:t>
+            </a:r>
+            <a:endParaRPr lang="en-US" dirty="0"/>
+          </a:p>
+        </p:txBody>
+      </p:sp>
+      <p:sp>
+        <p:nvSpPr>
+          <p:cNvPr id="79" name="TextBox 78"/>
+          <p:cNvSpPr txBox="1"/>
+          <p:nvPr/>
+        </p:nvSpPr>
+        <p:spPr>
+          <a:xfrm>
+            <a:off x="1452282" y="4014835"/>
+            <a:ext cx="457200" cy="369332"/>
+          </a:xfrm>
+          <a:prstGeom prst="rect">
+            <a:avLst/>
+          </a:prstGeom>
+          <a:noFill/>
+        </p:spPr>
+        <p:txBody>
+          <a:bodyPr wrap="square" rtlCol="0">
+            <a:spAutoFit/>
+          </a:bodyPr>
+          <a:lstStyle/>
+          <a:p>
+            <a:r>
+              <a:rPr lang="en-US" dirty="0" smtClean="0"/>
+              <a:t>s3</a:t>
+            </a:r>
+            <a:endParaRPr lang="en-US" dirty="0"/>
+          </a:p>
+        </p:txBody>
+      </p:sp>
+      <p:sp>
+        <p:nvSpPr>
+          <p:cNvPr id="80" name="TextBox 79"/>
+          <p:cNvSpPr txBox="1"/>
+          <p:nvPr/>
+        </p:nvSpPr>
+        <p:spPr>
+          <a:xfrm>
+            <a:off x="5632076" y="2550424"/>
+            <a:ext cx="457200" cy="369332"/>
+          </a:xfrm>
+          <a:prstGeom prst="rect">
+            <a:avLst/>
+          </a:prstGeom>
+          <a:noFill/>
+        </p:spPr>
+        <p:txBody>
+          <a:bodyPr wrap="square" rtlCol="0">
+            <a:spAutoFit/>
+          </a:bodyPr>
+          <a:lstStyle/>
+          <a:p>
+            <a:r>
+              <a:rPr lang="en-US" dirty="0" smtClean="0"/>
+              <a:t>s5</a:t>
+            </a:r>
+            <a:endParaRPr lang="en-US" dirty="0"/>
+          </a:p>
+        </p:txBody>
+      </p:sp>
+      <p:sp>
+        <p:nvSpPr>
+          <p:cNvPr id="81" name="TextBox 80"/>
+          <p:cNvSpPr txBox="1"/>
+          <p:nvPr/>
+        </p:nvSpPr>
+        <p:spPr>
+          <a:xfrm>
+            <a:off x="4946276" y="4074424"/>
+            <a:ext cx="571500" cy="369332"/>
+          </a:xfrm>
+          <a:prstGeom prst="rect">
+            <a:avLst/>
+          </a:prstGeom>
+          <a:noFill/>
+        </p:spPr>
+        <p:txBody>
+          <a:bodyPr wrap="square" rtlCol="0">
+            <a:spAutoFit/>
+          </a:bodyPr>
+          <a:lstStyle/>
+          <a:p>
+            <a:r>
+              <a:rPr lang="en-US" dirty="0" smtClean="0"/>
+              <a:t>s18</a:t>
+            </a:r>
+            <a:endParaRPr lang="en-US" dirty="0"/>
+          </a:p>
+        </p:txBody>
+      </p:sp>
+      <p:sp>
+        <p:nvSpPr>
+          <p:cNvPr id="82" name="TextBox 81"/>
+          <p:cNvSpPr txBox="1"/>
+          <p:nvPr/>
+        </p:nvSpPr>
+        <p:spPr>
+          <a:xfrm>
+            <a:off x="6305551" y="4078018"/>
+            <a:ext cx="583825" cy="369332"/>
+          </a:xfrm>
+          <a:prstGeom prst="rect">
+            <a:avLst/>
+          </a:prstGeom>
+          <a:noFill/>
+        </p:spPr>
+        <p:txBody>
+          <a:bodyPr wrap="square" rtlCol="0">
+            <a:spAutoFit/>
+          </a:bodyPr>
+          <a:lstStyle/>
+          <a:p>
+            <a:r>
+              <a:rPr lang="en-US" dirty="0" smtClean="0"/>
+              <a:t>s21</a:t>
+            </a:r>
+            <a:endParaRPr lang="en-US" dirty="0"/>
+          </a:p>
+        </p:txBody>
+      </p:sp>
+      <p:sp>
+        <p:nvSpPr>
+          <p:cNvPr id="83" name="TextBox 82"/>
+          <p:cNvSpPr txBox="1"/>
+          <p:nvPr/>
+        </p:nvSpPr>
+        <p:spPr>
+          <a:xfrm>
+            <a:off x="551329" y="5564839"/>
+            <a:ext cx="457200" cy="369332"/>
+          </a:xfrm>
+          <a:prstGeom prst="rect">
+            <a:avLst/>
+          </a:prstGeom>
+          <a:noFill/>
+        </p:spPr>
+        <p:txBody>
+          <a:bodyPr wrap="square" rtlCol="0">
+            <a:spAutoFit/>
+          </a:bodyPr>
+          <a:lstStyle/>
+          <a:p>
+            <a:r>
+              <a:rPr lang="en-US" dirty="0" smtClean="0"/>
+              <a:t>1</a:t>
+            </a:r>
+            <a:endParaRPr lang="en-US" dirty="0"/>
+          </a:p>
+        </p:txBody>
+      </p:sp>
+      <p:sp>
+        <p:nvSpPr>
+          <p:cNvPr id="84" name="TextBox 83"/>
+          <p:cNvSpPr txBox="1"/>
+          <p:nvPr/>
+        </p:nvSpPr>
+        <p:spPr>
+          <a:xfrm>
+            <a:off x="1120589" y="5596215"/>
+            <a:ext cx="340658" cy="369332"/>
+          </a:xfrm>
+          <a:prstGeom prst="rect">
+            <a:avLst/>
+          </a:prstGeom>
+          <a:noFill/>
+        </p:spPr>
+        <p:txBody>
+          <a:bodyPr wrap="square" rtlCol="0">
+            <a:spAutoFit/>
+          </a:bodyPr>
+          <a:lstStyle/>
+          <a:p>
+            <a:r>
+              <a:rPr lang="en-US" dirty="0" smtClean="0"/>
+              <a:t>2</a:t>
+            </a:r>
+            <a:endParaRPr lang="en-US" dirty="0"/>
+          </a:p>
+        </p:txBody>
+      </p:sp>
+      <p:sp>
+        <p:nvSpPr>
+          <p:cNvPr id="85" name="TextBox 84"/>
+          <p:cNvSpPr txBox="1"/>
+          <p:nvPr/>
+        </p:nvSpPr>
+        <p:spPr>
+          <a:xfrm>
+            <a:off x="1828800" y="5564839"/>
+            <a:ext cx="340658" cy="369332"/>
+          </a:xfrm>
+          <a:prstGeom prst="rect">
+            <a:avLst/>
+          </a:prstGeom>
+          <a:noFill/>
+        </p:spPr>
+        <p:txBody>
+          <a:bodyPr wrap="square" rtlCol="0">
+            <a:spAutoFit/>
+          </a:bodyPr>
+          <a:lstStyle/>
+          <a:p>
+            <a:r>
+              <a:rPr lang="en-US" dirty="0"/>
+              <a:t>3</a:t>
+            </a:r>
+          </a:p>
+        </p:txBody>
+      </p:sp>
+      <p:sp>
+        <p:nvSpPr>
+          <p:cNvPr id="86" name="TextBox 85"/>
+          <p:cNvSpPr txBox="1"/>
+          <p:nvPr/>
+        </p:nvSpPr>
+        <p:spPr>
+          <a:xfrm>
+            <a:off x="2487706" y="5544668"/>
+            <a:ext cx="340658" cy="369332"/>
+          </a:xfrm>
+          <a:prstGeom prst="rect">
+            <a:avLst/>
+          </a:prstGeom>
+          <a:noFill/>
+        </p:spPr>
+        <p:txBody>
+          <a:bodyPr wrap="square" rtlCol="0">
+            <a:spAutoFit/>
+          </a:bodyPr>
+          <a:lstStyle/>
+          <a:p>
+            <a:r>
+              <a:rPr lang="en-US" dirty="0"/>
+              <a:t>4</a:t>
+            </a:r>
+          </a:p>
+        </p:txBody>
+      </p:sp>
+      <p:sp>
+        <p:nvSpPr>
+          <p:cNvPr id="87" name="TextBox 86"/>
+          <p:cNvSpPr txBox="1"/>
+          <p:nvPr/>
+        </p:nvSpPr>
+        <p:spPr>
+          <a:xfrm>
+            <a:off x="5174876" y="5593050"/>
+            <a:ext cx="513228" cy="369332"/>
+          </a:xfrm>
+          <a:prstGeom prst="rect">
+            <a:avLst/>
+          </a:prstGeom>
+          <a:noFill/>
+        </p:spPr>
+        <p:txBody>
+          <a:bodyPr wrap="square" rtlCol="0">
+            <a:spAutoFit/>
+          </a:bodyPr>
+          <a:lstStyle/>
+          <a:p>
+            <a:r>
+              <a:rPr lang="en-US" dirty="0" smtClean="0"/>
+              <a:t>61</a:t>
+            </a:r>
+            <a:endParaRPr lang="en-US" dirty="0"/>
+          </a:p>
+        </p:txBody>
+      </p:sp>
+      <p:sp>
+        <p:nvSpPr>
+          <p:cNvPr id="88" name="TextBox 87"/>
+          <p:cNvSpPr txBox="1"/>
+          <p:nvPr/>
+        </p:nvSpPr>
+        <p:spPr>
+          <a:xfrm>
+            <a:off x="5985061" y="5629832"/>
+            <a:ext cx="521074" cy="369332"/>
+          </a:xfrm>
+          <a:prstGeom prst="rect">
+            <a:avLst/>
+          </a:prstGeom>
+          <a:noFill/>
+        </p:spPr>
+        <p:txBody>
+          <a:bodyPr wrap="square" rtlCol="0">
+            <a:spAutoFit/>
+          </a:bodyPr>
+          <a:lstStyle/>
+          <a:p>
+            <a:r>
+              <a:rPr lang="en-US" dirty="0" smtClean="0"/>
+              <a:t>62</a:t>
+            </a:r>
+            <a:endParaRPr lang="en-US" dirty="0"/>
+          </a:p>
+        </p:txBody>
+      </p:sp>
+      <p:sp>
+        <p:nvSpPr>
+          <p:cNvPr id="89" name="TextBox 88"/>
+          <p:cNvSpPr txBox="1"/>
+          <p:nvPr/>
+        </p:nvSpPr>
+        <p:spPr>
+          <a:xfrm>
+            <a:off x="6937561" y="5644136"/>
+            <a:ext cx="437029" cy="369332"/>
+          </a:xfrm>
+          <a:prstGeom prst="rect">
+            <a:avLst/>
+          </a:prstGeom>
+          <a:noFill/>
+        </p:spPr>
+        <p:txBody>
+          <a:bodyPr wrap="square" rtlCol="0">
+            <a:spAutoFit/>
+          </a:bodyPr>
+          <a:lstStyle/>
+          <a:p>
+            <a:r>
+              <a:rPr lang="en-US" dirty="0" smtClean="0"/>
+              <a:t>63</a:t>
+            </a:r>
+            <a:endParaRPr lang="en-US" dirty="0"/>
+          </a:p>
+        </p:txBody>
+      </p:sp>
+      <p:sp>
+        <p:nvSpPr>
+          <p:cNvPr id="90" name="TextBox 89"/>
+          <p:cNvSpPr txBox="1"/>
+          <p:nvPr/>
+        </p:nvSpPr>
+        <p:spPr>
+          <a:xfrm>
+            <a:off x="7558366" y="5624426"/>
+            <a:ext cx="477372" cy="369332"/>
+          </a:xfrm>
+          <a:prstGeom prst="rect">
+            <a:avLst/>
+          </a:prstGeom>
+          <a:noFill/>
+        </p:spPr>
+        <p:txBody>
+          <a:bodyPr wrap="square" rtlCol="0">
+            <a:spAutoFit/>
+          </a:bodyPr>
+          <a:lstStyle/>
+          <a:p>
+            <a:r>
+              <a:rPr lang="en-US" dirty="0" smtClean="0"/>
+              <a:t>64</a:t>
+            </a:r>
+            <a:endParaRPr lang="en-US" dirty="0"/>
+          </a:p>
+        </p:txBody>
+      </p:sp>
+      <p:sp>
+        <p:nvSpPr>
+          <p:cNvPr id="91" name="Rectangle 90"/>
+          <p:cNvSpPr/>
+          <p:nvPr/>
+        </p:nvSpPr>
+        <p:spPr>
+          <a:xfrm>
+            <a:off x="3204882" y="4074424"/>
+            <a:ext cx="685800" cy="304800"/>
+          </a:xfrm>
+          <a:prstGeom prst="rect">
+            <a:avLst/>
+          </a:prstGeom>
+          <a:solidFill>
+            <a:schemeClr val="bg1"/>
+          </a:solidFill>
+          <a:ln>
+            <a:solidFill>
+              <a:schemeClr val="tx1"/>
+            </a:solidFill>
+          </a:ln>
+        </p:spPr>
+        <p:style>
+          <a:lnRef idx="2">
+            <a:schemeClr val="accent1">
+              <a:shade val="50000"/>
+            </a:schemeClr>
+          </a:lnRef>
+          <a:fillRef idx="1">
+            <a:schemeClr val="accent1"/>
+          </a:fillRef>
+          <a:effectRef idx="0">
+            <a:schemeClr val="accent1"/>
+          </a:effectRef>
+          <a:fontRef idx="minor">
+            <a:schemeClr val="lt1"/>
+          </a:fontRef>
+        </p:style>
+        <p:txBody>
+          <a:bodyPr rtlCol="0" anchor="ctr"/>
+          <a:lstStyle/>
+          <a:p>
+            <a:pPr algn="ctr"/>
+            <a:endParaRPr lang="en-US"/>
+          </a:p>
+        </p:txBody>
+      </p:sp>
+      <p:cxnSp>
+        <p:nvCxnSpPr>
+          <p:cNvPr id="92" name="Straight Connector 91"/>
+          <p:cNvCxnSpPr>
+            <a:stCxn id="91" idx="0"/>
+            <a:endCxn id="51" idx="2"/>
+          </p:cNvCxnSpPr>
+          <p:nvPr/>
+        </p:nvCxnSpPr>
+        <p:spPr>
+          <a:xfrm flipH="1" flipV="1">
+            <a:off x="2861982" y="2874043"/>
+            <a:ext cx="685800" cy="1200381"/>
+          </a:xfrm>
+          <a:prstGeom prst="line">
+            <a:avLst/>
+          </a:prstGeom>
+          <a:ln>
+            <a:solidFill>
+              <a:schemeClr val="tx1"/>
+            </a:solidFill>
+          </a:ln>
+        </p:spPr>
+        <p:style>
+          <a:lnRef idx="1">
+            <a:schemeClr val="accent1"/>
+          </a:lnRef>
+          <a:fillRef idx="0">
+            <a:schemeClr val="accent1"/>
+          </a:fillRef>
+          <a:effectRef idx="0">
+            <a:schemeClr val="accent1"/>
+          </a:effectRef>
+          <a:fontRef idx="minor">
+            <a:schemeClr val="tx1"/>
+          </a:fontRef>
+        </p:style>
+      </p:cxnSp>
+      <p:sp>
+        <p:nvSpPr>
+          <p:cNvPr id="93" name="TextBox 92"/>
+          <p:cNvSpPr txBox="1"/>
+          <p:nvPr/>
+        </p:nvSpPr>
+        <p:spPr>
+          <a:xfrm>
+            <a:off x="3319182" y="4046211"/>
+            <a:ext cx="457200" cy="369332"/>
+          </a:xfrm>
+          <a:prstGeom prst="rect">
+            <a:avLst/>
+          </a:prstGeom>
+          <a:noFill/>
+        </p:spPr>
+        <p:txBody>
+          <a:bodyPr wrap="square" rtlCol="0">
+            <a:spAutoFit/>
+          </a:bodyPr>
+          <a:lstStyle/>
+          <a:p>
+            <a:r>
+              <a:rPr lang="en-US" dirty="0" smtClean="0"/>
+              <a:t>s6</a:t>
+            </a:r>
+            <a:endParaRPr lang="en-US" dirty="0"/>
+          </a:p>
+        </p:txBody>
+      </p:sp>
+      <p:sp>
+        <p:nvSpPr>
+          <p:cNvPr id="94" name="TextBox 93"/>
+          <p:cNvSpPr txBox="1"/>
+          <p:nvPr/>
+        </p:nvSpPr>
+        <p:spPr>
+          <a:xfrm>
+            <a:off x="2433917" y="4019778"/>
+            <a:ext cx="524435" cy="369332"/>
+          </a:xfrm>
+          <a:prstGeom prst="rect">
+            <a:avLst/>
+          </a:prstGeom>
+          <a:noFill/>
+        </p:spPr>
+        <p:txBody>
+          <a:bodyPr wrap="square" rtlCol="0">
+            <a:spAutoFit/>
+          </a:bodyPr>
+          <a:lstStyle/>
+          <a:p>
+            <a:r>
+              <a:rPr lang="en-US" dirty="0" smtClean="0"/>
+              <a:t>…</a:t>
+            </a:r>
+            <a:endParaRPr lang="en-US" dirty="0"/>
+          </a:p>
+        </p:txBody>
+      </p:sp>
+      <p:sp>
+        <p:nvSpPr>
+          <p:cNvPr id="95" name="TextBox 94"/>
+          <p:cNvSpPr txBox="1"/>
+          <p:nvPr/>
+        </p:nvSpPr>
+        <p:spPr>
+          <a:xfrm>
+            <a:off x="5698191" y="4078019"/>
+            <a:ext cx="524435" cy="369332"/>
+          </a:xfrm>
+          <a:prstGeom prst="rect">
+            <a:avLst/>
+          </a:prstGeom>
+          <a:noFill/>
+        </p:spPr>
+        <p:txBody>
+          <a:bodyPr wrap="square" rtlCol="0">
+            <a:spAutoFit/>
+          </a:bodyPr>
+          <a:lstStyle/>
+          <a:p>
+            <a:r>
+              <a:rPr lang="en-US" dirty="0" smtClean="0"/>
+              <a:t>…</a:t>
+            </a:r>
+            <a:endParaRPr lang="en-US" dirty="0"/>
+          </a:p>
+        </p:txBody>
+      </p:sp>
+      <p:sp>
+        <p:nvSpPr>
+          <p:cNvPr id="96" name="TextBox 95"/>
+          <p:cNvSpPr txBox="1"/>
+          <p:nvPr/>
+        </p:nvSpPr>
+        <p:spPr>
+          <a:xfrm>
+            <a:off x="4038598" y="5544668"/>
+            <a:ext cx="506505" cy="369332"/>
+          </a:xfrm>
+          <a:prstGeom prst="rect">
+            <a:avLst/>
+          </a:prstGeom>
+          <a:noFill/>
+        </p:spPr>
+        <p:txBody>
+          <a:bodyPr wrap="square" rtlCol="0">
+            <a:spAutoFit/>
+          </a:bodyPr>
+          <a:lstStyle/>
+          <a:p>
+            <a:r>
+              <a:rPr lang="en-US" dirty="0" smtClean="0"/>
+              <a:t>…</a:t>
+            </a:r>
+            <a:endParaRPr lang="en-US" dirty="0"/>
+          </a:p>
+        </p:txBody>
+      </p:sp>
+    </p:spTree>
+    <p:extLst>
+      <p:ext uri="{BB962C8B-B14F-4D97-AF65-F5344CB8AC3E}">
+        <p14:creationId xmlns:p14="http://schemas.microsoft.com/office/powerpoint/2010/main" val="2620966913"/>
+      </p:ext>
+    </p:extLst>
+  </p:cSld>
+  <p:clrMapOvr>
+    <a:masterClrMapping/>
+  </p:clrMapOvr>
+</p:sld>
+</file>
+
+<file path=ppt/slides/slide18.xml><?xml version="1.0" encoding="utf-8"?>
+<p:sld xmlns:a="http://schemas.openxmlformats.org/drawingml/2006/main" xmlns:r="http://schemas.openxmlformats.org/officeDocument/2006/relationships" xmlns:p="http://schemas.openxmlformats.org/presentationml/2006/main">
+  <p:cSld>
+    <p:spTree>
+      <p:nvGrpSpPr>
+        <p:cNvPr id="1" name=""/>
+        <p:cNvGrpSpPr/>
+        <p:nvPr/>
+      </p:nvGrpSpPr>
+      <p:grpSpPr>
+        <a:xfrm>
+          <a:off x="0" y="0"/>
+          <a:ext cx="0" cy="0"/>
+          <a:chOff x="0" y="0"/>
+          <a:chExt cx="0" cy="0"/>
+        </a:xfrm>
+      </p:grpSpPr>
+      <p:sp>
+        <p:nvSpPr>
+          <p:cNvPr id="2" name="Title 1"/>
+          <p:cNvSpPr txBox="1">
+            <a:spLocks/>
+          </p:cNvSpPr>
+          <p:nvPr/>
+        </p:nvSpPr>
+        <p:spPr>
+          <a:xfrm>
+            <a:off x="457200" y="152400"/>
+            <a:ext cx="6172200" cy="1371600"/>
+          </a:xfrm>
+          <a:prstGeom prst="rect">
+            <a:avLst/>
+          </a:prstGeom>
+        </p:spPr>
+        <p:txBody>
+          <a:bodyPr/>
+          <a:lstStyle>
+            <a:lvl1pPr algn="l" defTabSz="914400" rtl="0" eaLnBrk="1" latinLnBrk="0" hangingPunct="1">
+              <a:spcBef>
+                <a:spcPct val="0"/>
+              </a:spcBef>
+              <a:buNone/>
+              <a:defRPr sz="3600" kern="1200" cap="all" spc="-60" baseline="0">
+                <a:solidFill>
+                  <a:schemeClr val="tx2"/>
+                </a:solidFill>
+                <a:latin typeface="+mj-lt"/>
+                <a:ea typeface="+mj-ea"/>
+                <a:cs typeface="+mj-cs"/>
+              </a:defRPr>
+            </a:lvl1pPr>
+          </a:lstStyle>
+          <a:p>
+            <a:r>
+              <a:rPr lang="en-US" dirty="0" smtClean="0"/>
+              <a:t>Evaluation – scenario 3</a:t>
+            </a:r>
+            <a:endParaRPr lang="en-US" dirty="0"/>
+          </a:p>
+        </p:txBody>
+      </p:sp>
+      <p:pic>
+        <p:nvPicPr>
+          <p:cNvPr id="3" name="Picture 2"/>
+          <p:cNvPicPr>
+            <a:picLocks noChangeAspect="1"/>
+          </p:cNvPicPr>
+          <p:nvPr/>
+        </p:nvPicPr>
+        <p:blipFill>
+          <a:blip r:embed="rId2">
+            <a:extLst>
+              <a:ext uri="{28A0092B-C50C-407E-A947-70E740481C1C}">
+                <a14:useLocalDpi xmlns:a14="http://schemas.microsoft.com/office/drawing/2010/main" val="0"/>
+              </a:ext>
+            </a:extLst>
+          </a:blip>
+          <a:stretch>
+            <a:fillRect/>
+          </a:stretch>
+        </p:blipFill>
+        <p:spPr>
+          <a:xfrm>
+            <a:off x="152400" y="990600"/>
+            <a:ext cx="8763000" cy="5466095"/>
+          </a:xfrm>
+          <a:prstGeom prst="rect">
+            <a:avLst/>
+          </a:prstGeom>
+        </p:spPr>
+      </p:pic>
+    </p:spTree>
+    <p:extLst>
+      <p:ext uri="{BB962C8B-B14F-4D97-AF65-F5344CB8AC3E}">
+        <p14:creationId xmlns:p14="http://schemas.microsoft.com/office/powerpoint/2010/main" val="3625526592"/>
+      </p:ext>
+    </p:extLst>
+  </p:cSld>
+  <p:clrMapOvr>
+    <a:masterClrMapping/>
+  </p:clrMapOvr>
+</p:sld>
+</file>
+
+<file path=ppt/slides/slide19.xml><?xml version="1.0" encoding="utf-8"?>
+<p:sld xmlns:a="http://schemas.openxmlformats.org/drawingml/2006/main" xmlns:r="http://schemas.openxmlformats.org/officeDocument/2006/relationships" xmlns:p="http://schemas.openxmlformats.org/presentationml/2006/main">
+  <p:cSld>
+    <p:spTree>
+      <p:nvGrpSpPr>
+        <p:cNvPr id="1" name=""/>
+        <p:cNvGrpSpPr/>
+        <p:nvPr/>
+      </p:nvGrpSpPr>
+      <p:grpSpPr>
+        <a:xfrm>
+          <a:off x="0" y="0"/>
+          <a:ext cx="0" cy="0"/>
+          <a:chOff x="0" y="0"/>
+          <a:chExt cx="0" cy="0"/>
+        </a:xfrm>
+      </p:grpSpPr>
+      <p:sp>
+        <p:nvSpPr>
+          <p:cNvPr id="2" name="Title 1"/>
           <p:cNvSpPr>
             <a:spLocks noGrp="1"/>
           </p:cNvSpPr>
@@ -9061,31 +14620,22 @@
             <p:ph type="title"/>
           </p:nvPr>
         </p:nvSpPr>
-        <p:spPr>
-          <a:xfrm>
-            <a:off x="1828800" y="4267200"/>
-            <a:ext cx="5791200" cy="1371600"/>
-          </a:xfrm>
-        </p:spPr>
+        <p:spPr/>
         <p:txBody>
           <a:bodyPr/>
           <a:lstStyle/>
           <a:p>
-            <a:pPr algn="ctr"/>
             <a:r>
               <a:rPr lang="en-US" dirty="0" smtClean="0"/>
-              <a:t>Thank you</a:t>
-            </a:r>
-            <a:br>
-              <a:rPr lang="en-US" dirty="0" smtClean="0"/>
-            </a:br>
+              <a:t>Evaluation - Tools</a:t>
+            </a:r>
             <a:endParaRPr lang="en-US" dirty="0"/>
           </a:p>
         </p:txBody>
       </p:sp>
       <p:sp>
         <p:nvSpPr>
-          <p:cNvPr id="5" name="Content Placeholder 2"/>
+          <p:cNvPr id="3" name="Content Placeholder 2"/>
           <p:cNvSpPr>
             <a:spLocks noGrp="1"/>
           </p:cNvSpPr>
@@ -9093,51 +14643,44 @@
             <p:ph idx="1"/>
           </p:nvPr>
         </p:nvSpPr>
-        <p:spPr>
-          <a:xfrm>
-            <a:off x="990600" y="1676400"/>
-            <a:ext cx="7620000" cy="4373563"/>
-          </a:xfrm>
-        </p:spPr>
+        <p:spPr/>
         <p:txBody>
           <a:bodyPr/>
           <a:lstStyle/>
           <a:p>
-            <a:pPr algn="ctr"/>
-            <a:endParaRPr lang="en-US" dirty="0" smtClean="0"/>
-          </a:p>
-          <a:p>
-            <a:pPr algn="ctr"/>
-            <a:endParaRPr lang="en-US" dirty="0" smtClean="0"/>
-          </a:p>
-          <a:p>
-            <a:pPr algn="ctr"/>
+            <a:pPr marL="342900" indent="-342900">
+              <a:buFont typeface="Arial" pitchFamily="34" charset="0"/>
+              <a:buChar char="•"/>
+            </a:pPr>
+            <a:r>
+              <a:rPr lang="en-US" dirty="0" smtClean="0"/>
+              <a:t>Used </a:t>
+            </a:r>
             <a:r>
               <a:rPr lang="en-US" dirty="0" err="1" smtClean="0"/>
-              <a:t>GitHub</a:t>
+              <a:t>mininet</a:t>
             </a:r>
             <a:r>
               <a:rPr lang="en-US" dirty="0" smtClean="0"/>
-              <a:t> Repository </a:t>
-            </a:r>
-          </a:p>
-          <a:p>
-            <a:pPr algn="ctr"/>
-            <a:r>
-              <a:rPr lang="en-US" dirty="0">
-                <a:hlinkClick r:id="rId3"/>
-              </a:rPr>
-              <a:t>https://</a:t>
-            </a:r>
-            <a:r>
-              <a:rPr lang="en-US" dirty="0" smtClean="0">
-                <a:hlinkClick r:id="rId3"/>
-              </a:rPr>
-              <a:t>github.com/bornogit/Floodlight-AD</a:t>
-            </a:r>
+              <a:t> to create topologies using Python</a:t>
+            </a:r>
+          </a:p>
+          <a:p>
+            <a:pPr marL="342900" indent="-342900">
+              <a:buFont typeface="Arial" pitchFamily="34" charset="0"/>
+              <a:buChar char="•"/>
+            </a:pPr>
             <a:r>
               <a:rPr lang="en-US" dirty="0" smtClean="0"/>
-              <a:t> </a:t>
+              <a:t>Used </a:t>
+            </a:r>
+            <a:r>
+              <a:rPr lang="en-US" dirty="0" err="1" smtClean="0"/>
+              <a:t>iperf</a:t>
+            </a:r>
+            <a:r>
+              <a:rPr lang="en-US" dirty="0" smtClean="0"/>
+              <a:t> to generate traffic between the nodes</a:t>
             </a:r>
             <a:endParaRPr lang="en-US" dirty="0"/>
           </a:p>
@@ -9146,7 +14689,7 @@
     </p:spTree>
     <p:extLst>
       <p:ext uri="{BB962C8B-B14F-4D97-AF65-F5344CB8AC3E}">
-        <p14:creationId xmlns:p14="http://schemas.microsoft.com/office/powerpoint/2010/main" val="3312365498"/>
+        <p14:creationId xmlns:p14="http://schemas.microsoft.com/office/powerpoint/2010/main" val="111744272"/>
       </p:ext>
     </p:extLst>
   </p:cSld>
@@ -9385,6 +14928,401 @@
 </p:sld>
 </file>
 
+<file path=ppt/slides/slide20.xml><?xml version="1.0" encoding="utf-8"?>
+<p:sld xmlns:a="http://schemas.openxmlformats.org/drawingml/2006/main" xmlns:r="http://schemas.openxmlformats.org/officeDocument/2006/relationships" xmlns:p="http://schemas.openxmlformats.org/presentationml/2006/main">
+  <p:cSld>
+    <p:spTree>
+      <p:nvGrpSpPr>
+        <p:cNvPr id="1" name=""/>
+        <p:cNvGrpSpPr/>
+        <p:nvPr/>
+      </p:nvGrpSpPr>
+      <p:grpSpPr>
+        <a:xfrm>
+          <a:off x="0" y="0"/>
+          <a:ext cx="0" cy="0"/>
+          <a:chOff x="0" y="0"/>
+          <a:chExt cx="0" cy="0"/>
+        </a:xfrm>
+      </p:grpSpPr>
+      <p:sp>
+        <p:nvSpPr>
+          <p:cNvPr id="2" name="Title 1"/>
+          <p:cNvSpPr>
+            <a:spLocks noGrp="1"/>
+          </p:cNvSpPr>
+          <p:nvPr>
+            <p:ph type="title"/>
+          </p:nvPr>
+        </p:nvSpPr>
+        <p:spPr/>
+        <p:txBody>
+          <a:bodyPr/>
+          <a:lstStyle/>
+          <a:p>
+            <a:r>
+              <a:rPr lang="en-US" dirty="0"/>
+              <a:t>Current Status</a:t>
+            </a:r>
+          </a:p>
+        </p:txBody>
+      </p:sp>
+      <p:sp>
+        <p:nvSpPr>
+          <p:cNvPr id="3" name="Content Placeholder 2"/>
+          <p:cNvSpPr>
+            <a:spLocks noGrp="1"/>
+          </p:cNvSpPr>
+          <p:nvPr>
+            <p:ph idx="1"/>
+          </p:nvPr>
+        </p:nvSpPr>
+        <p:spPr/>
+        <p:txBody>
+          <a:bodyPr/>
+          <a:lstStyle/>
+          <a:p>
+            <a:pPr marL="342900" indent="-342900">
+              <a:buFont typeface="Arial" pitchFamily="34" charset="0"/>
+              <a:buChar char="•"/>
+            </a:pPr>
+            <a:r>
+              <a:rPr lang="en-US" dirty="0" smtClean="0"/>
+              <a:t>Current Implementation Is Based on The Laid-Back approach</a:t>
+            </a:r>
+          </a:p>
+          <a:p>
+            <a:pPr marL="342900" indent="-342900">
+              <a:buFont typeface="Arial" pitchFamily="34" charset="0"/>
+              <a:buChar char="•"/>
+            </a:pPr>
+            <a:r>
+              <a:rPr lang="en-US" dirty="0" smtClean="0"/>
+              <a:t>It can detect anomalies based on signature or based on unusual traffic pattern </a:t>
+            </a:r>
+          </a:p>
+          <a:p>
+            <a:pPr marL="342900" indent="-342900">
+              <a:buFont typeface="Arial" pitchFamily="34" charset="0"/>
+              <a:buChar char="•"/>
+            </a:pPr>
+            <a:r>
+              <a:rPr lang="en-US" dirty="0" smtClean="0"/>
+              <a:t>Generate meaningful concise report of traffic for a given period</a:t>
+            </a:r>
+          </a:p>
+          <a:p>
+            <a:pPr marL="342900" indent="-342900">
+              <a:buFont typeface="Arial" pitchFamily="34" charset="0"/>
+              <a:buChar char="•"/>
+            </a:pPr>
+            <a:r>
+              <a:rPr lang="en-US" dirty="0" smtClean="0"/>
+              <a:t>Can work with multiple switches</a:t>
+            </a:r>
+          </a:p>
+          <a:p>
+            <a:endParaRPr lang="en-US" dirty="0"/>
+          </a:p>
+        </p:txBody>
+      </p:sp>
+    </p:spTree>
+    <p:extLst>
+      <p:ext uri="{BB962C8B-B14F-4D97-AF65-F5344CB8AC3E}">
+        <p14:creationId xmlns:p14="http://schemas.microsoft.com/office/powerpoint/2010/main" val="2265536497"/>
+      </p:ext>
+    </p:extLst>
+  </p:cSld>
+  <p:clrMapOvr>
+    <a:masterClrMapping/>
+  </p:clrMapOvr>
+  <p:timing>
+    <p:tnLst>
+      <p:par>
+        <p:cTn id="1" dur="indefinite" restart="never" nodeType="tmRoot"/>
+      </p:par>
+    </p:tnLst>
+  </p:timing>
+</p:sld>
+</file>
+
+<file path=ppt/slides/slide21.xml><?xml version="1.0" encoding="utf-8"?>
+<p:sld xmlns:a="http://schemas.openxmlformats.org/drawingml/2006/main" xmlns:r="http://schemas.openxmlformats.org/officeDocument/2006/relationships" xmlns:p="http://schemas.openxmlformats.org/presentationml/2006/main">
+  <p:cSld>
+    <p:spTree>
+      <p:nvGrpSpPr>
+        <p:cNvPr id="1" name=""/>
+        <p:cNvGrpSpPr/>
+        <p:nvPr/>
+      </p:nvGrpSpPr>
+      <p:grpSpPr>
+        <a:xfrm>
+          <a:off x="0" y="0"/>
+          <a:ext cx="0" cy="0"/>
+          <a:chOff x="0" y="0"/>
+          <a:chExt cx="0" cy="0"/>
+        </a:xfrm>
+      </p:grpSpPr>
+      <p:sp>
+        <p:nvSpPr>
+          <p:cNvPr id="2" name="Title 1"/>
+          <p:cNvSpPr>
+            <a:spLocks noGrp="1"/>
+          </p:cNvSpPr>
+          <p:nvPr>
+            <p:ph type="title"/>
+          </p:nvPr>
+        </p:nvSpPr>
+        <p:spPr/>
+        <p:txBody>
+          <a:bodyPr/>
+          <a:lstStyle/>
+          <a:p>
+            <a:r>
+              <a:rPr lang="en-US" dirty="0"/>
+              <a:t>Future work</a:t>
+            </a:r>
+          </a:p>
+        </p:txBody>
+      </p:sp>
+      <p:sp>
+        <p:nvSpPr>
+          <p:cNvPr id="3" name="Content Placeholder 2"/>
+          <p:cNvSpPr>
+            <a:spLocks noGrp="1"/>
+          </p:cNvSpPr>
+          <p:nvPr>
+            <p:ph idx="1"/>
+          </p:nvPr>
+        </p:nvSpPr>
+        <p:spPr/>
+        <p:txBody>
+          <a:bodyPr/>
+          <a:lstStyle/>
+          <a:p>
+            <a:pPr marL="342900" indent="-342900">
+              <a:buFont typeface="Arial" pitchFamily="34" charset="0"/>
+              <a:buChar char="•"/>
+            </a:pPr>
+            <a:r>
+              <a:rPr lang="en-US" dirty="0"/>
+              <a:t>To do stress testing on the developed module</a:t>
+            </a:r>
+          </a:p>
+          <a:p>
+            <a:pPr marL="342900" indent="-342900">
+              <a:buFont typeface="Arial" pitchFamily="34" charset="0"/>
+              <a:buChar char="•"/>
+            </a:pPr>
+            <a:r>
+              <a:rPr lang="en-US" dirty="0"/>
+              <a:t>Test </a:t>
+            </a:r>
+            <a:r>
+              <a:rPr lang="en-US" dirty="0" smtClean="0"/>
+              <a:t>the </a:t>
+            </a:r>
+            <a:r>
+              <a:rPr lang="en-US" dirty="0"/>
+              <a:t>ability to detect anomalies </a:t>
+            </a:r>
+            <a:r>
+              <a:rPr lang="en-US" dirty="0" smtClean="0"/>
+              <a:t>in a realistic network</a:t>
+            </a:r>
+          </a:p>
+          <a:p>
+            <a:pPr marL="342900" indent="-342900">
+              <a:buFont typeface="Arial" pitchFamily="34" charset="0"/>
+              <a:buChar char="•"/>
+            </a:pPr>
+            <a:r>
+              <a:rPr lang="en-US" dirty="0" smtClean="0"/>
+              <a:t>Current implementation lacks cleanup. We will need to profile the module and integrate clean up logic accordingly</a:t>
+            </a:r>
+          </a:p>
+          <a:p>
+            <a:pPr marL="342900" indent="-342900">
+              <a:buFont typeface="Arial" pitchFamily="34" charset="0"/>
+              <a:buChar char="•"/>
+            </a:pPr>
+            <a:r>
+              <a:rPr lang="en-US" dirty="0" smtClean="0"/>
+              <a:t>Multiple switches essentially generates multiple reports. It would be nice to combine all these reports to a single piece to speak for the entire network</a:t>
+            </a:r>
+          </a:p>
+          <a:p>
+            <a:pPr marL="342900" indent="-342900">
+              <a:buFont typeface="Arial" pitchFamily="34" charset="0"/>
+              <a:buChar char="•"/>
+            </a:pPr>
+            <a:r>
+              <a:rPr lang="en-US" dirty="0" smtClean="0"/>
+              <a:t>A combination of Laid back + Aggressive Approach</a:t>
+            </a:r>
+          </a:p>
+          <a:p>
+            <a:pPr marL="342900" indent="-342900">
+              <a:buFont typeface="Arial" pitchFamily="34" charset="0"/>
+              <a:buChar char="•"/>
+            </a:pPr>
+            <a:r>
+              <a:rPr lang="en-US" dirty="0" smtClean="0"/>
+              <a:t>Add a user interface (or simply text based configuration) to add / delete clusters</a:t>
+            </a:r>
+            <a:endParaRPr lang="en-US" dirty="0"/>
+          </a:p>
+        </p:txBody>
+      </p:sp>
+    </p:spTree>
+    <p:extLst>
+      <p:ext uri="{BB962C8B-B14F-4D97-AF65-F5344CB8AC3E}">
+        <p14:creationId xmlns:p14="http://schemas.microsoft.com/office/powerpoint/2010/main" val="1994318917"/>
+      </p:ext>
+    </p:extLst>
+  </p:cSld>
+  <p:clrMapOvr>
+    <a:masterClrMapping/>
+  </p:clrMapOvr>
+  <p:timing>
+    <p:tnLst>
+      <p:par>
+        <p:cTn id="1" dur="indefinite" restart="never" nodeType="tmRoot"/>
+      </p:par>
+    </p:tnLst>
+  </p:timing>
+</p:sld>
+</file>
+
+<file path=ppt/slides/slide22.xml><?xml version="1.0" encoding="utf-8"?>
+<p:sld xmlns:a="http://schemas.openxmlformats.org/drawingml/2006/main" xmlns:r="http://schemas.openxmlformats.org/officeDocument/2006/relationships" xmlns:p="http://schemas.openxmlformats.org/presentationml/2006/main">
+  <p:cSld>
+    <p:spTree>
+      <p:nvGrpSpPr>
+        <p:cNvPr id="1" name=""/>
+        <p:cNvGrpSpPr/>
+        <p:nvPr/>
+      </p:nvGrpSpPr>
+      <p:grpSpPr>
+        <a:xfrm>
+          <a:off x="0" y="0"/>
+          <a:ext cx="0" cy="0"/>
+          <a:chOff x="0" y="0"/>
+          <a:chExt cx="0" cy="0"/>
+        </a:xfrm>
+      </p:grpSpPr>
+      <p:sp>
+        <p:nvSpPr>
+          <p:cNvPr id="2" name="Title 1"/>
+          <p:cNvSpPr>
+            <a:spLocks noGrp="1"/>
+          </p:cNvSpPr>
+          <p:nvPr>
+            <p:ph type="title"/>
+          </p:nvPr>
+        </p:nvSpPr>
+        <p:spPr>
+          <a:xfrm>
+            <a:off x="1828800" y="4267200"/>
+            <a:ext cx="5791200" cy="1371600"/>
+          </a:xfrm>
+        </p:spPr>
+        <p:txBody>
+          <a:bodyPr/>
+          <a:lstStyle/>
+          <a:p>
+            <a:pPr algn="ctr"/>
+            <a:r>
+              <a:rPr lang="en-US" dirty="0" smtClean="0"/>
+              <a:t>Thank you</a:t>
+            </a:r>
+            <a:br>
+              <a:rPr lang="en-US" dirty="0" smtClean="0"/>
+            </a:br>
+            <a:endParaRPr lang="en-US" dirty="0"/>
+          </a:p>
+        </p:txBody>
+      </p:sp>
+      <p:sp>
+        <p:nvSpPr>
+          <p:cNvPr id="5" name="Content Placeholder 2"/>
+          <p:cNvSpPr>
+            <a:spLocks noGrp="1"/>
+          </p:cNvSpPr>
+          <p:nvPr>
+            <p:ph idx="1"/>
+          </p:nvPr>
+        </p:nvSpPr>
+        <p:spPr>
+          <a:xfrm>
+            <a:off x="990600" y="1676400"/>
+            <a:ext cx="7620000" cy="4373563"/>
+          </a:xfrm>
+        </p:spPr>
+        <p:txBody>
+          <a:bodyPr/>
+          <a:lstStyle/>
+          <a:p>
+            <a:pPr algn="ctr"/>
+            <a:endParaRPr lang="en-US" dirty="0" smtClean="0"/>
+          </a:p>
+          <a:p>
+            <a:pPr algn="ctr"/>
+            <a:endParaRPr lang="en-US" dirty="0" smtClean="0"/>
+          </a:p>
+          <a:p>
+            <a:pPr algn="ctr"/>
+            <a:r>
+              <a:rPr lang="en-US" dirty="0" err="1" smtClean="0"/>
+              <a:t>GitHub</a:t>
+            </a:r>
+            <a:r>
+              <a:rPr lang="en-US" dirty="0" smtClean="0"/>
+              <a:t> Repository </a:t>
+            </a:r>
+          </a:p>
+          <a:p>
+            <a:pPr algn="ctr"/>
+            <a:r>
+              <a:rPr lang="en-US" dirty="0">
+                <a:hlinkClick r:id="rId3"/>
+              </a:rPr>
+              <a:t>https://</a:t>
+            </a:r>
+            <a:r>
+              <a:rPr lang="en-US" dirty="0" smtClean="0">
+                <a:hlinkClick r:id="rId3"/>
+              </a:rPr>
+              <a:t>github.com/bornogit/Floodlight-AD</a:t>
+            </a:r>
+            <a:r>
+              <a:rPr lang="en-US" dirty="0" smtClean="0"/>
+              <a:t> </a:t>
+            </a:r>
+            <a:endParaRPr lang="en-US" dirty="0"/>
+          </a:p>
+        </p:txBody>
+      </p:sp>
+    </p:spTree>
+    <p:extLst>
+      <p:ext uri="{BB962C8B-B14F-4D97-AF65-F5344CB8AC3E}">
+        <p14:creationId xmlns:p14="http://schemas.microsoft.com/office/powerpoint/2010/main" val="3312365498"/>
+      </p:ext>
+    </p:extLst>
+  </p:cSld>
+  <p:clrMapOvr>
+    <a:masterClrMapping/>
+  </p:clrMapOvr>
+  <p:timing>
+    <p:tnLst>
+      <p:par>
+        <p:cTn id="1" dur="indefinite" restart="never" nodeType="tmRoot"/>
+      </p:par>
+    </p:tnLst>
+  </p:timing>
+</p:sld>
+</file>
+
 <file path=ppt/slides/slide3.xml><?xml version="1.0" encoding="utf-8"?>
 <p:sld xmlns:a="http://schemas.openxmlformats.org/drawingml/2006/main" xmlns:r="http://schemas.openxmlformats.org/officeDocument/2006/relationships" xmlns:p="http://schemas.openxmlformats.org/presentationml/2006/main">
   <p:cSld>
@@ -9448,49 +15386,62 @@
           </a:bodyPr>
           <a:lstStyle/>
           <a:p>
+            <a:pPr marL="342900" indent="-342900">
+              <a:buFont typeface="Arial" pitchFamily="34" charset="0"/>
+              <a:buChar char="•"/>
+            </a:pPr>
             <a:r>
               <a:rPr lang="en-US" dirty="0"/>
-              <a:t>Network Management and Administration is a hard task (SDN</a:t>
-            </a:r>
-          </a:p>
-          <a:p>
+              <a:t>Network Management and Administration is a hard task (</a:t>
+            </a:r>
+            <a:r>
+              <a:rPr lang="en-US" dirty="0" smtClean="0"/>
+              <a:t>SDN has </a:t>
+            </a:r>
             <a:r>
               <a:rPr lang="en-US" dirty="0"/>
-              <a:t>has made life easier)</a:t>
-            </a:r>
-          </a:p>
-          <a:p>
+              <a:t>made life easier</a:t>
+            </a:r>
+            <a:r>
+              <a:rPr lang="en-US" dirty="0" smtClean="0"/>
+              <a:t>)</a:t>
+            </a:r>
+            <a:endParaRPr lang="en-US" dirty="0"/>
+          </a:p>
+          <a:p>
+            <a:pPr marL="342900" indent="-342900">
+              <a:buFont typeface="Arial" pitchFamily="34" charset="0"/>
+              <a:buChar char="•"/>
+            </a:pPr>
             <a:r>
               <a:rPr lang="en-US" dirty="0"/>
               <a:t>The Internet consists of various kinds of </a:t>
             </a:r>
             <a:r>
-              <a:rPr lang="en-US" dirty="0" err="1"/>
-              <a:t>trac</a:t>
+              <a:rPr lang="en-US" dirty="0" smtClean="0"/>
+              <a:t>traffic today (streaming </a:t>
             </a:r>
             <a:r>
               <a:rPr lang="en-US" dirty="0"/>
-              <a:t> today</a:t>
-            </a:r>
-          </a:p>
-          <a:p>
-            <a:r>
-              <a:rPr lang="en-US" dirty="0"/>
-              <a:t>(streaming media, CDNs, peer-to-peer applications...)</a:t>
-            </a:r>
-          </a:p>
-          <a:p>
+              <a:t>media, CDNs, peer-to-peer applications...)</a:t>
+            </a:r>
+          </a:p>
+          <a:p>
+            <a:pPr marL="342900" indent="-342900">
+              <a:buFont typeface="Arial" pitchFamily="34" charset="0"/>
+              <a:buChar char="•"/>
+            </a:pPr>
             <a:r>
               <a:rPr lang="en-US" dirty="0"/>
               <a:t>Open to </a:t>
             </a:r>
             <a:r>
-              <a:rPr lang="en-US" dirty="0" err="1"/>
-              <a:t>dierent</a:t>
+              <a:rPr lang="en-US" dirty="0" smtClean="0"/>
+              <a:t>different </a:t>
             </a:r>
             <a:r>
               <a:rPr lang="en-US" dirty="0"/>
-              <a:t> types of attacks (</a:t>
+              <a:t>types of attacks (</a:t>
             </a:r>
             <a:r>
               <a:rPr lang="en-US" dirty="0" err="1"/>
@@ -9498,13 +15449,15 @@
             </a:r>
             <a:r>
               <a:rPr lang="en-US" dirty="0"/>
-              <a:t>, network worms,</a:t>
-            </a:r>
-          </a:p>
-          <a:p>
+              <a:t>, network </a:t>
+            </a:r>
+            <a:r>
+              <a:rPr lang="en-US" dirty="0" smtClean="0"/>
+              <a:t>worms, attacks </a:t>
+            </a:r>
             <a:r>
               <a:rPr lang="en-US" dirty="0"/>
-              <a:t>attacks directing compute/bandwidth resources)</a:t>
+              <a:t>directing compute/bandwidth resources)</a:t>
             </a:r>
           </a:p>
         </p:txBody>
@@ -9585,20 +15538,28 @@
           </a:bodyPr>
           <a:lstStyle/>
           <a:p>
+            <a:pPr marL="342900" indent="-342900">
+              <a:buFont typeface="Arial" pitchFamily="34" charset="0"/>
+              <a:buChar char="•"/>
+            </a:pPr>
             <a:r>
               <a:rPr lang="en-US" dirty="0"/>
               <a:t>Most of the existing work is an </a:t>
             </a:r>
             <a:r>
-              <a:rPr lang="en-US" dirty="0" err="1"/>
-              <a:t>oine</a:t>
+              <a:rPr lang="en-US" dirty="0" smtClean="0"/>
+              <a:t>online </a:t>
             </a:r>
             <a:r>
               <a:rPr lang="en-US" dirty="0"/>
-              <a:t> approach</a:t>
-            </a:r>
-          </a:p>
-          <a:p>
+              <a:t>approach</a:t>
+            </a:r>
+          </a:p>
+          <a:p>
+            <a:pPr marL="342900" indent="-342900">
+              <a:buFont typeface="Arial" pitchFamily="34" charset="0"/>
+              <a:buChar char="•"/>
+            </a:pPr>
             <a:r>
               <a:rPr lang="en-US" dirty="0"/>
               <a:t>Our work is based on the approach by </a:t>
@@ -9613,19 +15574,29 @@
             </a:r>
           </a:p>
           <a:p>
+            <a:pPr marL="342900" indent="-342900">
+              <a:buFont typeface="Arial" pitchFamily="34" charset="0"/>
+              <a:buChar char="•"/>
+            </a:pPr>
             <a:r>
               <a:rPr lang="en-US" dirty="0"/>
-              <a:t>There exists several popular monitoring tools such as</a:t>
-            </a:r>
-          </a:p>
-          <a:p>
-            <a:r>
-              <a:rPr lang="en-US" dirty="0" err="1"/>
+              <a:t>There exists several popular monitoring tools such </a:t>
+            </a:r>
+            <a:r>
+              <a:rPr lang="en-US" dirty="0" smtClean="0"/>
+              <a:t>as </a:t>
+            </a:r>
+            <a:r>
+              <a:rPr lang="en-US" dirty="0" err="1" smtClean="0"/>
               <a:t>FlowScan</a:t>
             </a:r>
             <a:r>
+              <a:rPr lang="en-US" dirty="0" smtClean="0"/>
+              <a:t> </a:t>
+            </a:r>
+            <a:r>
               <a:rPr lang="en-US" dirty="0"/>
-              <a:t> and Cisco's </a:t>
+              <a:t>and Cisco's </a:t>
             </a:r>
             <a:r>
               <a:rPr lang="en-US" dirty="0" err="1"/>
@@ -9633,17 +15604,23 @@
             </a:r>
             <a:r>
               <a:rPr lang="en-US" dirty="0"/>
-              <a:t>: Excessive detail and</a:t>
-            </a:r>
-          </a:p>
-          <a:p>
-            <a:r>
-              <a:rPr lang="en-US" dirty="0" err="1"/>
+              <a:t>: Excessive detail </a:t>
+            </a:r>
+            <a:r>
+              <a:rPr lang="en-US" dirty="0" smtClean="0"/>
+              <a:t>and </a:t>
+            </a:r>
+            <a:r>
+              <a:rPr lang="en-US" dirty="0" err="1" smtClean="0"/>
               <a:t>insucient</a:t>
             </a:r>
             <a:r>
+              <a:rPr lang="en-US" dirty="0" smtClean="0"/>
+              <a:t> </a:t>
+            </a:r>
+            <a:r>
               <a:rPr lang="en-US" dirty="0"/>
-              <a:t> dimensionality</a:t>
+              <a:t>dimensionality</a:t>
             </a:r>
           </a:p>
         </p:txBody>
@@ -9765,8 +15742,13 @@
             <a:pPr marL="800100" lvl="1" indent="-342900"/>
             <a:r>
               <a:rPr lang="en-US" dirty="0" smtClean="0"/>
-              <a:t>Support Multiple Switch </a:t>
-            </a:r>
+              <a:t>Support Multiple </a:t>
+            </a:r>
+            <a:r>
+              <a:rPr lang="en-US" dirty="0" smtClean="0"/>
+              <a:t>Switches </a:t>
+            </a:r>
+            <a:endParaRPr lang="en-US" dirty="0" smtClean="0"/>
           </a:p>
           <a:p>
             <a:pPr marL="800100" lvl="1" indent="-342900"/>
@@ -9783,11 +15765,10 @@
             </a:r>
           </a:p>
           <a:p>
-            <a:pPr marL="800100" lvl="1" indent="-342900"/>
-            <a:r>
-              <a:rPr lang="en-US" dirty="0" smtClean="0"/>
-              <a:t>Must not drop any traffic</a:t>
-            </a:r>
+            <a:pPr lvl="1" indent="0">
+              <a:buNone/>
+            </a:pPr>
+            <a:endParaRPr lang="en-US" dirty="0" smtClean="0"/>
           </a:p>
         </p:txBody>
       </p:sp>
@@ -10209,7 +16190,7 @@
         <p:spPr/>
         <p:txBody>
           <a:bodyPr>
-            <a:normAutofit fontScale="55000" lnSpcReduction="20000"/>
+            <a:noAutofit/>
           </a:bodyPr>
           <a:lstStyle/>
           <a:p>
@@ -10218,86 +16199,86 @@
               <a:buChar char="•"/>
             </a:pPr>
             <a:r>
-              <a:rPr lang="en-US" dirty="0"/>
+              <a:rPr lang="en-US" sz="1100" dirty="0"/>
               <a:t>Basic Idea</a:t>
             </a:r>
           </a:p>
           <a:p>
             <a:pPr marL="800100" lvl="1" indent="-342900"/>
             <a:r>
-              <a:rPr lang="en-US" dirty="0" smtClean="0"/>
+              <a:rPr lang="en-US" sz="1100" dirty="0" smtClean="0"/>
               <a:t>Get anomaly signatures  as an input </a:t>
             </a:r>
           </a:p>
           <a:p>
             <a:pPr marL="800100" lvl="1" indent="-342900"/>
             <a:r>
-              <a:rPr lang="en-US" dirty="0" smtClean="0"/>
+              <a:rPr lang="en-US" sz="1100" dirty="0" smtClean="0"/>
               <a:t>Create cluster for each of these signatures </a:t>
             </a:r>
           </a:p>
           <a:p>
             <a:pPr marL="800100" lvl="1" indent="-342900"/>
             <a:r>
-              <a:rPr lang="en-US" dirty="0" smtClean="0"/>
+              <a:rPr lang="en-US" sz="1100" dirty="0" smtClean="0"/>
               <a:t>Also create some base clusters (e.g. from source 10.0.0.0/16 to Any </a:t>
             </a:r>
             <a:r>
-              <a:rPr lang="en-US" dirty="0" err="1" smtClean="0"/>
+              <a:rPr lang="en-US" sz="1100" dirty="0" err="1" smtClean="0"/>
               <a:t>Dest</a:t>
             </a:r>
             <a:r>
-              <a:rPr lang="en-US" dirty="0" smtClean="0"/>
+              <a:rPr lang="en-US" sz="1100" dirty="0" smtClean="0"/>
               <a:t> on Port 80, etc</a:t>
             </a:r>
             <a:r>
-              <a:rPr lang="en-US" dirty="0"/>
+              <a:rPr lang="en-US" sz="1100" dirty="0"/>
               <a:t>.</a:t>
             </a:r>
             <a:r>
-              <a:rPr lang="en-US" dirty="0" smtClean="0"/>
+              <a:rPr lang="en-US" sz="1100" dirty="0" smtClean="0"/>
               <a:t>)</a:t>
             </a:r>
           </a:p>
           <a:p>
             <a:pPr marL="800100" lvl="1" indent="-342900"/>
             <a:r>
-              <a:rPr lang="en-US" dirty="0" smtClean="0"/>
+              <a:rPr lang="en-US" sz="1100" dirty="0" smtClean="0"/>
               <a:t>Install learning switch rules for each unique flow </a:t>
             </a:r>
           </a:p>
           <a:p>
             <a:pPr marL="800100" lvl="1" indent="-342900"/>
             <a:r>
-              <a:rPr lang="en-US" dirty="0" smtClean="0"/>
+              <a:rPr lang="en-US" sz="1100" dirty="0" smtClean="0"/>
               <a:t>Match the unique flows upon arrival to one or more clusters initially created</a:t>
             </a:r>
           </a:p>
           <a:p>
             <a:pPr marL="800100" lvl="1" indent="-342900"/>
             <a:r>
-              <a:rPr lang="en-US" dirty="0" smtClean="0"/>
+              <a:rPr lang="en-US" sz="1100" dirty="0" smtClean="0"/>
               <a:t>Also keep an eye on the unique flow and detect if the traffic size goes beyond a threshold</a:t>
             </a:r>
           </a:p>
           <a:p>
             <a:pPr marL="800100" lvl="1" indent="-342900"/>
             <a:r>
-              <a:rPr lang="en-US" dirty="0" smtClean="0"/>
+              <a:rPr lang="en-US" sz="1100" dirty="0" smtClean="0"/>
               <a:t>Get flow statistics from the switch periodically and update the counts </a:t>
             </a:r>
           </a:p>
           <a:p>
             <a:pPr marL="800100" lvl="1" indent="-342900"/>
             <a:r>
-              <a:rPr lang="en-US" dirty="0" smtClean="0"/>
+              <a:rPr lang="en-US" sz="1100" dirty="0" smtClean="0"/>
               <a:t>Generate report of the meaningful clusters + anomalies + any interesting/misbehaving unique flows</a:t>
             </a:r>
           </a:p>
           <a:p>
             <a:pPr marL="800100" lvl="1" indent="-342900"/>
             <a:r>
-              <a:rPr lang="en-US" dirty="0" smtClean="0"/>
+              <a:rPr lang="en-US" sz="1100" dirty="0" smtClean="0"/>
               <a:t>Install / remove new signatures on the fly if needed</a:t>
             </a:r>
           </a:p>
@@ -10307,17 +16288,17 @@
               <a:buChar char="•"/>
             </a:pPr>
             <a:r>
-              <a:rPr lang="en-US" dirty="0" smtClean="0"/>
+              <a:rPr lang="en-US" sz="1100" dirty="0" smtClean="0"/>
               <a:t>Challenges</a:t>
             </a:r>
           </a:p>
           <a:p>
             <a:pPr marL="800100" lvl="1" indent="-342900"/>
             <a:r>
-              <a:rPr lang="en-US" dirty="0" smtClean="0"/>
+              <a:rPr lang="en-US" sz="1100" dirty="0" smtClean="0"/>
               <a:t>Updating count is tricky as clusters are overlapped </a:t>
             </a:r>
-            <a:endParaRPr lang="en-US" dirty="0"/>
+            <a:endParaRPr lang="en-US" sz="1100" dirty="0"/>
           </a:p>
           <a:p>
             <a:pPr marL="342900" indent="-342900">
@@ -10325,31 +16306,31 @@
               <a:buChar char="•"/>
             </a:pPr>
             <a:r>
-              <a:rPr lang="en-US" dirty="0" smtClean="0"/>
+              <a:rPr lang="en-US" sz="1100" dirty="0" smtClean="0"/>
               <a:t>Pros</a:t>
             </a:r>
           </a:p>
           <a:p>
             <a:pPr marL="800100" lvl="1" indent="-342900"/>
             <a:r>
-              <a:rPr lang="en-US" dirty="0" smtClean="0"/>
+              <a:rPr lang="en-US" sz="1100" dirty="0" smtClean="0"/>
               <a:t>The controller module has information about each unique flow </a:t>
             </a:r>
           </a:p>
           <a:p>
             <a:pPr marL="800100" lvl="1" indent="-342900"/>
             <a:r>
-              <a:rPr lang="en-US" dirty="0" smtClean="0"/>
+              <a:rPr lang="en-US" sz="1100" dirty="0" smtClean="0"/>
               <a:t>Can generate aggregated report based on these information</a:t>
             </a:r>
           </a:p>
           <a:p>
             <a:pPr marL="800100" lvl="1" indent="-342900"/>
             <a:r>
-              <a:rPr lang="en-US" dirty="0" smtClean="0"/>
+              <a:rPr lang="en-US" sz="1100" dirty="0" smtClean="0"/>
               <a:t>Does not conflict with any forwarding rules</a:t>
             </a:r>
-            <a:endParaRPr lang="en-US" dirty="0"/>
+            <a:endParaRPr lang="en-US" sz="1100" dirty="0"/>
           </a:p>
           <a:p>
             <a:pPr marL="342900" indent="-342900">
@@ -10357,34 +16338,34 @@
               <a:buChar char="•"/>
             </a:pPr>
             <a:r>
-              <a:rPr lang="en-US" dirty="0" smtClean="0"/>
+              <a:rPr lang="en-US" sz="1100" dirty="0" smtClean="0"/>
               <a:t>Cons</a:t>
             </a:r>
           </a:p>
           <a:p>
             <a:pPr marL="800100" lvl="1" indent="-342900"/>
             <a:r>
-              <a:rPr lang="en-US" dirty="0" smtClean="0"/>
+              <a:rPr lang="en-US" sz="1100" dirty="0" smtClean="0"/>
               <a:t>Needs prior knowledge as a form of input configuration files for defining the clusters</a:t>
             </a:r>
           </a:p>
           <a:p>
             <a:pPr marL="800100" lvl="1" indent="-342900"/>
             <a:r>
-              <a:rPr lang="en-US" dirty="0" smtClean="0"/>
+              <a:rPr lang="en-US" sz="1100" dirty="0" smtClean="0"/>
               <a:t>Switch gets to install more rules </a:t>
             </a:r>
           </a:p>
           <a:p>
             <a:pPr marL="800100" lvl="1" indent="-342900"/>
             <a:r>
-              <a:rPr lang="en-US" dirty="0" smtClean="0"/>
+              <a:rPr lang="en-US" sz="1100" dirty="0" smtClean="0"/>
               <a:t>Controller needs a clean up policy (or expiration of a flow)</a:t>
             </a:r>
-            <a:endParaRPr lang="en-US" dirty="0"/>
-          </a:p>
-          <a:p>
-            <a:endParaRPr lang="en-US" dirty="0" smtClean="0"/>
+            <a:endParaRPr lang="en-US" sz="1100" dirty="0"/>
+          </a:p>
+          <a:p>
+            <a:endParaRPr lang="en-US" sz="1100" dirty="0" smtClean="0"/>
           </a:p>
         </p:txBody>
       </p:sp>

--- a/Slides/740- Anomaly Detector for Floodlight .pptx
+++ b/Slides/740- Anomaly Detector for Floodlight .pptx
@@ -214,7 +214,7 @@
           <a:p>
             <a:fld id="{B94CFE1E-B7F1-4B40-8BE5-E77C4CE0FFB6}" type="datetimeFigureOut">
               <a:rPr lang="en-US" smtClean="0"/>
-              <a:t>5/10/2013</a:t>
+              <a:t>5/15/2013</a:t>
             </a:fld>
             <a:endParaRPr lang="en-US"/>
           </a:p>
@@ -928,7 +928,7 @@
             <a:fld id="{1D8BD707-D9CF-40AE-B4C6-C98DA3205C09}" type="datetimeFigureOut">
               <a:rPr lang="en-US" smtClean="0"/>
               <a:pPr/>
-              <a:t>5/10/2013</a:t>
+              <a:t>5/15/2013</a:t>
             </a:fld>
             <a:endParaRPr lang="en-US"/>
           </a:p>
@@ -1195,7 +1195,7 @@
             <a:fld id="{1D8BD707-D9CF-40AE-B4C6-C98DA3205C09}" type="datetimeFigureOut">
               <a:rPr lang="en-US" smtClean="0"/>
               <a:pPr/>
-              <a:t>5/10/2013</a:t>
+              <a:t>5/15/2013</a:t>
             </a:fld>
             <a:endParaRPr lang="en-US"/>
           </a:p>
@@ -1372,7 +1372,7 @@
             <a:fld id="{1D8BD707-D9CF-40AE-B4C6-C98DA3205C09}" type="datetimeFigureOut">
               <a:rPr lang="en-US" smtClean="0"/>
               <a:pPr/>
-              <a:t>5/10/2013</a:t>
+              <a:t>5/15/2013</a:t>
             </a:fld>
             <a:endParaRPr lang="en-US"/>
           </a:p>
@@ -1539,7 +1539,7 @@
             <a:fld id="{1D8BD707-D9CF-40AE-B4C6-C98DA3205C09}" type="datetimeFigureOut">
               <a:rPr lang="en-US" smtClean="0"/>
               <a:pPr/>
-              <a:t>5/10/2013</a:t>
+              <a:t>5/15/2013</a:t>
             </a:fld>
             <a:endParaRPr lang="en-US"/>
           </a:p>
@@ -1790,7 +1790,7 @@
             <a:fld id="{1D8BD707-D9CF-40AE-B4C6-C98DA3205C09}" type="datetimeFigureOut">
               <a:rPr lang="en-US" smtClean="0"/>
               <a:pPr/>
-              <a:t>5/10/2013</a:t>
+              <a:t>5/15/2013</a:t>
             </a:fld>
             <a:endParaRPr lang="en-US"/>
           </a:p>
@@ -2075,7 +2075,7 @@
             <a:fld id="{1D8BD707-D9CF-40AE-B4C6-C98DA3205C09}" type="datetimeFigureOut">
               <a:rPr lang="en-US" smtClean="0"/>
               <a:pPr/>
-              <a:t>5/10/2013</a:t>
+              <a:t>5/15/2013</a:t>
             </a:fld>
             <a:endParaRPr lang="en-US"/>
           </a:p>
@@ -2516,7 +2516,7 @@
             <a:fld id="{1D8BD707-D9CF-40AE-B4C6-C98DA3205C09}" type="datetimeFigureOut">
               <a:rPr lang="en-US" smtClean="0"/>
               <a:pPr/>
-              <a:t>5/10/2013</a:t>
+              <a:t>5/15/2013</a:t>
             </a:fld>
             <a:endParaRPr lang="en-US"/>
           </a:p>
@@ -2631,7 +2631,7 @@
             <a:fld id="{1D8BD707-D9CF-40AE-B4C6-C98DA3205C09}" type="datetimeFigureOut">
               <a:rPr lang="en-US" smtClean="0"/>
               <a:pPr/>
-              <a:t>5/10/2013</a:t>
+              <a:t>5/15/2013</a:t>
             </a:fld>
             <a:endParaRPr lang="en-US"/>
           </a:p>
@@ -2723,7 +2723,7 @@
             <a:fld id="{1D8BD707-D9CF-40AE-B4C6-C98DA3205C09}" type="datetimeFigureOut">
               <a:rPr lang="en-US" smtClean="0"/>
               <a:pPr/>
-              <a:t>5/10/2013</a:t>
+              <a:t>5/15/2013</a:t>
             </a:fld>
             <a:endParaRPr lang="en-US"/>
           </a:p>
@@ -2967,7 +2967,7 @@
             <a:fld id="{1D8BD707-D9CF-40AE-B4C6-C98DA3205C09}" type="datetimeFigureOut">
               <a:rPr lang="en-US" smtClean="0"/>
               <a:pPr/>
-              <a:t>5/10/2013</a:t>
+              <a:t>5/15/2013</a:t>
             </a:fld>
             <a:endParaRPr lang="en-US"/>
           </a:p>
@@ -3263,7 +3263,7 @@
             <a:fld id="{1D8BD707-D9CF-40AE-B4C6-C98DA3205C09}" type="datetimeFigureOut">
               <a:rPr lang="en-US" smtClean="0"/>
               <a:pPr/>
-              <a:t>5/10/2013</a:t>
+              <a:t>5/15/2013</a:t>
             </a:fld>
             <a:endParaRPr lang="en-US"/>
           </a:p>
@@ -3559,7 +3559,7 @@
             <a:fld id="{1D8BD707-D9CF-40AE-B4C6-C98DA3205C09}" type="datetimeFigureOut">
               <a:rPr lang="en-US" smtClean="0"/>
               <a:pPr/>
-              <a:t>5/10/2013</a:t>
+              <a:t>5/15/2013</a:t>
             </a:fld>
             <a:endParaRPr lang="en-US"/>
           </a:p>
@@ -6056,14 +6056,14 @@
           <p:cNvPr id="104" name="Elbow Connector 103"/>
           <p:cNvCxnSpPr>
             <a:stCxn id="11" idx="0"/>
-            <a:endCxn id="60" idx="1"/>
+            <a:endCxn id="8" idx="1"/>
           </p:cNvCxnSpPr>
           <p:nvPr/>
         </p:nvCxnSpPr>
         <p:spPr>
           <a:xfrm rot="5400000" flipH="1" flipV="1">
-            <a:off x="1705207" y="2144082"/>
-            <a:ext cx="3000031" cy="1214377"/>
+            <a:off x="2206901" y="2607676"/>
+            <a:ext cx="2034742" cy="1252477"/>
           </a:xfrm>
           <a:prstGeom prst="bentConnector2">
             <a:avLst/>
@@ -16557,12 +16557,8 @@
               <a:t>and </a:t>
             </a:r>
             <a:r>
-              <a:rPr lang="en-US" dirty="0" err="1" smtClean="0"/>
-              <a:t>insucient</a:t>
-            </a:r>
-            <a:r>
               <a:rPr lang="en-US" dirty="0" smtClean="0"/>
-              <a:t> </a:t>
+              <a:t>insufficient </a:t>
             </a:r>
             <a:r>
               <a:rPr lang="en-US" dirty="0"/>
@@ -16989,11 +16985,7 @@
             <a:pPr marL="800100" lvl="1" indent="-342900"/>
             <a:r>
               <a:rPr lang="en-US" dirty="0" smtClean="0"/>
-              <a:t>Open </a:t>
-            </a:r>
-            <a:r>
-              <a:rPr lang="en-US" dirty="0" smtClean="0"/>
-              <a:t> </a:t>
+              <a:t>Open  </a:t>
             </a:r>
             <a:r>
               <a:rPr lang="en-US" dirty="0" err="1" smtClean="0"/>
@@ -17001,11 +16993,7 @@
             </a:r>
             <a:r>
               <a:rPr lang="en-US" dirty="0" smtClean="0"/>
-              <a:t> </a:t>
-            </a:r>
-            <a:r>
-              <a:rPr lang="en-US" dirty="0" smtClean="0"/>
-              <a:t>does not recognize all the flow mod actions</a:t>
+              <a:t> does not recognize all the flow mod actions</a:t>
             </a:r>
           </a:p>
           <a:p>
@@ -17053,13 +17041,8 @@
             <a:pPr marL="800100" lvl="1" indent="-342900"/>
             <a:r>
               <a:rPr lang="en-US" dirty="0" smtClean="0"/>
-              <a:t>Does not allow the module to retrieve flow </a:t>
-            </a:r>
-            <a:r>
-              <a:rPr lang="en-US" dirty="0" smtClean="0"/>
-              <a:t>information until any detection</a:t>
-            </a:r>
-            <a:endParaRPr lang="en-US" dirty="0" smtClean="0"/>
+              <a:t>Does not allow the module to retrieve flow information until any detection</a:t>
+            </a:r>
           </a:p>
           <a:p>
             <a:pPr marL="800100" lvl="1" indent="-342900"/>
@@ -17176,15 +17159,7 @@
             <a:pPr marL="800100" lvl="1" indent="-342900"/>
             <a:r>
               <a:rPr lang="en-US" sz="1100" dirty="0" smtClean="0"/>
-              <a:t>Create cluster for each of these </a:t>
-            </a:r>
-            <a:r>
-              <a:rPr lang="en-US" sz="1100" dirty="0" smtClean="0"/>
-              <a:t>signatures and also create </a:t>
-            </a:r>
-            <a:r>
-              <a:rPr lang="en-US" sz="1100" dirty="0" smtClean="0"/>
-              <a:t>some base clusters (e.g. from source 10.0.0.0/16 to Any </a:t>
+              <a:t>Create cluster for each of these signatures and also create some base clusters (e.g. from source 10.0.0.0/16 to Any </a:t>
             </a:r>
             <a:r>
               <a:rPr lang="en-US" sz="1100" dirty="0" err="1" smtClean="0"/>
@@ -17235,15 +17210,7 @@
             <a:pPr marL="800100" lvl="1" indent="-342900"/>
             <a:r>
               <a:rPr lang="en-US" sz="1100" dirty="0" smtClean="0"/>
-              <a:t>Generate report </a:t>
-            </a:r>
-            <a:r>
-              <a:rPr lang="en-US" sz="1100" dirty="0" smtClean="0"/>
-              <a:t>with </a:t>
-            </a:r>
-            <a:r>
-              <a:rPr lang="en-US" sz="1100" dirty="0" smtClean="0"/>
-              <a:t>the meaningful clusters + anomalies + any interesting/misbehaving unique flows</a:t>
+              <a:t>Generate report with the meaningful clusters + anomalies + any interesting/misbehaving unique flows</a:t>
             </a:r>
           </a:p>
           <a:p>
@@ -17285,15 +17252,7 @@
             <a:pPr marL="800100" lvl="1" indent="-342900"/>
             <a:r>
               <a:rPr lang="en-US" sz="1100" dirty="0" smtClean="0"/>
-              <a:t>The controller module </a:t>
-            </a:r>
-            <a:r>
-              <a:rPr lang="en-US" sz="1100" dirty="0" smtClean="0"/>
-              <a:t>has now </a:t>
-            </a:r>
-            <a:r>
-              <a:rPr lang="en-US" sz="1100" dirty="0" smtClean="0"/>
-              <a:t>information about each unique flow </a:t>
+              <a:t>The controller module has now information about each unique flow </a:t>
             </a:r>
           </a:p>
           <a:p>
